--- a/03 React.pptx
+++ b/03 React.pptx
@@ -5,17 +5,43 @@
     <p:sldMasterId id="2147483648" r:id="rId5"/>
   </p:sldMasterIdLst>
   <p:notesMasterIdLst>
-    <p:notesMasterId r:id="rId11"/>
+    <p:notesMasterId r:id="rId37"/>
   </p:notesMasterIdLst>
   <p:handoutMasterIdLst>
-    <p:handoutMasterId r:id="rId12"/>
+    <p:handoutMasterId r:id="rId38"/>
   </p:handoutMasterIdLst>
   <p:sldIdLst>
     <p:sldId id="279" r:id="rId6"/>
     <p:sldId id="310" r:id="rId7"/>
-    <p:sldId id="281" r:id="rId8"/>
-    <p:sldId id="308" r:id="rId9"/>
-    <p:sldId id="309" r:id="rId10"/>
+    <p:sldId id="317" r:id="rId8"/>
+    <p:sldId id="318" r:id="rId9"/>
+    <p:sldId id="319" r:id="rId10"/>
+    <p:sldId id="320" r:id="rId11"/>
+    <p:sldId id="322" r:id="rId12"/>
+    <p:sldId id="323" r:id="rId13"/>
+    <p:sldId id="329" r:id="rId14"/>
+    <p:sldId id="330" r:id="rId15"/>
+    <p:sldId id="333" r:id="rId16"/>
+    <p:sldId id="331" r:id="rId17"/>
+    <p:sldId id="324" r:id="rId18"/>
+    <p:sldId id="325" r:id="rId19"/>
+    <p:sldId id="326" r:id="rId20"/>
+    <p:sldId id="327" r:id="rId21"/>
+    <p:sldId id="339" r:id="rId22"/>
+    <p:sldId id="340" r:id="rId23"/>
+    <p:sldId id="341" r:id="rId24"/>
+    <p:sldId id="342" r:id="rId25"/>
+    <p:sldId id="334" r:id="rId26"/>
+    <p:sldId id="343" r:id="rId27"/>
+    <p:sldId id="335" r:id="rId28"/>
+    <p:sldId id="344" r:id="rId29"/>
+    <p:sldId id="345" r:id="rId30"/>
+    <p:sldId id="346" r:id="rId31"/>
+    <p:sldId id="336" r:id="rId32"/>
+    <p:sldId id="332" r:id="rId33"/>
+    <p:sldId id="337" r:id="rId34"/>
+    <p:sldId id="347" r:id="rId35"/>
+    <p:sldId id="338" r:id="rId36"/>
   </p:sldIdLst>
   <p:sldSz cx="9144000" cy="6858000" type="screen4x3"/>
   <p:notesSz cx="7315200" cy="9601200"/>
@@ -147,10 +173,6 @@
 </p:presentation>
 </file>
 
-<file path=ppt/revisionInfo.xml><?xml version="1.0" encoding="utf-8"?>
-<p1510:revInfo xmlns:a="http://schemas.openxmlformats.org/drawingml/2006/main" xmlns:r="http://schemas.openxmlformats.org/officeDocument/2006/relationships" xmlns:p1510="http://schemas.microsoft.com/office/powerpoint/2015/10/main"/>
-</file>
-
 <file path=ppt/handoutMasters/handoutMaster1.xml><?xml version="1.0" encoding="utf-8"?>
 <p:handoutMaster xmlns:a="http://schemas.openxmlformats.org/drawingml/2006/main" xmlns:r="http://schemas.openxmlformats.org/officeDocument/2006/relationships" xmlns:p="http://schemas.openxmlformats.org/presentationml/2006/main">
   <p:cSld>
@@ -750,39 +772,404 @@
           <a:bodyPr/>
           <a:lstStyle/>
           <a:p>
-            <a:pPr marL="0" marR="0" indent="0" algn="l" defTabSz="914400" rtl="0" eaLnBrk="1" fontAlgn="auto" latinLnBrk="0" hangingPunct="1">
-              <a:lnSpc>
-                <a:spcPct val="100000"/>
-              </a:lnSpc>
-              <a:spcBef>
-                <a:spcPts val="0"/>
-              </a:spcBef>
-              <a:spcAft>
-                <a:spcPts val="0"/>
-              </a:spcAft>
-              <a:buClrTx/>
-              <a:buSzTx/>
-              <a:buFontTx/>
-              <a:buNone/>
-              <a:tabLst/>
-              <a:defRPr/>
-            </a:pPr>
-            <a:endParaRPr lang="en-US" sz="1200" kern="1200" baseline="0" dirty="0">
-              <a:solidFill>
-                <a:schemeClr val="tx1"/>
-              </a:solidFill>
-              <a:effectLst/>
-              <a:latin typeface="+mn-lt"/>
-              <a:ea typeface="+mn-ea"/>
-              <a:cs typeface="+mn-cs"/>
-            </a:endParaRPr>
+            <a:endParaRPr lang="en-US" dirty="0"/>
+          </a:p>
+        </p:txBody>
+      </p:sp>
+      <p:sp>
+        <p:nvSpPr>
+          <p:cNvPr id="4" name="Slide Number Placeholder 3"/>
+          <p:cNvSpPr>
+            <a:spLocks noGrp="1"/>
+          </p:cNvSpPr>
+          <p:nvPr>
+            <p:ph type="sldNum" sz="quarter" idx="10"/>
+          </p:nvPr>
+        </p:nvSpPr>
+        <p:spPr/>
+        <p:txBody>
+          <a:bodyPr/>
+          <a:lstStyle/>
+          <a:p>
+            <a:fld id="{2F76F59A-19AF-4ED3-8DA1-0C43B56A35E5}" type="slidenum">
+              <a:rPr lang="en-US" altLang="en-US" smtClean="0"/>
+              <a:pPr/>
+              <a:t>10</a:t>
+            </a:fld>
+            <a:endParaRPr lang="en-US" altLang="en-US"/>
           </a:p>
         </p:txBody>
       </p:sp>
     </p:spTree>
     <p:extLst>
       <p:ext uri="{BB962C8B-B14F-4D97-AF65-F5344CB8AC3E}">
-        <p14:creationId xmlns:p14="http://schemas.microsoft.com/office/powerpoint/2010/main" val="2806009468"/>
+        <p14:creationId xmlns:p14="http://schemas.microsoft.com/office/powerpoint/2010/main" val="3690696679"/>
+      </p:ext>
+    </p:extLst>
+  </p:cSld>
+  <p:clrMapOvr>
+    <a:masterClrMapping/>
+  </p:clrMapOvr>
+</p:notes>
+</file>
+
+<file path=ppt/notesSlides/notesSlide4.xml><?xml version="1.0" encoding="utf-8"?>
+<p:notes xmlns:a="http://schemas.openxmlformats.org/drawingml/2006/main" xmlns:r="http://schemas.openxmlformats.org/officeDocument/2006/relationships" xmlns:p="http://schemas.openxmlformats.org/presentationml/2006/main">
+  <p:cSld>
+    <p:spTree>
+      <p:nvGrpSpPr>
+        <p:cNvPr id="1" name=""/>
+        <p:cNvGrpSpPr/>
+        <p:nvPr/>
+      </p:nvGrpSpPr>
+      <p:grpSpPr>
+        <a:xfrm>
+          <a:off x="0" y="0"/>
+          <a:ext cx="0" cy="0"/>
+          <a:chOff x="0" y="0"/>
+          <a:chExt cx="0" cy="0"/>
+        </a:xfrm>
+      </p:grpSpPr>
+      <p:sp>
+        <p:nvSpPr>
+          <p:cNvPr id="2" name="Slide Image Placeholder 1"/>
+          <p:cNvSpPr>
+            <a:spLocks noGrp="1" noRot="1" noChangeAspect="1"/>
+          </p:cNvSpPr>
+          <p:nvPr>
+            <p:ph type="sldImg"/>
+          </p:nvPr>
+        </p:nvSpPr>
+        <p:spPr/>
+      </p:sp>
+      <p:sp>
+        <p:nvSpPr>
+          <p:cNvPr id="3" name="Notes Placeholder 2"/>
+          <p:cNvSpPr>
+            <a:spLocks noGrp="1"/>
+          </p:cNvSpPr>
+          <p:nvPr>
+            <p:ph type="body" idx="1"/>
+          </p:nvPr>
+        </p:nvSpPr>
+        <p:spPr/>
+        <p:txBody>
+          <a:bodyPr/>
+          <a:lstStyle/>
+          <a:p>
+            <a:endParaRPr lang="en-US" dirty="0"/>
+          </a:p>
+        </p:txBody>
+      </p:sp>
+    </p:spTree>
+    <p:extLst>
+      <p:ext uri="{BB962C8B-B14F-4D97-AF65-F5344CB8AC3E}">
+        <p14:creationId xmlns:p14="http://schemas.microsoft.com/office/powerpoint/2010/main" val="3751714584"/>
+      </p:ext>
+    </p:extLst>
+  </p:cSld>
+  <p:clrMapOvr>
+    <a:masterClrMapping/>
+  </p:clrMapOvr>
+</p:notes>
+</file>
+
+<file path=ppt/notesSlides/notesSlide5.xml><?xml version="1.0" encoding="utf-8"?>
+<p:notes xmlns:a="http://schemas.openxmlformats.org/drawingml/2006/main" xmlns:r="http://schemas.openxmlformats.org/officeDocument/2006/relationships" xmlns:p="http://schemas.openxmlformats.org/presentationml/2006/main">
+  <p:cSld>
+    <p:spTree>
+      <p:nvGrpSpPr>
+        <p:cNvPr id="1" name=""/>
+        <p:cNvGrpSpPr/>
+        <p:nvPr/>
+      </p:nvGrpSpPr>
+      <p:grpSpPr>
+        <a:xfrm>
+          <a:off x="0" y="0"/>
+          <a:ext cx="0" cy="0"/>
+          <a:chOff x="0" y="0"/>
+          <a:chExt cx="0" cy="0"/>
+        </a:xfrm>
+      </p:grpSpPr>
+      <p:sp>
+        <p:nvSpPr>
+          <p:cNvPr id="2" name="Slide Image Placeholder 1"/>
+          <p:cNvSpPr>
+            <a:spLocks noGrp="1" noRot="1" noChangeAspect="1"/>
+          </p:cNvSpPr>
+          <p:nvPr>
+            <p:ph type="sldImg"/>
+          </p:nvPr>
+        </p:nvSpPr>
+        <p:spPr/>
+      </p:sp>
+      <p:sp>
+        <p:nvSpPr>
+          <p:cNvPr id="3" name="Notes Placeholder 2"/>
+          <p:cNvSpPr>
+            <a:spLocks noGrp="1"/>
+          </p:cNvSpPr>
+          <p:nvPr>
+            <p:ph type="body" idx="1"/>
+          </p:nvPr>
+        </p:nvSpPr>
+        <p:spPr/>
+        <p:txBody>
+          <a:bodyPr/>
+          <a:lstStyle/>
+          <a:p>
+            <a:endParaRPr lang="en-US" dirty="0"/>
+          </a:p>
+        </p:txBody>
+      </p:sp>
+    </p:spTree>
+    <p:extLst>
+      <p:ext uri="{BB962C8B-B14F-4D97-AF65-F5344CB8AC3E}">
+        <p14:creationId xmlns:p14="http://schemas.microsoft.com/office/powerpoint/2010/main" val="740163657"/>
+      </p:ext>
+    </p:extLst>
+  </p:cSld>
+  <p:clrMapOvr>
+    <a:masterClrMapping/>
+  </p:clrMapOvr>
+</p:notes>
+</file>
+
+<file path=ppt/notesSlides/notesSlide6.xml><?xml version="1.0" encoding="utf-8"?>
+<p:notes xmlns:a="http://schemas.openxmlformats.org/drawingml/2006/main" xmlns:r="http://schemas.openxmlformats.org/officeDocument/2006/relationships" xmlns:p="http://schemas.openxmlformats.org/presentationml/2006/main">
+  <p:cSld>
+    <p:spTree>
+      <p:nvGrpSpPr>
+        <p:cNvPr id="1" name=""/>
+        <p:cNvGrpSpPr/>
+        <p:nvPr/>
+      </p:nvGrpSpPr>
+      <p:grpSpPr>
+        <a:xfrm>
+          <a:off x="0" y="0"/>
+          <a:ext cx="0" cy="0"/>
+          <a:chOff x="0" y="0"/>
+          <a:chExt cx="0" cy="0"/>
+        </a:xfrm>
+      </p:grpSpPr>
+      <p:sp>
+        <p:nvSpPr>
+          <p:cNvPr id="2" name="Slide Image Placeholder 1"/>
+          <p:cNvSpPr>
+            <a:spLocks noGrp="1" noRot="1" noChangeAspect="1"/>
+          </p:cNvSpPr>
+          <p:nvPr>
+            <p:ph type="sldImg"/>
+          </p:nvPr>
+        </p:nvSpPr>
+        <p:spPr/>
+      </p:sp>
+      <p:sp>
+        <p:nvSpPr>
+          <p:cNvPr id="3" name="Notes Placeholder 2"/>
+          <p:cNvSpPr>
+            <a:spLocks noGrp="1"/>
+          </p:cNvSpPr>
+          <p:nvPr>
+            <p:ph type="body" idx="1"/>
+          </p:nvPr>
+        </p:nvSpPr>
+        <p:spPr/>
+        <p:txBody>
+          <a:bodyPr/>
+          <a:lstStyle/>
+          <a:p>
+            <a:endParaRPr lang="en-US" dirty="0"/>
+          </a:p>
+        </p:txBody>
+      </p:sp>
+    </p:spTree>
+    <p:extLst>
+      <p:ext uri="{BB962C8B-B14F-4D97-AF65-F5344CB8AC3E}">
+        <p14:creationId xmlns:p14="http://schemas.microsoft.com/office/powerpoint/2010/main" val="2154301524"/>
+      </p:ext>
+    </p:extLst>
+  </p:cSld>
+  <p:clrMapOvr>
+    <a:masterClrMapping/>
+  </p:clrMapOvr>
+</p:notes>
+</file>
+
+<file path=ppt/notesSlides/notesSlide7.xml><?xml version="1.0" encoding="utf-8"?>
+<p:notes xmlns:a="http://schemas.openxmlformats.org/drawingml/2006/main" xmlns:r="http://schemas.openxmlformats.org/officeDocument/2006/relationships" xmlns:p="http://schemas.openxmlformats.org/presentationml/2006/main">
+  <p:cSld>
+    <p:spTree>
+      <p:nvGrpSpPr>
+        <p:cNvPr id="1" name=""/>
+        <p:cNvGrpSpPr/>
+        <p:nvPr/>
+      </p:nvGrpSpPr>
+      <p:grpSpPr>
+        <a:xfrm>
+          <a:off x="0" y="0"/>
+          <a:ext cx="0" cy="0"/>
+          <a:chOff x="0" y="0"/>
+          <a:chExt cx="0" cy="0"/>
+        </a:xfrm>
+      </p:grpSpPr>
+      <p:sp>
+        <p:nvSpPr>
+          <p:cNvPr id="2" name="Slide Image Placeholder 1"/>
+          <p:cNvSpPr>
+            <a:spLocks noGrp="1" noRot="1" noChangeAspect="1"/>
+          </p:cNvSpPr>
+          <p:nvPr>
+            <p:ph type="sldImg"/>
+          </p:nvPr>
+        </p:nvSpPr>
+        <p:spPr/>
+      </p:sp>
+      <p:sp>
+        <p:nvSpPr>
+          <p:cNvPr id="3" name="Notes Placeholder 2"/>
+          <p:cNvSpPr>
+            <a:spLocks noGrp="1"/>
+          </p:cNvSpPr>
+          <p:nvPr>
+            <p:ph type="body" idx="1"/>
+          </p:nvPr>
+        </p:nvSpPr>
+        <p:spPr/>
+        <p:txBody>
+          <a:bodyPr/>
+          <a:lstStyle/>
+          <a:p>
+            <a:endParaRPr lang="en-US" dirty="0"/>
+          </a:p>
+        </p:txBody>
+      </p:sp>
+    </p:spTree>
+    <p:extLst>
+      <p:ext uri="{BB962C8B-B14F-4D97-AF65-F5344CB8AC3E}">
+        <p14:creationId xmlns:p14="http://schemas.microsoft.com/office/powerpoint/2010/main" val="1144696974"/>
+      </p:ext>
+    </p:extLst>
+  </p:cSld>
+  <p:clrMapOvr>
+    <a:masterClrMapping/>
+  </p:clrMapOvr>
+</p:notes>
+</file>
+
+<file path=ppt/notesSlides/notesSlide8.xml><?xml version="1.0" encoding="utf-8"?>
+<p:notes xmlns:a="http://schemas.openxmlformats.org/drawingml/2006/main" xmlns:r="http://schemas.openxmlformats.org/officeDocument/2006/relationships" xmlns:p="http://schemas.openxmlformats.org/presentationml/2006/main">
+  <p:cSld>
+    <p:spTree>
+      <p:nvGrpSpPr>
+        <p:cNvPr id="1" name=""/>
+        <p:cNvGrpSpPr/>
+        <p:nvPr/>
+      </p:nvGrpSpPr>
+      <p:grpSpPr>
+        <a:xfrm>
+          <a:off x="0" y="0"/>
+          <a:ext cx="0" cy="0"/>
+          <a:chOff x="0" y="0"/>
+          <a:chExt cx="0" cy="0"/>
+        </a:xfrm>
+      </p:grpSpPr>
+      <p:sp>
+        <p:nvSpPr>
+          <p:cNvPr id="2" name="Slide Image Placeholder 1"/>
+          <p:cNvSpPr>
+            <a:spLocks noGrp="1" noRot="1" noChangeAspect="1"/>
+          </p:cNvSpPr>
+          <p:nvPr>
+            <p:ph type="sldImg"/>
+          </p:nvPr>
+        </p:nvSpPr>
+        <p:spPr/>
+      </p:sp>
+      <p:sp>
+        <p:nvSpPr>
+          <p:cNvPr id="3" name="Notes Placeholder 2"/>
+          <p:cNvSpPr>
+            <a:spLocks noGrp="1"/>
+          </p:cNvSpPr>
+          <p:nvPr>
+            <p:ph type="body" idx="1"/>
+          </p:nvPr>
+        </p:nvSpPr>
+        <p:spPr/>
+        <p:txBody>
+          <a:bodyPr/>
+          <a:lstStyle/>
+          <a:p>
+            <a:endParaRPr lang="en-US" dirty="0"/>
+          </a:p>
+        </p:txBody>
+      </p:sp>
+    </p:spTree>
+    <p:extLst>
+      <p:ext uri="{BB962C8B-B14F-4D97-AF65-F5344CB8AC3E}">
+        <p14:creationId xmlns:p14="http://schemas.microsoft.com/office/powerpoint/2010/main" val="4243695234"/>
+      </p:ext>
+    </p:extLst>
+  </p:cSld>
+  <p:clrMapOvr>
+    <a:masterClrMapping/>
+  </p:clrMapOvr>
+</p:notes>
+</file>
+
+<file path=ppt/notesSlides/notesSlide9.xml><?xml version="1.0" encoding="utf-8"?>
+<p:notes xmlns:a="http://schemas.openxmlformats.org/drawingml/2006/main" xmlns:r="http://schemas.openxmlformats.org/officeDocument/2006/relationships" xmlns:p="http://schemas.openxmlformats.org/presentationml/2006/main">
+  <p:cSld>
+    <p:spTree>
+      <p:nvGrpSpPr>
+        <p:cNvPr id="1" name=""/>
+        <p:cNvGrpSpPr/>
+        <p:nvPr/>
+      </p:nvGrpSpPr>
+      <p:grpSpPr>
+        <a:xfrm>
+          <a:off x="0" y="0"/>
+          <a:ext cx="0" cy="0"/>
+          <a:chOff x="0" y="0"/>
+          <a:chExt cx="0" cy="0"/>
+        </a:xfrm>
+      </p:grpSpPr>
+      <p:sp>
+        <p:nvSpPr>
+          <p:cNvPr id="2" name="Slide Image Placeholder 1"/>
+          <p:cNvSpPr>
+            <a:spLocks noGrp="1" noRot="1" noChangeAspect="1"/>
+          </p:cNvSpPr>
+          <p:nvPr>
+            <p:ph type="sldImg"/>
+          </p:nvPr>
+        </p:nvSpPr>
+        <p:spPr/>
+      </p:sp>
+      <p:sp>
+        <p:nvSpPr>
+          <p:cNvPr id="3" name="Notes Placeholder 2"/>
+          <p:cNvSpPr>
+            <a:spLocks noGrp="1"/>
+          </p:cNvSpPr>
+          <p:nvPr>
+            <p:ph type="body" idx="1"/>
+          </p:nvPr>
+        </p:nvSpPr>
+        <p:spPr/>
+        <p:txBody>
+          <a:bodyPr/>
+          <a:lstStyle/>
+          <a:p>
+            <a:endParaRPr lang="en-US" dirty="0"/>
+          </a:p>
+        </p:txBody>
+      </p:sp>
+    </p:spTree>
+    <p:extLst>
+      <p:ext uri="{BB962C8B-B14F-4D97-AF65-F5344CB8AC3E}">
+        <p14:creationId xmlns:p14="http://schemas.microsoft.com/office/powerpoint/2010/main" val="444119887"/>
       </p:ext>
     </p:extLst>
   </p:cSld>
@@ -2926,6 +3313,1588 @@
 </p:sld>
 </file>
 
+<file path=ppt/slides/slide10.xml><?xml version="1.0" encoding="utf-8"?>
+<p:sld xmlns:a="http://schemas.openxmlformats.org/drawingml/2006/main" xmlns:r="http://schemas.openxmlformats.org/officeDocument/2006/relationships" xmlns:p="http://schemas.openxmlformats.org/presentationml/2006/main">
+  <p:cSld>
+    <p:spTree>
+      <p:nvGrpSpPr>
+        <p:cNvPr id="1" name=""/>
+        <p:cNvGrpSpPr/>
+        <p:nvPr/>
+      </p:nvGrpSpPr>
+      <p:grpSpPr>
+        <a:xfrm>
+          <a:off x="0" y="0"/>
+          <a:ext cx="0" cy="0"/>
+          <a:chOff x="0" y="0"/>
+          <a:chExt cx="0" cy="0"/>
+        </a:xfrm>
+      </p:grpSpPr>
+      <p:sp>
+        <p:nvSpPr>
+          <p:cNvPr id="2" name="Title 1"/>
+          <p:cNvSpPr>
+            <a:spLocks noGrp="1"/>
+          </p:cNvSpPr>
+          <p:nvPr>
+            <p:ph type="title"/>
+          </p:nvPr>
+        </p:nvSpPr>
+        <p:spPr/>
+        <p:txBody>
+          <a:bodyPr/>
+          <a:lstStyle/>
+          <a:p>
+            <a:r>
+              <a:rPr lang="en-US" dirty="0"/>
+              <a:t>Understanding JSX (and TSX)</a:t>
+            </a:r>
+          </a:p>
+        </p:txBody>
+      </p:sp>
+      <p:sp>
+        <p:nvSpPr>
+          <p:cNvPr id="7" name="Content Placeholder 6"/>
+          <p:cNvSpPr>
+            <a:spLocks noGrp="1"/>
+          </p:cNvSpPr>
+          <p:nvPr>
+            <p:ph idx="1"/>
+          </p:nvPr>
+        </p:nvSpPr>
+        <p:spPr/>
+        <p:txBody>
+          <a:bodyPr/>
+          <a:lstStyle/>
+          <a:p>
+            <a:pPr marL="285750" indent="-285750"/>
+            <a:r>
+              <a:rPr lang="en-US" dirty="0"/>
+              <a:t>JSX provides better syntax for HTML composition</a:t>
+            </a:r>
+          </a:p>
+          <a:p>
+            <a:pPr marL="620712" lvl="1" indent="-285750"/>
+            <a:r>
+              <a:rPr lang="en-US" dirty="0"/>
+              <a:t>JSX allows extends JavaScript with XML-like syntax</a:t>
+            </a:r>
+          </a:p>
+          <a:p>
+            <a:pPr marL="620712" lvl="1" indent="-285750"/>
+            <a:r>
+              <a:rPr lang="en-US" dirty="0"/>
+              <a:t>JSX syntax must be </a:t>
+            </a:r>
+            <a:r>
+              <a:rPr lang="en-US" dirty="0" err="1"/>
+              <a:t>transpiled</a:t>
+            </a:r>
+            <a:r>
+              <a:rPr lang="en-US" dirty="0"/>
+              <a:t> into JavaScript code</a:t>
+            </a:r>
+          </a:p>
+          <a:p>
+            <a:pPr marL="620712" lvl="1" indent="-285750"/>
+            <a:endParaRPr lang="en-US" dirty="0"/>
+          </a:p>
+          <a:p>
+            <a:pPr marL="620712" lvl="1" indent="-285750"/>
+            <a:endParaRPr lang="en-US" dirty="0"/>
+          </a:p>
+          <a:p>
+            <a:pPr marL="620712" lvl="1" indent="-285750"/>
+            <a:endParaRPr lang="en-US" dirty="0"/>
+          </a:p>
+          <a:p>
+            <a:pPr marL="620712" lvl="1" indent="-285750"/>
+            <a:endParaRPr lang="en-US" dirty="0"/>
+          </a:p>
+          <a:p>
+            <a:pPr marL="285750" indent="-285750"/>
+            <a:r>
+              <a:rPr lang="en-US" dirty="0"/>
+              <a:t>JSX/TSX is separate from React library</a:t>
+            </a:r>
+          </a:p>
+          <a:p>
+            <a:pPr marL="620712" lvl="1" indent="-285750"/>
+            <a:r>
+              <a:rPr lang="en-US" dirty="0"/>
+              <a:t>JSX/TSX commonly used in React development</a:t>
+            </a:r>
+          </a:p>
+          <a:p>
+            <a:pPr marL="620712" lvl="1" indent="-285750"/>
+            <a:r>
+              <a:rPr lang="en-US" dirty="0"/>
+              <a:t>Babel compiler used to </a:t>
+            </a:r>
+            <a:r>
+              <a:rPr lang="en-US" dirty="0" err="1"/>
+              <a:t>transpile</a:t>
+            </a:r>
+            <a:r>
+              <a:rPr lang="en-US" dirty="0"/>
+              <a:t> JSX to JavaScript</a:t>
+            </a:r>
+          </a:p>
+          <a:p>
+            <a:pPr marL="620712" lvl="1" indent="-285750"/>
+            <a:r>
+              <a:rPr lang="en-US" dirty="0"/>
+              <a:t>TypeScript compiler used to </a:t>
+            </a:r>
+            <a:r>
+              <a:rPr lang="en-US" dirty="0" err="1"/>
+              <a:t>transpile</a:t>
+            </a:r>
+            <a:r>
+              <a:rPr lang="en-US" dirty="0"/>
+              <a:t> TSX to JavaScript</a:t>
+            </a:r>
+          </a:p>
+        </p:txBody>
+      </p:sp>
+      <p:pic>
+        <p:nvPicPr>
+          <p:cNvPr id="3" name="Picture 2"/>
+          <p:cNvPicPr>
+            <a:picLocks noChangeAspect="1"/>
+          </p:cNvPicPr>
+          <p:nvPr/>
+        </p:nvPicPr>
+        <p:blipFill>
+          <a:blip r:embed="rId3"/>
+          <a:stretch>
+            <a:fillRect/>
+          </a:stretch>
+        </p:blipFill>
+        <p:spPr>
+          <a:xfrm>
+            <a:off x="1066800" y="2895600"/>
+            <a:ext cx="7502843" cy="1543937"/>
+          </a:xfrm>
+          <a:prstGeom prst="rect">
+            <a:avLst/>
+          </a:prstGeom>
+        </p:spPr>
+      </p:pic>
+    </p:spTree>
+    <p:extLst>
+      <p:ext uri="{BB962C8B-B14F-4D97-AF65-F5344CB8AC3E}">
+        <p14:creationId xmlns:p14="http://schemas.microsoft.com/office/powerpoint/2010/main" val="2121321310"/>
+      </p:ext>
+    </p:extLst>
+  </p:cSld>
+  <p:clrMapOvr>
+    <a:masterClrMapping/>
+  </p:clrMapOvr>
+</p:sld>
+</file>
+
+<file path=ppt/slides/slide11.xml><?xml version="1.0" encoding="utf-8"?>
+<p:sld xmlns:a="http://schemas.openxmlformats.org/drawingml/2006/main" xmlns:r="http://schemas.openxmlformats.org/officeDocument/2006/relationships" xmlns:p="http://schemas.openxmlformats.org/presentationml/2006/main">
+  <p:cSld>
+    <p:spTree>
+      <p:nvGrpSpPr>
+        <p:cNvPr id="1" name=""/>
+        <p:cNvGrpSpPr/>
+        <p:nvPr/>
+      </p:nvGrpSpPr>
+      <p:grpSpPr>
+        <a:xfrm>
+          <a:off x="0" y="0"/>
+          <a:ext cx="0" cy="0"/>
+          <a:chOff x="0" y="0"/>
+          <a:chExt cx="0" cy="0"/>
+        </a:xfrm>
+      </p:grpSpPr>
+      <p:sp>
+        <p:nvSpPr>
+          <p:cNvPr id="2" name="Title 1"/>
+          <p:cNvSpPr>
+            <a:spLocks noGrp="1"/>
+          </p:cNvSpPr>
+          <p:nvPr>
+            <p:ph type="title"/>
+          </p:nvPr>
+        </p:nvSpPr>
+        <p:spPr/>
+        <p:txBody>
+          <a:bodyPr/>
+          <a:lstStyle/>
+          <a:p>
+            <a:r>
+              <a:rPr lang="en-US"/>
+              <a:t>Agenda</a:t>
+            </a:r>
+            <a:endParaRPr lang="en-US" dirty="0"/>
+          </a:p>
+        </p:txBody>
+      </p:sp>
+      <p:sp>
+        <p:nvSpPr>
+          <p:cNvPr id="3" name="Content Placeholder 2"/>
+          <p:cNvSpPr>
+            <a:spLocks noGrp="1"/>
+          </p:cNvSpPr>
+          <p:nvPr>
+            <p:ph idx="1"/>
+          </p:nvPr>
+        </p:nvSpPr>
+        <p:spPr/>
+        <p:txBody>
+          <a:bodyPr>
+            <a:noAutofit/>
+          </a:bodyPr>
+          <a:lstStyle/>
+          <a:p>
+            <a:pPr lvl="0">
+              <a:buFont typeface="Wingdings" panose="05000000000000000000" pitchFamily="2" charset="2"/>
+              <a:buChar char="ü"/>
+            </a:pPr>
+            <a:r>
+              <a:rPr lang="en-US" sz="2400" dirty="0"/>
+              <a:t>Getting Started with React.js</a:t>
+            </a:r>
+          </a:p>
+          <a:p>
+            <a:pPr lvl="0">
+              <a:buFont typeface="Wingdings" panose="05000000000000000000" pitchFamily="2" charset="2"/>
+              <a:buChar char="Ø"/>
+            </a:pPr>
+            <a:r>
+              <a:rPr lang="en-US" sz="2400" dirty="0"/>
+              <a:t>Creating SPAs using React.js, TypeScript and Webpack</a:t>
+            </a:r>
+          </a:p>
+          <a:p>
+            <a:pPr lvl="0"/>
+            <a:r>
+              <a:rPr lang="en-US" sz="2400" dirty="0"/>
+              <a:t>Designing a React Component Hierarchy</a:t>
+            </a:r>
+          </a:p>
+          <a:p>
+            <a:r>
+              <a:rPr lang="en-US" sz="2400" dirty="0"/>
+              <a:t>Extending a React Project with the React Router</a:t>
+            </a:r>
+          </a:p>
+          <a:p>
+            <a:pPr lvl="0"/>
+            <a:r>
+              <a:rPr lang="en-US" sz="2400" dirty="0"/>
+              <a:t>Understanding the React Component Lifecycle Methods</a:t>
+            </a:r>
+          </a:p>
+          <a:p>
+            <a:pPr lvl="0"/>
+            <a:r>
+              <a:rPr lang="en-US" sz="2400" dirty="0"/>
+              <a:t>Calling Across the Network using the Fetch API</a:t>
+            </a:r>
+          </a:p>
+        </p:txBody>
+      </p:sp>
+    </p:spTree>
+    <p:extLst>
+      <p:ext uri="{BB962C8B-B14F-4D97-AF65-F5344CB8AC3E}">
+        <p14:creationId xmlns:p14="http://schemas.microsoft.com/office/powerpoint/2010/main" val="1194756509"/>
+      </p:ext>
+    </p:extLst>
+  </p:cSld>
+  <p:clrMapOvr>
+    <a:masterClrMapping/>
+  </p:clrMapOvr>
+</p:sld>
+</file>
+
+<file path=ppt/slides/slide12.xml><?xml version="1.0" encoding="utf-8"?>
+<p:sld xmlns:a="http://schemas.openxmlformats.org/drawingml/2006/main" xmlns:r="http://schemas.openxmlformats.org/officeDocument/2006/relationships" xmlns:p="http://schemas.openxmlformats.org/presentationml/2006/main">
+  <p:cSld>
+    <p:spTree>
+      <p:nvGrpSpPr>
+        <p:cNvPr id="1" name=""/>
+        <p:cNvGrpSpPr/>
+        <p:nvPr/>
+      </p:nvGrpSpPr>
+      <p:grpSpPr>
+        <a:xfrm>
+          <a:off x="0" y="0"/>
+          <a:ext cx="0" cy="0"/>
+          <a:chOff x="0" y="0"/>
+          <a:chExt cx="0" cy="0"/>
+        </a:xfrm>
+      </p:grpSpPr>
+      <p:sp>
+        <p:nvSpPr>
+          <p:cNvPr id="2" name="Title 1"/>
+          <p:cNvSpPr>
+            <a:spLocks noGrp="1"/>
+          </p:cNvSpPr>
+          <p:nvPr>
+            <p:ph type="title"/>
+          </p:nvPr>
+        </p:nvSpPr>
+        <p:spPr/>
+        <p:txBody>
+          <a:bodyPr/>
+          <a:lstStyle/>
+          <a:p>
+            <a:r>
+              <a:rPr lang="en-US" sz="2600" dirty="0"/>
+              <a:t>Defining React Components using TypeScript</a:t>
+            </a:r>
+          </a:p>
+        </p:txBody>
+      </p:sp>
+      <p:sp>
+        <p:nvSpPr>
+          <p:cNvPr id="3" name="Content Placeholder 2"/>
+          <p:cNvSpPr>
+            <a:spLocks noGrp="1"/>
+          </p:cNvSpPr>
+          <p:nvPr>
+            <p:ph idx="1"/>
+          </p:nvPr>
+        </p:nvSpPr>
+        <p:spPr/>
+        <p:txBody>
+          <a:bodyPr>
+            <a:normAutofit/>
+          </a:bodyPr>
+          <a:lstStyle/>
+          <a:p>
+            <a:r>
+              <a:rPr lang="en-US" sz="2400" dirty="0"/>
+              <a:t>Component is class extending </a:t>
+            </a:r>
+            <a:r>
+              <a:rPr lang="en-US" sz="1800" b="1" dirty="0" err="1">
+                <a:latin typeface="Lucida Console" panose="020B0609040504020204" pitchFamily="49" charset="0"/>
+              </a:rPr>
+              <a:t>React.Component</a:t>
+            </a:r>
+            <a:endParaRPr lang="en-US" sz="2400" b="1" dirty="0">
+              <a:latin typeface="Lucida Console" panose="020B0609040504020204" pitchFamily="49" charset="0"/>
+            </a:endParaRPr>
+          </a:p>
+          <a:p>
+            <a:pPr lvl="1"/>
+            <a:r>
+              <a:rPr lang="en-US" sz="2000" dirty="0"/>
+              <a:t>Component usually defined in its own </a:t>
+            </a:r>
+            <a:r>
+              <a:rPr lang="en-US" sz="2000" b="1" dirty="0" err="1"/>
+              <a:t>tsx</a:t>
+            </a:r>
+            <a:r>
+              <a:rPr lang="en-US" sz="2000" dirty="0"/>
+              <a:t> file</a:t>
+            </a:r>
+          </a:p>
+          <a:p>
+            <a:pPr lvl="1"/>
+            <a:r>
+              <a:rPr lang="en-US" sz="2000" dirty="0"/>
+              <a:t>Component class must define </a:t>
+            </a:r>
+            <a:r>
+              <a:rPr lang="en-US" sz="2000" b="1" dirty="0"/>
+              <a:t>render</a:t>
+            </a:r>
+            <a:r>
+              <a:rPr lang="en-US" sz="2000" dirty="0"/>
+              <a:t> method</a:t>
+            </a:r>
+          </a:p>
+          <a:p>
+            <a:pPr lvl="1"/>
+            <a:endParaRPr lang="en-US" sz="2000" dirty="0"/>
+          </a:p>
+          <a:p>
+            <a:pPr marL="12700" indent="0">
+              <a:buNone/>
+            </a:pPr>
+            <a:endParaRPr lang="en-US" sz="2400" dirty="0"/>
+          </a:p>
+          <a:p>
+            <a:endParaRPr lang="en-US" sz="2400" dirty="0"/>
+          </a:p>
+          <a:p>
+            <a:endParaRPr lang="en-US" sz="2400" dirty="0"/>
+          </a:p>
+          <a:p>
+            <a:pPr lvl="1"/>
+            <a:r>
+              <a:rPr lang="en-US" sz="2000" dirty="0"/>
+              <a:t>Component can be instantiated with JSX/TSX syntax</a:t>
+            </a:r>
+          </a:p>
+        </p:txBody>
+      </p:sp>
+      <p:pic>
+        <p:nvPicPr>
+          <p:cNvPr id="5" name="Picture 4"/>
+          <p:cNvPicPr>
+            <a:picLocks noChangeAspect="1"/>
+          </p:cNvPicPr>
+          <p:nvPr/>
+        </p:nvPicPr>
+        <p:blipFill>
+          <a:blip r:embed="rId2"/>
+          <a:stretch>
+            <a:fillRect/>
+          </a:stretch>
+        </p:blipFill>
+        <p:spPr>
+          <a:xfrm>
+            <a:off x="1183638" y="4853940"/>
+            <a:ext cx="5311140" cy="1775460"/>
+          </a:xfrm>
+          <a:prstGeom prst="rect">
+            <a:avLst/>
+          </a:prstGeom>
+        </p:spPr>
+      </p:pic>
+      <p:pic>
+        <p:nvPicPr>
+          <p:cNvPr id="6" name="Picture 5"/>
+          <p:cNvPicPr>
+            <a:picLocks noChangeAspect="1"/>
+          </p:cNvPicPr>
+          <p:nvPr/>
+        </p:nvPicPr>
+        <p:blipFill>
+          <a:blip r:embed="rId3"/>
+          <a:stretch>
+            <a:fillRect/>
+          </a:stretch>
+        </p:blipFill>
+        <p:spPr>
+          <a:xfrm>
+            <a:off x="1203958" y="2712720"/>
+            <a:ext cx="4808220" cy="1623060"/>
+          </a:xfrm>
+          <a:prstGeom prst="rect">
+            <a:avLst/>
+          </a:prstGeom>
+        </p:spPr>
+      </p:pic>
+    </p:spTree>
+    <p:extLst>
+      <p:ext uri="{BB962C8B-B14F-4D97-AF65-F5344CB8AC3E}">
+        <p14:creationId xmlns:p14="http://schemas.microsoft.com/office/powerpoint/2010/main" val="1972879697"/>
+      </p:ext>
+    </p:extLst>
+  </p:cSld>
+  <p:clrMapOvr>
+    <a:masterClrMapping/>
+  </p:clrMapOvr>
+</p:sld>
+</file>
+
+<file path=ppt/slides/slide13.xml><?xml version="1.0" encoding="utf-8"?>
+<p:sld xmlns:a="http://schemas.openxmlformats.org/drawingml/2006/main" xmlns:r="http://schemas.openxmlformats.org/officeDocument/2006/relationships" xmlns:p="http://schemas.openxmlformats.org/presentationml/2006/main">
+  <p:cSld>
+    <p:spTree>
+      <p:nvGrpSpPr>
+        <p:cNvPr id="1" name=""/>
+        <p:cNvGrpSpPr/>
+        <p:nvPr/>
+      </p:nvGrpSpPr>
+      <p:grpSpPr>
+        <a:xfrm>
+          <a:off x="0" y="0"/>
+          <a:ext cx="0" cy="0"/>
+          <a:chOff x="0" y="0"/>
+          <a:chExt cx="0" cy="0"/>
+        </a:xfrm>
+      </p:grpSpPr>
+      <p:sp>
+        <p:nvSpPr>
+          <p:cNvPr id="2" name="Title 1"/>
+          <p:cNvSpPr>
+            <a:spLocks noGrp="1"/>
+          </p:cNvSpPr>
+          <p:nvPr>
+            <p:ph type="title"/>
+          </p:nvPr>
+        </p:nvSpPr>
+        <p:spPr/>
+        <p:txBody>
+          <a:bodyPr/>
+          <a:lstStyle/>
+          <a:p>
+            <a:r>
+              <a:rPr lang="en-US" dirty="0"/>
+              <a:t>Component Properties and State</a:t>
+            </a:r>
+          </a:p>
+        </p:txBody>
+      </p:sp>
+      <p:sp>
+        <p:nvSpPr>
+          <p:cNvPr id="3" name="Content Placeholder 2"/>
+          <p:cNvSpPr>
+            <a:spLocks noGrp="1"/>
+          </p:cNvSpPr>
+          <p:nvPr>
+            <p:ph idx="1"/>
+          </p:nvPr>
+        </p:nvSpPr>
+        <p:spPr/>
+        <p:txBody>
+          <a:bodyPr/>
+          <a:lstStyle/>
+          <a:p>
+            <a:r>
+              <a:rPr lang="en-US" dirty="0"/>
+              <a:t>Component can contain properties and state</a:t>
+            </a:r>
+          </a:p>
+          <a:p>
+            <a:pPr lvl="1"/>
+            <a:r>
+              <a:rPr lang="en-US" dirty="0"/>
+              <a:t>Properties are initialized by external components</a:t>
+            </a:r>
+          </a:p>
+          <a:p>
+            <a:pPr lvl="1"/>
+            <a:r>
+              <a:rPr lang="en-US" dirty="0"/>
+              <a:t>Properties are read-only to hosting component</a:t>
+            </a:r>
+          </a:p>
+          <a:p>
+            <a:pPr lvl="1"/>
+            <a:r>
+              <a:rPr lang="en-US" dirty="0"/>
+              <a:t>State is set internally by hosting component</a:t>
+            </a:r>
+          </a:p>
+          <a:p>
+            <a:pPr lvl="1"/>
+            <a:r>
+              <a:rPr lang="en-US" dirty="0"/>
+              <a:t>Changing state triggers UI refresh by calling render</a:t>
+            </a:r>
+          </a:p>
+          <a:p>
+            <a:pPr lvl="1"/>
+            <a:r>
+              <a:rPr lang="en-US" dirty="0"/>
+              <a:t>UI experience created by </a:t>
+            </a:r>
+            <a:r>
+              <a:rPr lang="en-US" b="1" i="1" dirty="0"/>
+              <a:t>reacting</a:t>
+            </a:r>
+            <a:r>
+              <a:rPr lang="en-US" dirty="0"/>
+              <a:t> to changes in state</a:t>
+            </a:r>
+          </a:p>
+        </p:txBody>
+      </p:sp>
+    </p:spTree>
+    <p:extLst>
+      <p:ext uri="{BB962C8B-B14F-4D97-AF65-F5344CB8AC3E}">
+        <p14:creationId xmlns:p14="http://schemas.microsoft.com/office/powerpoint/2010/main" val="2114226537"/>
+      </p:ext>
+    </p:extLst>
+  </p:cSld>
+  <p:clrMapOvr>
+    <a:masterClrMapping/>
+  </p:clrMapOvr>
+</p:sld>
+</file>
+
+<file path=ppt/slides/slide14.xml><?xml version="1.0" encoding="utf-8"?>
+<p:sld xmlns:a="http://schemas.openxmlformats.org/drawingml/2006/main" xmlns:r="http://schemas.openxmlformats.org/officeDocument/2006/relationships" xmlns:p="http://schemas.openxmlformats.org/presentationml/2006/main">
+  <p:cSld>
+    <p:spTree>
+      <p:nvGrpSpPr>
+        <p:cNvPr id="1" name=""/>
+        <p:cNvGrpSpPr/>
+        <p:nvPr/>
+      </p:nvGrpSpPr>
+      <p:grpSpPr>
+        <a:xfrm>
+          <a:off x="0" y="0"/>
+          <a:ext cx="0" cy="0"/>
+          <a:chOff x="0" y="0"/>
+          <a:chExt cx="0" cy="0"/>
+        </a:xfrm>
+      </p:grpSpPr>
+      <p:sp>
+        <p:nvSpPr>
+          <p:cNvPr id="2" name="Title 1"/>
+          <p:cNvSpPr>
+            <a:spLocks noGrp="1"/>
+          </p:cNvSpPr>
+          <p:nvPr>
+            <p:ph type="title"/>
+          </p:nvPr>
+        </p:nvSpPr>
+        <p:spPr/>
+        <p:txBody>
+          <a:bodyPr/>
+          <a:lstStyle/>
+          <a:p>
+            <a:r>
+              <a:rPr lang="en-US" dirty="0"/>
+              <a:t>React Component Properties</a:t>
+            </a:r>
+          </a:p>
+        </p:txBody>
+      </p:sp>
+      <p:sp>
+        <p:nvSpPr>
+          <p:cNvPr id="3" name="Content Placeholder 2"/>
+          <p:cNvSpPr>
+            <a:spLocks noGrp="1"/>
+          </p:cNvSpPr>
+          <p:nvPr>
+            <p:ph idx="1"/>
+          </p:nvPr>
+        </p:nvSpPr>
+        <p:spPr/>
+        <p:txBody>
+          <a:bodyPr>
+            <a:normAutofit/>
+          </a:bodyPr>
+          <a:lstStyle/>
+          <a:p>
+            <a:r>
+              <a:rPr lang="en-US" sz="2400" dirty="0"/>
+              <a:t>Defining component with a property</a:t>
+            </a:r>
+          </a:p>
+          <a:p>
+            <a:endParaRPr lang="en-US" sz="2400" dirty="0"/>
+          </a:p>
+          <a:p>
+            <a:endParaRPr lang="en-US" sz="2400" dirty="0"/>
+          </a:p>
+          <a:p>
+            <a:endParaRPr lang="en-US" sz="2400" dirty="0"/>
+          </a:p>
+          <a:p>
+            <a:endParaRPr lang="en-US" sz="2400" dirty="0"/>
+          </a:p>
+          <a:p>
+            <a:endParaRPr lang="en-US" sz="2400" dirty="0"/>
+          </a:p>
+          <a:p>
+            <a:endParaRPr lang="en-US" sz="2400" dirty="0"/>
+          </a:p>
+          <a:p>
+            <a:r>
+              <a:rPr lang="en-US" sz="2400" dirty="0"/>
+              <a:t>Instantiating component with a property</a:t>
+            </a:r>
+          </a:p>
+        </p:txBody>
+      </p:sp>
+      <p:pic>
+        <p:nvPicPr>
+          <p:cNvPr id="4" name="Picture 3"/>
+          <p:cNvPicPr>
+            <a:picLocks noChangeAspect="1"/>
+          </p:cNvPicPr>
+          <p:nvPr/>
+        </p:nvPicPr>
+        <p:blipFill>
+          <a:blip r:embed="rId2"/>
+          <a:stretch>
+            <a:fillRect/>
+          </a:stretch>
+        </p:blipFill>
+        <p:spPr>
+          <a:xfrm>
+            <a:off x="838200" y="1905001"/>
+            <a:ext cx="5867400" cy="2737526"/>
+          </a:xfrm>
+          <a:prstGeom prst="rect">
+            <a:avLst/>
+          </a:prstGeom>
+        </p:spPr>
+      </p:pic>
+      <p:sp>
+        <p:nvSpPr>
+          <p:cNvPr id="5" name="Rectangle 4"/>
+          <p:cNvSpPr/>
+          <p:nvPr/>
+        </p:nvSpPr>
+        <p:spPr>
+          <a:xfrm>
+            <a:off x="909536" y="2618363"/>
+            <a:ext cx="2924783" cy="784698"/>
+          </a:xfrm>
+          <a:prstGeom prst="rect">
+            <a:avLst/>
+          </a:prstGeom>
+          <a:noFill/>
+          <a:ln w="28575">
+            <a:solidFill>
+              <a:srgbClr val="FF0000"/>
+            </a:solidFill>
+            <a:prstDash val="sysDash"/>
+          </a:ln>
+        </p:spPr>
+        <p:style>
+          <a:lnRef idx="2">
+            <a:schemeClr val="accent1">
+              <a:shade val="50000"/>
+            </a:schemeClr>
+          </a:lnRef>
+          <a:fillRef idx="1">
+            <a:schemeClr val="accent1"/>
+          </a:fillRef>
+          <a:effectRef idx="0">
+            <a:schemeClr val="accent1"/>
+          </a:effectRef>
+          <a:fontRef idx="minor">
+            <a:schemeClr val="lt1"/>
+          </a:fontRef>
+        </p:style>
+        <p:txBody>
+          <a:bodyPr rtlCol="0" anchor="ctr"/>
+          <a:lstStyle/>
+          <a:p>
+            <a:pPr algn="ctr"/>
+            <a:endParaRPr lang="en-US"/>
+          </a:p>
+        </p:txBody>
+      </p:sp>
+      <p:sp>
+        <p:nvSpPr>
+          <p:cNvPr id="6" name="Rectangle 5"/>
+          <p:cNvSpPr/>
+          <p:nvPr/>
+        </p:nvSpPr>
+        <p:spPr>
+          <a:xfrm>
+            <a:off x="5110048" y="3488664"/>
+            <a:ext cx="1140190" cy="271077"/>
+          </a:xfrm>
+          <a:prstGeom prst="rect">
+            <a:avLst/>
+          </a:prstGeom>
+          <a:noFill/>
+          <a:ln w="28575">
+            <a:solidFill>
+              <a:srgbClr val="FF0000"/>
+            </a:solidFill>
+            <a:prstDash val="sysDash"/>
+          </a:ln>
+        </p:spPr>
+        <p:style>
+          <a:lnRef idx="2">
+            <a:schemeClr val="accent1">
+              <a:shade val="50000"/>
+            </a:schemeClr>
+          </a:lnRef>
+          <a:fillRef idx="1">
+            <a:schemeClr val="accent1"/>
+          </a:fillRef>
+          <a:effectRef idx="0">
+            <a:schemeClr val="accent1"/>
+          </a:effectRef>
+          <a:fontRef idx="minor">
+            <a:schemeClr val="lt1"/>
+          </a:fontRef>
+        </p:style>
+        <p:txBody>
+          <a:bodyPr rtlCol="0" anchor="ctr"/>
+          <a:lstStyle/>
+          <a:p>
+            <a:pPr algn="ctr"/>
+            <a:endParaRPr lang="en-US"/>
+          </a:p>
+        </p:txBody>
+      </p:sp>
+      <p:sp>
+        <p:nvSpPr>
+          <p:cNvPr id="8" name="Rectangle 7"/>
+          <p:cNvSpPr/>
+          <p:nvPr/>
+        </p:nvSpPr>
+        <p:spPr>
+          <a:xfrm>
+            <a:off x="3867284" y="3906520"/>
+            <a:ext cx="1598796" cy="326203"/>
+          </a:xfrm>
+          <a:prstGeom prst="rect">
+            <a:avLst/>
+          </a:prstGeom>
+          <a:noFill/>
+          <a:ln w="28575">
+            <a:solidFill>
+              <a:srgbClr val="FF0000"/>
+            </a:solidFill>
+            <a:prstDash val="sysDash"/>
+          </a:ln>
+        </p:spPr>
+        <p:style>
+          <a:lnRef idx="2">
+            <a:schemeClr val="accent1">
+              <a:shade val="50000"/>
+            </a:schemeClr>
+          </a:lnRef>
+          <a:fillRef idx="1">
+            <a:schemeClr val="accent1"/>
+          </a:fillRef>
+          <a:effectRef idx="0">
+            <a:schemeClr val="accent1"/>
+          </a:effectRef>
+          <a:fontRef idx="minor">
+            <a:schemeClr val="lt1"/>
+          </a:fontRef>
+        </p:style>
+        <p:txBody>
+          <a:bodyPr rtlCol="0" anchor="ctr"/>
+          <a:lstStyle/>
+          <a:p>
+            <a:pPr algn="ctr"/>
+            <a:endParaRPr lang="en-US"/>
+          </a:p>
+        </p:txBody>
+      </p:sp>
+      <p:pic>
+        <p:nvPicPr>
+          <p:cNvPr id="9" name="Picture 8"/>
+          <p:cNvPicPr>
+            <a:picLocks noChangeAspect="1"/>
+          </p:cNvPicPr>
+          <p:nvPr/>
+        </p:nvPicPr>
+        <p:blipFill>
+          <a:blip r:embed="rId3"/>
+          <a:stretch>
+            <a:fillRect/>
+          </a:stretch>
+        </p:blipFill>
+        <p:spPr>
+          <a:xfrm>
+            <a:off x="865755" y="5257800"/>
+            <a:ext cx="3286125" cy="990600"/>
+          </a:xfrm>
+          <a:prstGeom prst="rect">
+            <a:avLst/>
+          </a:prstGeom>
+        </p:spPr>
+      </p:pic>
+      <p:sp>
+        <p:nvSpPr>
+          <p:cNvPr id="10" name="Rectangle 9"/>
+          <p:cNvSpPr/>
+          <p:nvPr/>
+        </p:nvSpPr>
+        <p:spPr>
+          <a:xfrm>
+            <a:off x="1229360" y="5463591"/>
+            <a:ext cx="2514600" cy="326203"/>
+          </a:xfrm>
+          <a:prstGeom prst="rect">
+            <a:avLst/>
+          </a:prstGeom>
+          <a:noFill/>
+          <a:ln w="28575">
+            <a:solidFill>
+              <a:srgbClr val="FF0000"/>
+            </a:solidFill>
+            <a:prstDash val="sysDash"/>
+          </a:ln>
+        </p:spPr>
+        <p:style>
+          <a:lnRef idx="2">
+            <a:schemeClr val="accent1">
+              <a:shade val="50000"/>
+            </a:schemeClr>
+          </a:lnRef>
+          <a:fillRef idx="1">
+            <a:schemeClr val="accent1"/>
+          </a:fillRef>
+          <a:effectRef idx="0">
+            <a:schemeClr val="accent1"/>
+          </a:effectRef>
+          <a:fontRef idx="minor">
+            <a:schemeClr val="lt1"/>
+          </a:fontRef>
+        </p:style>
+        <p:txBody>
+          <a:bodyPr rtlCol="0" anchor="ctr"/>
+          <a:lstStyle/>
+          <a:p>
+            <a:pPr algn="ctr"/>
+            <a:endParaRPr lang="en-US"/>
+          </a:p>
+        </p:txBody>
+      </p:sp>
+    </p:spTree>
+    <p:extLst>
+      <p:ext uri="{BB962C8B-B14F-4D97-AF65-F5344CB8AC3E}">
+        <p14:creationId xmlns:p14="http://schemas.microsoft.com/office/powerpoint/2010/main" val="1131504918"/>
+      </p:ext>
+    </p:extLst>
+  </p:cSld>
+  <p:clrMapOvr>
+    <a:masterClrMapping/>
+  </p:clrMapOvr>
+</p:sld>
+</file>
+
+<file path=ppt/slides/slide15.xml><?xml version="1.0" encoding="utf-8"?>
+<p:sld xmlns:a="http://schemas.openxmlformats.org/drawingml/2006/main" xmlns:r="http://schemas.openxmlformats.org/officeDocument/2006/relationships" xmlns:p="http://schemas.openxmlformats.org/presentationml/2006/main">
+  <p:cSld>
+    <p:spTree>
+      <p:nvGrpSpPr>
+        <p:cNvPr id="1" name=""/>
+        <p:cNvGrpSpPr/>
+        <p:nvPr/>
+      </p:nvGrpSpPr>
+      <p:grpSpPr>
+        <a:xfrm>
+          <a:off x="0" y="0"/>
+          <a:ext cx="0" cy="0"/>
+          <a:chOff x="0" y="0"/>
+          <a:chExt cx="0" cy="0"/>
+        </a:xfrm>
+      </p:grpSpPr>
+      <p:sp>
+        <p:nvSpPr>
+          <p:cNvPr id="2" name="Title 1"/>
+          <p:cNvSpPr>
+            <a:spLocks noGrp="1"/>
+          </p:cNvSpPr>
+          <p:nvPr>
+            <p:ph type="title"/>
+          </p:nvPr>
+        </p:nvSpPr>
+        <p:spPr/>
+        <p:txBody>
+          <a:bodyPr/>
+          <a:lstStyle/>
+          <a:p>
+            <a:r>
+              <a:rPr lang="en-US" dirty="0" err="1"/>
+              <a:t>Stateful</a:t>
+            </a:r>
+            <a:r>
+              <a:rPr lang="en-US" dirty="0"/>
+              <a:t> Component</a:t>
+            </a:r>
+          </a:p>
+        </p:txBody>
+      </p:sp>
+      <p:pic>
+        <p:nvPicPr>
+          <p:cNvPr id="3" name="Picture 2"/>
+          <p:cNvPicPr>
+            <a:picLocks noChangeAspect="1"/>
+          </p:cNvPicPr>
+          <p:nvPr/>
+        </p:nvPicPr>
+        <p:blipFill rotWithShape="1">
+          <a:blip r:embed="rId2"/>
+          <a:srcRect b="7812"/>
+          <a:stretch/>
+        </p:blipFill>
+        <p:spPr>
+          <a:xfrm>
+            <a:off x="304800" y="1219200"/>
+            <a:ext cx="3203812" cy="919829"/>
+          </a:xfrm>
+          <a:prstGeom prst="rect">
+            <a:avLst/>
+          </a:prstGeom>
+        </p:spPr>
+      </p:pic>
+      <p:pic>
+        <p:nvPicPr>
+          <p:cNvPr id="4" name="Picture 3"/>
+          <p:cNvPicPr>
+            <a:picLocks noChangeAspect="1"/>
+          </p:cNvPicPr>
+          <p:nvPr/>
+        </p:nvPicPr>
+        <p:blipFill>
+          <a:blip r:embed="rId3"/>
+          <a:stretch>
+            <a:fillRect/>
+          </a:stretch>
+        </p:blipFill>
+        <p:spPr>
+          <a:xfrm>
+            <a:off x="3886200" y="1219200"/>
+            <a:ext cx="3024523" cy="919829"/>
+          </a:xfrm>
+          <a:prstGeom prst="rect">
+            <a:avLst/>
+          </a:prstGeom>
+        </p:spPr>
+      </p:pic>
+      <p:pic>
+        <p:nvPicPr>
+          <p:cNvPr id="6" name="Picture 5"/>
+          <p:cNvPicPr>
+            <a:picLocks noChangeAspect="1"/>
+          </p:cNvPicPr>
+          <p:nvPr/>
+        </p:nvPicPr>
+        <p:blipFill>
+          <a:blip r:embed="rId4"/>
+          <a:stretch>
+            <a:fillRect/>
+          </a:stretch>
+        </p:blipFill>
+        <p:spPr>
+          <a:xfrm>
+            <a:off x="304800" y="2479389"/>
+            <a:ext cx="7483355" cy="3293295"/>
+          </a:xfrm>
+          <a:prstGeom prst="rect">
+            <a:avLst/>
+          </a:prstGeom>
+        </p:spPr>
+      </p:pic>
+    </p:spTree>
+    <p:extLst>
+      <p:ext uri="{BB962C8B-B14F-4D97-AF65-F5344CB8AC3E}">
+        <p14:creationId xmlns:p14="http://schemas.microsoft.com/office/powerpoint/2010/main" val="3095936921"/>
+      </p:ext>
+    </p:extLst>
+  </p:cSld>
+  <p:clrMapOvr>
+    <a:masterClrMapping/>
+  </p:clrMapOvr>
+</p:sld>
+</file>
+
+<file path=ppt/slides/slide16.xml><?xml version="1.0" encoding="utf-8"?>
+<p:sld xmlns:a="http://schemas.openxmlformats.org/drawingml/2006/main" xmlns:r="http://schemas.openxmlformats.org/officeDocument/2006/relationships" xmlns:p="http://schemas.openxmlformats.org/presentationml/2006/main">
+  <p:cSld>
+    <p:spTree>
+      <p:nvGrpSpPr>
+        <p:cNvPr id="1" name=""/>
+        <p:cNvGrpSpPr/>
+        <p:nvPr/>
+      </p:nvGrpSpPr>
+      <p:grpSpPr>
+        <a:xfrm>
+          <a:off x="0" y="0"/>
+          <a:ext cx="0" cy="0"/>
+          <a:chOff x="0" y="0"/>
+          <a:chExt cx="0" cy="0"/>
+        </a:xfrm>
+      </p:grpSpPr>
+      <p:sp>
+        <p:nvSpPr>
+          <p:cNvPr id="2" name="Title 1"/>
+          <p:cNvSpPr>
+            <a:spLocks noGrp="1"/>
+          </p:cNvSpPr>
+          <p:nvPr>
+            <p:ph type="title"/>
+          </p:nvPr>
+        </p:nvSpPr>
+        <p:spPr/>
+        <p:txBody>
+          <a:bodyPr/>
+          <a:lstStyle/>
+          <a:p>
+            <a:r>
+              <a:rPr lang="en-US" dirty="0" err="1"/>
+              <a:t>Stateful</a:t>
+            </a:r>
+            <a:r>
+              <a:rPr lang="en-US" dirty="0"/>
+              <a:t> Component Rendering</a:t>
+            </a:r>
+          </a:p>
+        </p:txBody>
+      </p:sp>
+      <p:pic>
+        <p:nvPicPr>
+          <p:cNvPr id="6" name="Picture 5"/>
+          <p:cNvPicPr>
+            <a:picLocks noChangeAspect="1"/>
+          </p:cNvPicPr>
+          <p:nvPr/>
+        </p:nvPicPr>
+        <p:blipFill>
+          <a:blip r:embed="rId2"/>
+          <a:stretch>
+            <a:fillRect/>
+          </a:stretch>
+        </p:blipFill>
+        <p:spPr>
+          <a:xfrm>
+            <a:off x="762000" y="1143000"/>
+            <a:ext cx="6980344" cy="5549198"/>
+          </a:xfrm>
+          <a:prstGeom prst="rect">
+            <a:avLst/>
+          </a:prstGeom>
+        </p:spPr>
+      </p:pic>
+    </p:spTree>
+    <p:extLst>
+      <p:ext uri="{BB962C8B-B14F-4D97-AF65-F5344CB8AC3E}">
+        <p14:creationId xmlns:p14="http://schemas.microsoft.com/office/powerpoint/2010/main" val="1002696702"/>
+      </p:ext>
+    </p:extLst>
+  </p:cSld>
+  <p:clrMapOvr>
+    <a:masterClrMapping/>
+  </p:clrMapOvr>
+</p:sld>
+</file>
+
+<file path=ppt/slides/slide17.xml><?xml version="1.0" encoding="utf-8"?>
+<p:sld xmlns:a="http://schemas.openxmlformats.org/drawingml/2006/main" xmlns:r="http://schemas.openxmlformats.org/officeDocument/2006/relationships" xmlns:p="http://schemas.openxmlformats.org/presentationml/2006/main">
+  <p:cSld>
+    <p:spTree>
+      <p:nvGrpSpPr>
+        <p:cNvPr id="1" name=""/>
+        <p:cNvGrpSpPr/>
+        <p:nvPr/>
+      </p:nvGrpSpPr>
+      <p:grpSpPr>
+        <a:xfrm>
+          <a:off x="0" y="0"/>
+          <a:ext cx="0" cy="0"/>
+          <a:chOff x="0" y="0"/>
+          <a:chExt cx="0" cy="0"/>
+        </a:xfrm>
+      </p:grpSpPr>
+      <p:sp>
+        <p:nvSpPr>
+          <p:cNvPr id="2" name="Title 1">
+            <a:extLst>
+              <a:ext uri="{FF2B5EF4-FFF2-40B4-BE49-F238E27FC236}">
+                <a16:creationId xmlns:a16="http://schemas.microsoft.com/office/drawing/2014/main" id="{6800E905-9DC9-4F0C-8D9F-45B80F15B9D3}"/>
+              </a:ext>
+            </a:extLst>
+          </p:cNvPr>
+          <p:cNvSpPr>
+            <a:spLocks noGrp="1"/>
+          </p:cNvSpPr>
+          <p:nvPr>
+            <p:ph type="title"/>
+          </p:nvPr>
+        </p:nvSpPr>
+        <p:spPr/>
+        <p:txBody>
+          <a:bodyPr/>
+          <a:lstStyle/>
+          <a:p>
+            <a:r>
+              <a:rPr lang="en-US" dirty="0"/>
+              <a:t>Starter Project - </a:t>
+            </a:r>
+            <a:r>
+              <a:rPr lang="en-US" dirty="0" err="1"/>
+              <a:t>package.json</a:t>
+            </a:r>
+            <a:endParaRPr lang="en-US" dirty="0"/>
+          </a:p>
+        </p:txBody>
+      </p:sp>
+      <p:pic>
+        <p:nvPicPr>
+          <p:cNvPr id="4" name="Picture 3">
+            <a:extLst>
+              <a:ext uri="{FF2B5EF4-FFF2-40B4-BE49-F238E27FC236}">
+                <a16:creationId xmlns:a16="http://schemas.microsoft.com/office/drawing/2014/main" id="{E3AA1462-03EA-4430-9748-3E11534726C4}"/>
+              </a:ext>
+            </a:extLst>
+          </p:cNvPr>
+          <p:cNvPicPr>
+            <a:picLocks noChangeAspect="1"/>
+          </p:cNvPicPr>
+          <p:nvPr/>
+        </p:nvPicPr>
+        <p:blipFill>
+          <a:blip r:embed="rId2"/>
+          <a:stretch>
+            <a:fillRect/>
+          </a:stretch>
+        </p:blipFill>
+        <p:spPr>
+          <a:xfrm>
+            <a:off x="609600" y="1530631"/>
+            <a:ext cx="3012099" cy="2812769"/>
+          </a:xfrm>
+          <a:prstGeom prst="rect">
+            <a:avLst/>
+          </a:prstGeom>
+          <a:ln>
+            <a:solidFill>
+              <a:schemeClr val="tx1"/>
+            </a:solidFill>
+          </a:ln>
+        </p:spPr>
+      </p:pic>
+      <p:cxnSp>
+        <p:nvCxnSpPr>
+          <p:cNvPr id="6" name="Straight Arrow Connector 5">
+            <a:extLst>
+              <a:ext uri="{FF2B5EF4-FFF2-40B4-BE49-F238E27FC236}">
+                <a16:creationId xmlns:a16="http://schemas.microsoft.com/office/drawing/2014/main" id="{9C807C5B-2126-4907-839C-4BFE45F1D179}"/>
+              </a:ext>
+            </a:extLst>
+          </p:cNvPr>
+          <p:cNvCxnSpPr>
+            <a:cxnSpLocks/>
+          </p:cNvCxnSpPr>
+          <p:nvPr/>
+        </p:nvCxnSpPr>
+        <p:spPr>
+          <a:xfrm>
+            <a:off x="2144775" y="3455387"/>
+            <a:ext cx="1875875" cy="361244"/>
+          </a:xfrm>
+          <a:prstGeom prst="straightConnector1">
+            <a:avLst/>
+          </a:prstGeom>
+          <a:ln w="76200">
+            <a:solidFill>
+              <a:srgbClr val="FF0000"/>
+            </a:solidFill>
+            <a:tailEnd type="triangle"/>
+          </a:ln>
+        </p:spPr>
+        <p:style>
+          <a:lnRef idx="1">
+            <a:schemeClr val="accent1"/>
+          </a:lnRef>
+          <a:fillRef idx="0">
+            <a:schemeClr val="accent1"/>
+          </a:fillRef>
+          <a:effectRef idx="0">
+            <a:schemeClr val="accent1"/>
+          </a:effectRef>
+          <a:fontRef idx="minor">
+            <a:schemeClr val="tx1"/>
+          </a:fontRef>
+        </p:style>
+      </p:cxnSp>
+      <p:pic>
+        <p:nvPicPr>
+          <p:cNvPr id="10" name="Picture 9">
+            <a:extLst>
+              <a:ext uri="{FF2B5EF4-FFF2-40B4-BE49-F238E27FC236}">
+                <a16:creationId xmlns:a16="http://schemas.microsoft.com/office/drawing/2014/main" id="{8CDF841F-1539-421B-B398-A5D688834086}"/>
+              </a:ext>
+            </a:extLst>
+          </p:cNvPr>
+          <p:cNvPicPr>
+            <a:picLocks noChangeAspect="1"/>
+          </p:cNvPicPr>
+          <p:nvPr/>
+        </p:nvPicPr>
+        <p:blipFill>
+          <a:blip r:embed="rId3"/>
+          <a:stretch>
+            <a:fillRect/>
+          </a:stretch>
+        </p:blipFill>
+        <p:spPr>
+          <a:xfrm>
+            <a:off x="4114800" y="1184845"/>
+            <a:ext cx="4893733" cy="5539289"/>
+          </a:xfrm>
+          <a:prstGeom prst="rect">
+            <a:avLst/>
+          </a:prstGeom>
+        </p:spPr>
+      </p:pic>
+    </p:spTree>
+    <p:extLst>
+      <p:ext uri="{BB962C8B-B14F-4D97-AF65-F5344CB8AC3E}">
+        <p14:creationId xmlns:p14="http://schemas.microsoft.com/office/powerpoint/2010/main" val="1688452851"/>
+      </p:ext>
+    </p:extLst>
+  </p:cSld>
+  <p:clrMapOvr>
+    <a:masterClrMapping/>
+  </p:clrMapOvr>
+</p:sld>
+</file>
+
+<file path=ppt/slides/slide18.xml><?xml version="1.0" encoding="utf-8"?>
+<p:sld xmlns:a="http://schemas.openxmlformats.org/drawingml/2006/main" xmlns:r="http://schemas.openxmlformats.org/officeDocument/2006/relationships" xmlns:p="http://schemas.openxmlformats.org/presentationml/2006/main">
+  <p:cSld>
+    <p:spTree>
+      <p:nvGrpSpPr>
+        <p:cNvPr id="1" name=""/>
+        <p:cNvGrpSpPr/>
+        <p:nvPr/>
+      </p:nvGrpSpPr>
+      <p:grpSpPr>
+        <a:xfrm>
+          <a:off x="0" y="0"/>
+          <a:ext cx="0" cy="0"/>
+          <a:chOff x="0" y="0"/>
+          <a:chExt cx="0" cy="0"/>
+        </a:xfrm>
+      </p:grpSpPr>
+      <p:sp>
+        <p:nvSpPr>
+          <p:cNvPr id="2" name="Title 1">
+            <a:extLst>
+              <a:ext uri="{FF2B5EF4-FFF2-40B4-BE49-F238E27FC236}">
+                <a16:creationId xmlns:a16="http://schemas.microsoft.com/office/drawing/2014/main" id="{0AB220B1-D38E-4C30-AB77-8C0B9B458632}"/>
+              </a:ext>
+            </a:extLst>
+          </p:cNvPr>
+          <p:cNvSpPr>
+            <a:spLocks noGrp="1"/>
+          </p:cNvSpPr>
+          <p:nvPr>
+            <p:ph type="title"/>
+          </p:nvPr>
+        </p:nvSpPr>
+        <p:spPr/>
+        <p:txBody>
+          <a:bodyPr/>
+          <a:lstStyle/>
+          <a:p>
+            <a:r>
+              <a:rPr lang="en-US" dirty="0"/>
+              <a:t>Starter Project - webpack.config.js</a:t>
+            </a:r>
+          </a:p>
+        </p:txBody>
+      </p:sp>
+      <p:pic>
+        <p:nvPicPr>
+          <p:cNvPr id="3" name="Picture 2">
+            <a:extLst>
+              <a:ext uri="{FF2B5EF4-FFF2-40B4-BE49-F238E27FC236}">
+                <a16:creationId xmlns:a16="http://schemas.microsoft.com/office/drawing/2014/main" id="{AF5B2F3F-C475-40A0-A635-03CF47F1C813}"/>
+              </a:ext>
+            </a:extLst>
+          </p:cNvPr>
+          <p:cNvPicPr>
+            <a:picLocks noChangeAspect="1"/>
+          </p:cNvPicPr>
+          <p:nvPr/>
+        </p:nvPicPr>
+        <p:blipFill rotWithShape="1">
+          <a:blip r:embed="rId2"/>
+          <a:srcRect r="26918"/>
+          <a:stretch/>
+        </p:blipFill>
+        <p:spPr>
+          <a:xfrm>
+            <a:off x="152400" y="1257300"/>
+            <a:ext cx="1631101" cy="1905000"/>
+          </a:xfrm>
+          <a:prstGeom prst="rect">
+            <a:avLst/>
+          </a:prstGeom>
+          <a:ln>
+            <a:solidFill>
+              <a:schemeClr val="tx1">
+                <a:lumMod val="50000"/>
+                <a:lumOff val="50000"/>
+              </a:schemeClr>
+            </a:solidFill>
+          </a:ln>
+        </p:spPr>
+      </p:pic>
+      <p:pic>
+        <p:nvPicPr>
+          <p:cNvPr id="4" name="Picture 3">
+            <a:extLst>
+              <a:ext uri="{FF2B5EF4-FFF2-40B4-BE49-F238E27FC236}">
+                <a16:creationId xmlns:a16="http://schemas.microsoft.com/office/drawing/2014/main" id="{B88970A7-A846-48A4-89FD-AA42209AFB6B}"/>
+              </a:ext>
+            </a:extLst>
+          </p:cNvPr>
+          <p:cNvPicPr>
+            <a:picLocks noChangeAspect="1"/>
+          </p:cNvPicPr>
+          <p:nvPr/>
+        </p:nvPicPr>
+        <p:blipFill>
+          <a:blip r:embed="rId3"/>
+          <a:stretch>
+            <a:fillRect/>
+          </a:stretch>
+        </p:blipFill>
+        <p:spPr>
+          <a:xfrm>
+            <a:off x="2209800" y="1257300"/>
+            <a:ext cx="6781800" cy="4839739"/>
+          </a:xfrm>
+          <a:prstGeom prst="rect">
+            <a:avLst/>
+          </a:prstGeom>
+        </p:spPr>
+      </p:pic>
+      <p:cxnSp>
+        <p:nvCxnSpPr>
+          <p:cNvPr id="5" name="Straight Arrow Connector 4">
+            <a:extLst>
+              <a:ext uri="{FF2B5EF4-FFF2-40B4-BE49-F238E27FC236}">
+                <a16:creationId xmlns:a16="http://schemas.microsoft.com/office/drawing/2014/main" id="{93F0427D-3D17-4BF4-A3B6-FF32D6F5B7FD}"/>
+              </a:ext>
+            </a:extLst>
+          </p:cNvPr>
+          <p:cNvCxnSpPr>
+            <a:cxnSpLocks/>
+          </p:cNvCxnSpPr>
+          <p:nvPr/>
+        </p:nvCxnSpPr>
+        <p:spPr>
+          <a:xfrm>
+            <a:off x="1421704" y="2855934"/>
+            <a:ext cx="788096" cy="115866"/>
+          </a:xfrm>
+          <a:prstGeom prst="straightConnector1">
+            <a:avLst/>
+          </a:prstGeom>
+          <a:ln w="76200">
+            <a:solidFill>
+              <a:srgbClr val="FF0000"/>
+            </a:solidFill>
+            <a:tailEnd type="triangle"/>
+          </a:ln>
+        </p:spPr>
+        <p:style>
+          <a:lnRef idx="1">
+            <a:schemeClr val="accent1"/>
+          </a:lnRef>
+          <a:fillRef idx="0">
+            <a:schemeClr val="accent1"/>
+          </a:fillRef>
+          <a:effectRef idx="0">
+            <a:schemeClr val="accent1"/>
+          </a:effectRef>
+          <a:fontRef idx="minor">
+            <a:schemeClr val="tx1"/>
+          </a:fontRef>
+        </p:style>
+      </p:cxnSp>
+    </p:spTree>
+    <p:extLst>
+      <p:ext uri="{BB962C8B-B14F-4D97-AF65-F5344CB8AC3E}">
+        <p14:creationId xmlns:p14="http://schemas.microsoft.com/office/powerpoint/2010/main" val="2187960592"/>
+      </p:ext>
+    </p:extLst>
+  </p:cSld>
+  <p:clrMapOvr>
+    <a:masterClrMapping/>
+  </p:clrMapOvr>
+</p:sld>
+</file>
+
+<file path=ppt/slides/slide19.xml><?xml version="1.0" encoding="utf-8"?>
+<p:sld xmlns:a="http://schemas.openxmlformats.org/drawingml/2006/main" xmlns:r="http://schemas.openxmlformats.org/officeDocument/2006/relationships" xmlns:p="http://schemas.openxmlformats.org/presentationml/2006/main">
+  <p:cSld>
+    <p:spTree>
+      <p:nvGrpSpPr>
+        <p:cNvPr id="1" name=""/>
+        <p:cNvGrpSpPr/>
+        <p:nvPr/>
+      </p:nvGrpSpPr>
+      <p:grpSpPr>
+        <a:xfrm>
+          <a:off x="0" y="0"/>
+          <a:ext cx="0" cy="0"/>
+          <a:chOff x="0" y="0"/>
+          <a:chExt cx="0" cy="0"/>
+        </a:xfrm>
+      </p:grpSpPr>
+      <p:sp>
+        <p:nvSpPr>
+          <p:cNvPr id="2" name="Title 1">
+            <a:extLst>
+              <a:ext uri="{FF2B5EF4-FFF2-40B4-BE49-F238E27FC236}">
+                <a16:creationId xmlns:a16="http://schemas.microsoft.com/office/drawing/2014/main" id="{011F3F2D-3102-4DD0-9174-2B03C93EDBB9}"/>
+              </a:ext>
+            </a:extLst>
+          </p:cNvPr>
+          <p:cNvSpPr>
+            <a:spLocks noGrp="1"/>
+          </p:cNvSpPr>
+          <p:nvPr>
+            <p:ph type="title"/>
+          </p:nvPr>
+        </p:nvSpPr>
+        <p:spPr/>
+        <p:txBody>
+          <a:bodyPr/>
+          <a:lstStyle/>
+          <a:p>
+            <a:r>
+              <a:rPr lang="en-US" dirty="0"/>
+              <a:t>The Top-level App Component</a:t>
+            </a:r>
+          </a:p>
+        </p:txBody>
+      </p:sp>
+      <p:pic>
+        <p:nvPicPr>
+          <p:cNvPr id="3" name="Picture 2">
+            <a:extLst>
+              <a:ext uri="{FF2B5EF4-FFF2-40B4-BE49-F238E27FC236}">
+                <a16:creationId xmlns:a16="http://schemas.microsoft.com/office/drawing/2014/main" id="{3CA758C7-C6BD-445B-883A-A4693616E54D}"/>
+              </a:ext>
+            </a:extLst>
+          </p:cNvPr>
+          <p:cNvPicPr>
+            <a:picLocks noChangeAspect="1"/>
+          </p:cNvPicPr>
+          <p:nvPr/>
+        </p:nvPicPr>
+        <p:blipFill>
+          <a:blip r:embed="rId2"/>
+          <a:stretch>
+            <a:fillRect/>
+          </a:stretch>
+        </p:blipFill>
+        <p:spPr>
+          <a:xfrm>
+            <a:off x="294439" y="1371600"/>
+            <a:ext cx="8468561" cy="4114800"/>
+          </a:xfrm>
+          <a:prstGeom prst="rect">
+            <a:avLst/>
+          </a:prstGeom>
+          <a:ln>
+            <a:solidFill>
+              <a:schemeClr val="tx1">
+                <a:lumMod val="50000"/>
+                <a:lumOff val="50000"/>
+              </a:schemeClr>
+            </a:solidFill>
+          </a:ln>
+        </p:spPr>
+      </p:pic>
+    </p:spTree>
+    <p:extLst>
+      <p:ext uri="{BB962C8B-B14F-4D97-AF65-F5344CB8AC3E}">
+        <p14:creationId xmlns:p14="http://schemas.microsoft.com/office/powerpoint/2010/main" val="3365722050"/>
+      </p:ext>
+    </p:extLst>
+  </p:cSld>
+  <p:clrMapOvr>
+    <a:masterClrMapping/>
+  </p:clrMapOvr>
+</p:sld>
+</file>
+
 <file path=ppt/slides/slide2.xml><?xml version="1.0" encoding="utf-8"?>
 <p:sld xmlns:a="http://schemas.openxmlformats.org/drawingml/2006/main" xmlns:r="http://schemas.openxmlformats.org/officeDocument/2006/relationships" xmlns:p="http://schemas.openxmlformats.org/presentationml/2006/main">
   <p:cSld>
@@ -2986,7 +4955,14 @@
             <a:pPr lvl="0"/>
             <a:r>
               <a:rPr lang="en-US" sz="2400" dirty="0"/>
-              <a:t>Creating SPAs using React.js and TypeScript </a:t>
+              <a:t>Getting Started with React.js</a:t>
+            </a:r>
+          </a:p>
+          <a:p>
+            <a:pPr lvl="0"/>
+            <a:r>
+              <a:rPr lang="en-US" sz="2400" dirty="0"/>
+              <a:t>Creating SPAs using React.js, TypeScript and Webpack</a:t>
             </a:r>
           </a:p>
           <a:p>
@@ -2997,10 +4973,9 @@
             </a:r>
           </a:p>
           <a:p>
-            <a:pPr lvl="0"/>
             <a:r>
               <a:rPr lang="en-US" sz="2400" dirty="0"/>
-              <a:t>Using JSX/TSX Syntax to Generate HTML</a:t>
+              <a:t>Extending a React Project with the React Router</a:t>
             </a:r>
           </a:p>
           <a:p>
@@ -3015,12 +4990,6 @@
             <a:r>
               <a:rPr lang="en-US" sz="2400" dirty="0"/>
               <a:t>Calling Across the Network using the Fetch API</a:t>
-            </a:r>
-          </a:p>
-          <a:p>
-            <a:r>
-              <a:rPr lang="en-US" sz="2400" dirty="0"/>
-              <a:t>Extending a React Project with the React Router</a:t>
             </a:r>
           </a:p>
         </p:txBody>
@@ -3029,6 +4998,1701 @@
     <p:extLst>
       <p:ext uri="{BB962C8B-B14F-4D97-AF65-F5344CB8AC3E}">
         <p14:creationId xmlns:p14="http://schemas.microsoft.com/office/powerpoint/2010/main" val="1600781479"/>
+      </p:ext>
+    </p:extLst>
+  </p:cSld>
+  <p:clrMapOvr>
+    <a:masterClrMapping/>
+  </p:clrMapOvr>
+</p:sld>
+</file>
+
+<file path=ppt/slides/slide20.xml><?xml version="1.0" encoding="utf-8"?>
+<p:sld xmlns:a="http://schemas.openxmlformats.org/drawingml/2006/main" xmlns:r="http://schemas.openxmlformats.org/officeDocument/2006/relationships" xmlns:p="http://schemas.openxmlformats.org/presentationml/2006/main">
+  <p:cSld>
+    <p:spTree>
+      <p:nvGrpSpPr>
+        <p:cNvPr id="1" name=""/>
+        <p:cNvGrpSpPr/>
+        <p:nvPr/>
+      </p:nvGrpSpPr>
+      <p:grpSpPr>
+        <a:xfrm>
+          <a:off x="0" y="0"/>
+          <a:ext cx="0" cy="0"/>
+          <a:chOff x="0" y="0"/>
+          <a:chExt cx="0" cy="0"/>
+        </a:xfrm>
+      </p:grpSpPr>
+      <p:sp>
+        <p:nvSpPr>
+          <p:cNvPr id="2" name="Title 1">
+            <a:extLst>
+              <a:ext uri="{FF2B5EF4-FFF2-40B4-BE49-F238E27FC236}">
+                <a16:creationId xmlns:a16="http://schemas.microsoft.com/office/drawing/2014/main" id="{C7C636D4-D2CF-43B5-B824-0241E85EF367}"/>
+              </a:ext>
+            </a:extLst>
+          </p:cNvPr>
+          <p:cNvSpPr>
+            <a:spLocks noGrp="1"/>
+          </p:cNvSpPr>
+          <p:nvPr>
+            <p:ph type="title"/>
+          </p:nvPr>
+        </p:nvSpPr>
+        <p:spPr/>
+        <p:txBody>
+          <a:bodyPr/>
+          <a:lstStyle/>
+          <a:p>
+            <a:r>
+              <a:rPr lang="en-US" dirty="0"/>
+              <a:t>Bootstrapping the App Component</a:t>
+            </a:r>
+          </a:p>
+        </p:txBody>
+      </p:sp>
+      <p:pic>
+        <p:nvPicPr>
+          <p:cNvPr id="4" name="Picture 3">
+            <a:extLst>
+              <a:ext uri="{FF2B5EF4-FFF2-40B4-BE49-F238E27FC236}">
+                <a16:creationId xmlns:a16="http://schemas.microsoft.com/office/drawing/2014/main" id="{8D89571B-0BB3-4607-819A-50EADA449E2B}"/>
+              </a:ext>
+            </a:extLst>
+          </p:cNvPr>
+          <p:cNvPicPr>
+            <a:picLocks noChangeAspect="1"/>
+          </p:cNvPicPr>
+          <p:nvPr/>
+        </p:nvPicPr>
+        <p:blipFill>
+          <a:blip r:embed="rId2"/>
+          <a:stretch>
+            <a:fillRect/>
+          </a:stretch>
+        </p:blipFill>
+        <p:spPr>
+          <a:xfrm>
+            <a:off x="671281" y="1447800"/>
+            <a:ext cx="7801437" cy="4149079"/>
+          </a:xfrm>
+          <a:prstGeom prst="rect">
+            <a:avLst/>
+          </a:prstGeom>
+          <a:ln>
+            <a:solidFill>
+              <a:schemeClr val="tx1">
+                <a:lumMod val="50000"/>
+                <a:lumOff val="50000"/>
+              </a:schemeClr>
+            </a:solidFill>
+          </a:ln>
+        </p:spPr>
+      </p:pic>
+    </p:spTree>
+    <p:extLst>
+      <p:ext uri="{BB962C8B-B14F-4D97-AF65-F5344CB8AC3E}">
+        <p14:creationId xmlns:p14="http://schemas.microsoft.com/office/powerpoint/2010/main" val="2700606361"/>
+      </p:ext>
+    </p:extLst>
+  </p:cSld>
+  <p:clrMapOvr>
+    <a:masterClrMapping/>
+  </p:clrMapOvr>
+</p:sld>
+</file>
+
+<file path=ppt/slides/slide21.xml><?xml version="1.0" encoding="utf-8"?>
+<p:sld xmlns:a="http://schemas.openxmlformats.org/drawingml/2006/main" xmlns:r="http://schemas.openxmlformats.org/officeDocument/2006/relationships" xmlns:p="http://schemas.openxmlformats.org/presentationml/2006/main">
+  <p:cSld>
+    <p:spTree>
+      <p:nvGrpSpPr>
+        <p:cNvPr id="1" name=""/>
+        <p:cNvGrpSpPr/>
+        <p:nvPr/>
+      </p:nvGrpSpPr>
+      <p:grpSpPr>
+        <a:xfrm>
+          <a:off x="0" y="0"/>
+          <a:ext cx="0" cy="0"/>
+          <a:chOff x="0" y="0"/>
+          <a:chExt cx="0" cy="0"/>
+        </a:xfrm>
+      </p:grpSpPr>
+      <p:sp>
+        <p:nvSpPr>
+          <p:cNvPr id="2" name="Title 1"/>
+          <p:cNvSpPr>
+            <a:spLocks noGrp="1"/>
+          </p:cNvSpPr>
+          <p:nvPr>
+            <p:ph type="title"/>
+          </p:nvPr>
+        </p:nvSpPr>
+        <p:spPr/>
+        <p:txBody>
+          <a:bodyPr/>
+          <a:lstStyle/>
+          <a:p>
+            <a:r>
+              <a:rPr lang="en-US"/>
+              <a:t>Agenda</a:t>
+            </a:r>
+            <a:endParaRPr lang="en-US" dirty="0"/>
+          </a:p>
+        </p:txBody>
+      </p:sp>
+      <p:sp>
+        <p:nvSpPr>
+          <p:cNvPr id="3" name="Content Placeholder 2"/>
+          <p:cNvSpPr>
+            <a:spLocks noGrp="1"/>
+          </p:cNvSpPr>
+          <p:nvPr>
+            <p:ph idx="1"/>
+          </p:nvPr>
+        </p:nvSpPr>
+        <p:spPr/>
+        <p:txBody>
+          <a:bodyPr>
+            <a:noAutofit/>
+          </a:bodyPr>
+          <a:lstStyle/>
+          <a:p>
+            <a:pPr lvl="0">
+              <a:buFont typeface="Wingdings" panose="05000000000000000000" pitchFamily="2" charset="2"/>
+              <a:buChar char="ü"/>
+            </a:pPr>
+            <a:r>
+              <a:rPr lang="en-US" sz="2400" dirty="0"/>
+              <a:t>Getting Started with React.js</a:t>
+            </a:r>
+          </a:p>
+          <a:p>
+            <a:pPr lvl="0">
+              <a:buFont typeface="Wingdings" panose="05000000000000000000" pitchFamily="2" charset="2"/>
+              <a:buChar char="ü"/>
+            </a:pPr>
+            <a:r>
+              <a:rPr lang="en-US" sz="2400" dirty="0"/>
+              <a:t>Creating SPAs using React.js, TypeScript and Webpack</a:t>
+            </a:r>
+          </a:p>
+          <a:p>
+            <a:pPr lvl="0">
+              <a:buFont typeface="Wingdings" panose="05000000000000000000" pitchFamily="2" charset="2"/>
+              <a:buChar char="Ø"/>
+            </a:pPr>
+            <a:r>
+              <a:rPr lang="en-US" sz="2400" dirty="0"/>
+              <a:t>Designing a React Component Hierarchy</a:t>
+            </a:r>
+          </a:p>
+          <a:p>
+            <a:r>
+              <a:rPr lang="en-US" sz="2400" dirty="0"/>
+              <a:t>Extending a React Project with the React Router</a:t>
+            </a:r>
+          </a:p>
+          <a:p>
+            <a:pPr lvl="0"/>
+            <a:r>
+              <a:rPr lang="en-US" sz="2400" dirty="0"/>
+              <a:t>Understanding the React Component Lifecycle Methods</a:t>
+            </a:r>
+          </a:p>
+          <a:p>
+            <a:pPr lvl="0"/>
+            <a:r>
+              <a:rPr lang="en-US" sz="2400" dirty="0"/>
+              <a:t>Calling Across the Network using the Fetch API</a:t>
+            </a:r>
+          </a:p>
+        </p:txBody>
+      </p:sp>
+    </p:spTree>
+    <p:extLst>
+      <p:ext uri="{BB962C8B-B14F-4D97-AF65-F5344CB8AC3E}">
+        <p14:creationId xmlns:p14="http://schemas.microsoft.com/office/powerpoint/2010/main" val="1809069865"/>
+      </p:ext>
+    </p:extLst>
+  </p:cSld>
+  <p:clrMapOvr>
+    <a:masterClrMapping/>
+  </p:clrMapOvr>
+</p:sld>
+</file>
+
+<file path=ppt/slides/slide22.xml><?xml version="1.0" encoding="utf-8"?>
+<p:sld xmlns:a="http://schemas.openxmlformats.org/drawingml/2006/main" xmlns:r="http://schemas.openxmlformats.org/officeDocument/2006/relationships" xmlns:p="http://schemas.openxmlformats.org/presentationml/2006/main">
+  <p:cSld>
+    <p:spTree>
+      <p:nvGrpSpPr>
+        <p:cNvPr id="1" name=""/>
+        <p:cNvGrpSpPr/>
+        <p:nvPr/>
+      </p:nvGrpSpPr>
+      <p:grpSpPr>
+        <a:xfrm>
+          <a:off x="0" y="0"/>
+          <a:ext cx="0" cy="0"/>
+          <a:chOff x="0" y="0"/>
+          <a:chExt cx="0" cy="0"/>
+        </a:xfrm>
+      </p:grpSpPr>
+      <p:sp>
+        <p:nvSpPr>
+          <p:cNvPr id="2" name="Title 1">
+            <a:extLst>
+              <a:ext uri="{FF2B5EF4-FFF2-40B4-BE49-F238E27FC236}">
+                <a16:creationId xmlns:a16="http://schemas.microsoft.com/office/drawing/2014/main" id="{3ABE6438-B581-4EFA-8399-FE8B230F5E2D}"/>
+              </a:ext>
+            </a:extLst>
+          </p:cNvPr>
+          <p:cNvSpPr>
+            <a:spLocks noGrp="1"/>
+          </p:cNvSpPr>
+          <p:nvPr>
+            <p:ph type="title"/>
+          </p:nvPr>
+        </p:nvSpPr>
+        <p:spPr/>
+        <p:txBody>
+          <a:bodyPr/>
+          <a:lstStyle/>
+          <a:p>
+            <a:r>
+              <a:rPr lang="en-US" dirty="0"/>
+              <a:t>React Component Hierarchies</a:t>
+            </a:r>
+          </a:p>
+        </p:txBody>
+      </p:sp>
+      <p:pic>
+        <p:nvPicPr>
+          <p:cNvPr id="3" name="Picture 2">
+            <a:extLst>
+              <a:ext uri="{FF2B5EF4-FFF2-40B4-BE49-F238E27FC236}">
+                <a16:creationId xmlns:a16="http://schemas.microsoft.com/office/drawing/2014/main" id="{533A7C2D-7E07-4E01-A905-90FED20A819D}"/>
+              </a:ext>
+            </a:extLst>
+          </p:cNvPr>
+          <p:cNvPicPr>
+            <a:picLocks noChangeAspect="1"/>
+          </p:cNvPicPr>
+          <p:nvPr/>
+        </p:nvPicPr>
+        <p:blipFill>
+          <a:blip r:embed="rId2"/>
+          <a:stretch>
+            <a:fillRect/>
+          </a:stretch>
+        </p:blipFill>
+        <p:spPr>
+          <a:xfrm>
+            <a:off x="152400" y="1173084"/>
+            <a:ext cx="7474610" cy="4084716"/>
+          </a:xfrm>
+          <a:prstGeom prst="rect">
+            <a:avLst/>
+          </a:prstGeom>
+          <a:ln>
+            <a:solidFill>
+              <a:schemeClr val="tx1">
+                <a:lumMod val="50000"/>
+                <a:lumOff val="50000"/>
+              </a:schemeClr>
+            </a:solidFill>
+          </a:ln>
+        </p:spPr>
+      </p:pic>
+      <p:sp>
+        <p:nvSpPr>
+          <p:cNvPr id="4" name="Rectangle 3">
+            <a:extLst>
+              <a:ext uri="{FF2B5EF4-FFF2-40B4-BE49-F238E27FC236}">
+                <a16:creationId xmlns:a16="http://schemas.microsoft.com/office/drawing/2014/main" id="{A7A88F4F-A313-4559-9871-08C28C8D9288}"/>
+              </a:ext>
+            </a:extLst>
+          </p:cNvPr>
+          <p:cNvSpPr/>
+          <p:nvPr/>
+        </p:nvSpPr>
+        <p:spPr>
+          <a:xfrm>
+            <a:off x="4876800" y="4267200"/>
+            <a:ext cx="4114800" cy="2438400"/>
+          </a:xfrm>
+          <a:prstGeom prst="rect">
+            <a:avLst/>
+          </a:prstGeom>
+          <a:ln>
+            <a:solidFill>
+              <a:schemeClr val="tx1"/>
+            </a:solidFill>
+          </a:ln>
+        </p:spPr>
+        <p:style>
+          <a:lnRef idx="2">
+            <a:schemeClr val="accent1">
+              <a:shade val="50000"/>
+            </a:schemeClr>
+          </a:lnRef>
+          <a:fillRef idx="1">
+            <a:schemeClr val="accent1"/>
+          </a:fillRef>
+          <a:effectRef idx="0">
+            <a:schemeClr val="accent1"/>
+          </a:effectRef>
+          <a:fontRef idx="minor">
+            <a:schemeClr val="lt1"/>
+          </a:fontRef>
+        </p:style>
+        <p:txBody>
+          <a:bodyPr rtlCol="0" anchor="t"/>
+          <a:lstStyle/>
+          <a:p>
+            <a:r>
+              <a:rPr lang="en-US" sz="2000" dirty="0"/>
+              <a:t>App</a:t>
+            </a:r>
+          </a:p>
+        </p:txBody>
+      </p:sp>
+      <p:sp>
+        <p:nvSpPr>
+          <p:cNvPr id="5" name="Rectangle 4">
+            <a:extLst>
+              <a:ext uri="{FF2B5EF4-FFF2-40B4-BE49-F238E27FC236}">
+                <a16:creationId xmlns:a16="http://schemas.microsoft.com/office/drawing/2014/main" id="{1F714D18-AE93-47E0-9393-F5206FAF5C58}"/>
+              </a:ext>
+            </a:extLst>
+          </p:cNvPr>
+          <p:cNvSpPr/>
+          <p:nvPr/>
+        </p:nvSpPr>
+        <p:spPr>
+          <a:xfrm>
+            <a:off x="5042244" y="4687766"/>
+            <a:ext cx="3772446" cy="722434"/>
+          </a:xfrm>
+          <a:prstGeom prst="rect">
+            <a:avLst/>
+          </a:prstGeom>
+          <a:solidFill>
+            <a:schemeClr val="accent3">
+              <a:lumMod val="50000"/>
+            </a:schemeClr>
+          </a:solidFill>
+          <a:ln>
+            <a:solidFill>
+              <a:schemeClr val="tx1"/>
+            </a:solidFill>
+          </a:ln>
+        </p:spPr>
+        <p:style>
+          <a:lnRef idx="2">
+            <a:schemeClr val="accent1">
+              <a:shade val="50000"/>
+            </a:schemeClr>
+          </a:lnRef>
+          <a:fillRef idx="1">
+            <a:schemeClr val="accent1"/>
+          </a:fillRef>
+          <a:effectRef idx="0">
+            <a:schemeClr val="accent1"/>
+          </a:effectRef>
+          <a:fontRef idx="minor">
+            <a:schemeClr val="lt1"/>
+          </a:fontRef>
+        </p:style>
+        <p:txBody>
+          <a:bodyPr rtlCol="0" anchor="ctr"/>
+          <a:lstStyle/>
+          <a:p>
+            <a:r>
+              <a:rPr lang="en-US" sz="2000" dirty="0"/>
+              <a:t>Banner</a:t>
+            </a:r>
+          </a:p>
+        </p:txBody>
+      </p:sp>
+      <p:sp>
+        <p:nvSpPr>
+          <p:cNvPr id="6" name="Rectangle 5">
+            <a:extLst>
+              <a:ext uri="{FF2B5EF4-FFF2-40B4-BE49-F238E27FC236}">
+                <a16:creationId xmlns:a16="http://schemas.microsoft.com/office/drawing/2014/main" id="{C6CB6002-C761-496E-B8D3-54A387DDEB3B}"/>
+              </a:ext>
+            </a:extLst>
+          </p:cNvPr>
+          <p:cNvSpPr/>
+          <p:nvPr/>
+        </p:nvSpPr>
+        <p:spPr>
+          <a:xfrm>
+            <a:off x="6249492" y="4801201"/>
+            <a:ext cx="2388288" cy="526194"/>
+          </a:xfrm>
+          <a:prstGeom prst="rect">
+            <a:avLst/>
+          </a:prstGeom>
+          <a:solidFill>
+            <a:schemeClr val="accent5">
+              <a:lumMod val="50000"/>
+            </a:schemeClr>
+          </a:solidFill>
+          <a:ln>
+            <a:solidFill>
+              <a:schemeClr val="tx1"/>
+            </a:solidFill>
+          </a:ln>
+        </p:spPr>
+        <p:style>
+          <a:lnRef idx="2">
+            <a:schemeClr val="accent1">
+              <a:shade val="50000"/>
+            </a:schemeClr>
+          </a:lnRef>
+          <a:fillRef idx="1">
+            <a:schemeClr val="accent1"/>
+          </a:fillRef>
+          <a:effectRef idx="0">
+            <a:schemeClr val="accent1"/>
+          </a:effectRef>
+          <a:fontRef idx="minor">
+            <a:schemeClr val="lt1"/>
+          </a:fontRef>
+        </p:style>
+        <p:txBody>
+          <a:bodyPr rtlCol="0" anchor="ctr"/>
+          <a:lstStyle/>
+          <a:p>
+            <a:pPr algn="ctr"/>
+            <a:r>
+              <a:rPr lang="en-US" sz="2000" dirty="0" err="1"/>
+              <a:t>Topnav</a:t>
+            </a:r>
+            <a:endParaRPr lang="en-US" sz="2000" dirty="0"/>
+          </a:p>
+        </p:txBody>
+      </p:sp>
+      <p:sp>
+        <p:nvSpPr>
+          <p:cNvPr id="7" name="Rectangle 6">
+            <a:extLst>
+              <a:ext uri="{FF2B5EF4-FFF2-40B4-BE49-F238E27FC236}">
+                <a16:creationId xmlns:a16="http://schemas.microsoft.com/office/drawing/2014/main" id="{8DD771E2-E398-4327-8DC9-486C22F3F981}"/>
+              </a:ext>
+            </a:extLst>
+          </p:cNvPr>
+          <p:cNvSpPr/>
+          <p:nvPr/>
+        </p:nvSpPr>
+        <p:spPr>
+          <a:xfrm>
+            <a:off x="5070466" y="5479795"/>
+            <a:ext cx="3772446" cy="1133472"/>
+          </a:xfrm>
+          <a:prstGeom prst="rect">
+            <a:avLst/>
+          </a:prstGeom>
+          <a:solidFill>
+            <a:srgbClr val="7030A0"/>
+          </a:solidFill>
+          <a:ln>
+            <a:solidFill>
+              <a:schemeClr val="tx1"/>
+            </a:solidFill>
+          </a:ln>
+        </p:spPr>
+        <p:style>
+          <a:lnRef idx="2">
+            <a:schemeClr val="accent1">
+              <a:shade val="50000"/>
+            </a:schemeClr>
+          </a:lnRef>
+          <a:fillRef idx="1">
+            <a:schemeClr val="accent1"/>
+          </a:fillRef>
+          <a:effectRef idx="0">
+            <a:schemeClr val="accent1"/>
+          </a:effectRef>
+          <a:fontRef idx="minor">
+            <a:schemeClr val="lt1"/>
+          </a:fontRef>
+        </p:style>
+        <p:txBody>
+          <a:bodyPr rtlCol="0" anchor="t"/>
+          <a:lstStyle/>
+          <a:p>
+            <a:r>
+              <a:rPr lang="en-US" sz="2000" dirty="0" err="1"/>
+              <a:t>MainView</a:t>
+            </a:r>
+            <a:endParaRPr lang="en-US" sz="2000" dirty="0"/>
+          </a:p>
+        </p:txBody>
+      </p:sp>
+    </p:spTree>
+    <p:extLst>
+      <p:ext uri="{BB962C8B-B14F-4D97-AF65-F5344CB8AC3E}">
+        <p14:creationId xmlns:p14="http://schemas.microsoft.com/office/powerpoint/2010/main" val="3454056369"/>
+      </p:ext>
+    </p:extLst>
+  </p:cSld>
+  <p:clrMapOvr>
+    <a:masterClrMapping/>
+  </p:clrMapOvr>
+</p:sld>
+</file>
+
+<file path=ppt/slides/slide23.xml><?xml version="1.0" encoding="utf-8"?>
+<p:sld xmlns:a="http://schemas.openxmlformats.org/drawingml/2006/main" xmlns:r="http://schemas.openxmlformats.org/officeDocument/2006/relationships" xmlns:p="http://schemas.openxmlformats.org/presentationml/2006/main">
+  <p:cSld>
+    <p:spTree>
+      <p:nvGrpSpPr>
+        <p:cNvPr id="1" name=""/>
+        <p:cNvGrpSpPr/>
+        <p:nvPr/>
+      </p:nvGrpSpPr>
+      <p:grpSpPr>
+        <a:xfrm>
+          <a:off x="0" y="0"/>
+          <a:ext cx="0" cy="0"/>
+          <a:chOff x="0" y="0"/>
+          <a:chExt cx="0" cy="0"/>
+        </a:xfrm>
+      </p:grpSpPr>
+      <p:sp>
+        <p:nvSpPr>
+          <p:cNvPr id="2" name="Title 1"/>
+          <p:cNvSpPr>
+            <a:spLocks noGrp="1"/>
+          </p:cNvSpPr>
+          <p:nvPr>
+            <p:ph type="title"/>
+          </p:nvPr>
+        </p:nvSpPr>
+        <p:spPr/>
+        <p:txBody>
+          <a:bodyPr/>
+          <a:lstStyle/>
+          <a:p>
+            <a:r>
+              <a:rPr lang="en-US"/>
+              <a:t>Agenda</a:t>
+            </a:r>
+            <a:endParaRPr lang="en-US" dirty="0"/>
+          </a:p>
+        </p:txBody>
+      </p:sp>
+      <p:sp>
+        <p:nvSpPr>
+          <p:cNvPr id="3" name="Content Placeholder 2"/>
+          <p:cNvSpPr>
+            <a:spLocks noGrp="1"/>
+          </p:cNvSpPr>
+          <p:nvPr>
+            <p:ph idx="1"/>
+          </p:nvPr>
+        </p:nvSpPr>
+        <p:spPr/>
+        <p:txBody>
+          <a:bodyPr>
+            <a:noAutofit/>
+          </a:bodyPr>
+          <a:lstStyle/>
+          <a:p>
+            <a:pPr lvl="0">
+              <a:buFont typeface="Wingdings" panose="05000000000000000000" pitchFamily="2" charset="2"/>
+              <a:buChar char="ü"/>
+            </a:pPr>
+            <a:r>
+              <a:rPr lang="en-US" sz="2400" dirty="0"/>
+              <a:t>Getting Started with React.js</a:t>
+            </a:r>
+          </a:p>
+          <a:p>
+            <a:pPr lvl="0">
+              <a:buFont typeface="Wingdings" panose="05000000000000000000" pitchFamily="2" charset="2"/>
+              <a:buChar char="ü"/>
+            </a:pPr>
+            <a:r>
+              <a:rPr lang="en-US" sz="2400" dirty="0"/>
+              <a:t>Creating SPAs using React.js, TypeScript and Webpack</a:t>
+            </a:r>
+          </a:p>
+          <a:p>
+            <a:pPr lvl="0">
+              <a:buFont typeface="Wingdings" panose="05000000000000000000" pitchFamily="2" charset="2"/>
+              <a:buChar char="ü"/>
+            </a:pPr>
+            <a:r>
+              <a:rPr lang="en-US" sz="2400" dirty="0"/>
+              <a:t>Designing a React Component Hierarchy</a:t>
+            </a:r>
+          </a:p>
+          <a:p>
+            <a:pPr>
+              <a:buFont typeface="Wingdings" panose="05000000000000000000" pitchFamily="2" charset="2"/>
+              <a:buChar char="Ø"/>
+            </a:pPr>
+            <a:r>
+              <a:rPr lang="en-US" sz="2400" dirty="0"/>
+              <a:t>Extending a React Project with the React Router</a:t>
+            </a:r>
+          </a:p>
+          <a:p>
+            <a:pPr lvl="0"/>
+            <a:r>
+              <a:rPr lang="en-US" sz="2400" dirty="0"/>
+              <a:t>Understanding the React Component Lifecycle Methods</a:t>
+            </a:r>
+          </a:p>
+          <a:p>
+            <a:pPr lvl="0"/>
+            <a:r>
+              <a:rPr lang="en-US" sz="2400" dirty="0"/>
+              <a:t>Calling Across the Network using the Fetch API</a:t>
+            </a:r>
+          </a:p>
+        </p:txBody>
+      </p:sp>
+    </p:spTree>
+    <p:extLst>
+      <p:ext uri="{BB962C8B-B14F-4D97-AF65-F5344CB8AC3E}">
+        <p14:creationId xmlns:p14="http://schemas.microsoft.com/office/powerpoint/2010/main" val="2680903845"/>
+      </p:ext>
+    </p:extLst>
+  </p:cSld>
+  <p:clrMapOvr>
+    <a:masterClrMapping/>
+  </p:clrMapOvr>
+</p:sld>
+</file>
+
+<file path=ppt/slides/slide24.xml><?xml version="1.0" encoding="utf-8"?>
+<p:sld xmlns:a="http://schemas.openxmlformats.org/drawingml/2006/main" xmlns:r="http://schemas.openxmlformats.org/officeDocument/2006/relationships" xmlns:p="http://schemas.openxmlformats.org/presentationml/2006/main">
+  <p:cSld>
+    <p:spTree>
+      <p:nvGrpSpPr>
+        <p:cNvPr id="1" name=""/>
+        <p:cNvGrpSpPr/>
+        <p:nvPr/>
+      </p:nvGrpSpPr>
+      <p:grpSpPr>
+        <a:xfrm>
+          <a:off x="0" y="0"/>
+          <a:ext cx="0" cy="0"/>
+          <a:chOff x="0" y="0"/>
+          <a:chExt cx="0" cy="0"/>
+        </a:xfrm>
+      </p:grpSpPr>
+      <p:sp>
+        <p:nvSpPr>
+          <p:cNvPr id="2" name="Title 1">
+            <a:extLst>
+              <a:ext uri="{FF2B5EF4-FFF2-40B4-BE49-F238E27FC236}">
+                <a16:creationId xmlns:a16="http://schemas.microsoft.com/office/drawing/2014/main" id="{B6C4C97C-570E-41E5-A008-5E76C9C35AA8}"/>
+              </a:ext>
+            </a:extLst>
+          </p:cNvPr>
+          <p:cNvSpPr>
+            <a:spLocks noGrp="1"/>
+          </p:cNvSpPr>
+          <p:nvPr>
+            <p:ph type="title"/>
+          </p:nvPr>
+        </p:nvSpPr>
+        <p:spPr/>
+        <p:txBody>
+          <a:bodyPr/>
+          <a:lstStyle/>
+          <a:p>
+            <a:r>
+              <a:rPr lang="en-US" dirty="0"/>
+              <a:t>React Router</a:t>
+            </a:r>
+          </a:p>
+        </p:txBody>
+      </p:sp>
+      <p:sp>
+        <p:nvSpPr>
+          <p:cNvPr id="3" name="Content Placeholder 2">
+            <a:extLst>
+              <a:ext uri="{FF2B5EF4-FFF2-40B4-BE49-F238E27FC236}">
+                <a16:creationId xmlns:a16="http://schemas.microsoft.com/office/drawing/2014/main" id="{4EE6D33A-691F-4760-BF4D-24BD78D17A3F}"/>
+              </a:ext>
+            </a:extLst>
+          </p:cNvPr>
+          <p:cNvSpPr>
+            <a:spLocks noGrp="1"/>
+          </p:cNvSpPr>
+          <p:nvPr>
+            <p:ph idx="1"/>
+          </p:nvPr>
+        </p:nvSpPr>
+        <p:spPr/>
+        <p:txBody>
+          <a:bodyPr>
+            <a:normAutofit/>
+          </a:bodyPr>
+          <a:lstStyle/>
+          <a:p>
+            <a:r>
+              <a:rPr lang="en-US" sz="2400" dirty="0"/>
+              <a:t>Used to create route map in single page application (SPA)</a:t>
+            </a:r>
+          </a:p>
+          <a:p>
+            <a:pPr lvl="1"/>
+            <a:r>
+              <a:rPr lang="en-US" sz="2000" dirty="0"/>
+              <a:t>Installed as a pair of npm packages</a:t>
+            </a:r>
+          </a:p>
+          <a:p>
+            <a:pPr lvl="2"/>
+            <a:r>
+              <a:rPr lang="en-US" sz="1400" b="1" dirty="0"/>
+              <a:t>npm install react-router @types/react-router --save-dev</a:t>
+            </a:r>
+          </a:p>
+          <a:p>
+            <a:pPr lvl="2"/>
+            <a:r>
+              <a:rPr lang="en-US" sz="1400" b="1" dirty="0"/>
+              <a:t>npm install react-router-</a:t>
+            </a:r>
+            <a:r>
+              <a:rPr lang="en-US" sz="1400" b="1" dirty="0" err="1"/>
+              <a:t>dom</a:t>
+            </a:r>
+            <a:r>
+              <a:rPr lang="en-US" sz="1400" b="1" dirty="0"/>
+              <a:t> @types/react-router-</a:t>
+            </a:r>
+            <a:r>
+              <a:rPr lang="en-US" sz="1400" b="1" dirty="0" err="1"/>
+              <a:t>dom</a:t>
+            </a:r>
+            <a:r>
+              <a:rPr lang="en-US" sz="1400" b="1" dirty="0"/>
+              <a:t> --save-dev</a:t>
+            </a:r>
+          </a:p>
+          <a:p>
+            <a:pPr lvl="1"/>
+            <a:endParaRPr lang="en-US" sz="1800" dirty="0"/>
+          </a:p>
+          <a:p>
+            <a:r>
+              <a:rPr lang="en-US" sz="2200" dirty="0"/>
+              <a:t>Router must be added in as top-level component above App</a:t>
+            </a:r>
+          </a:p>
+          <a:p>
+            <a:pPr lvl="1"/>
+            <a:endParaRPr lang="en-US" sz="1800" dirty="0"/>
+          </a:p>
+        </p:txBody>
+      </p:sp>
+      <p:pic>
+        <p:nvPicPr>
+          <p:cNvPr id="6" name="Picture 5">
+            <a:extLst>
+              <a:ext uri="{FF2B5EF4-FFF2-40B4-BE49-F238E27FC236}">
+                <a16:creationId xmlns:a16="http://schemas.microsoft.com/office/drawing/2014/main" id="{EE866712-F883-4BE9-BEAA-2C8A46FBB14B}"/>
+              </a:ext>
+            </a:extLst>
+          </p:cNvPr>
+          <p:cNvPicPr>
+            <a:picLocks noChangeAspect="1"/>
+          </p:cNvPicPr>
+          <p:nvPr/>
+        </p:nvPicPr>
+        <p:blipFill>
+          <a:blip r:embed="rId2"/>
+          <a:stretch>
+            <a:fillRect/>
+          </a:stretch>
+        </p:blipFill>
+        <p:spPr>
+          <a:xfrm>
+            <a:off x="838200" y="3689088"/>
+            <a:ext cx="4572000" cy="2864112"/>
+          </a:xfrm>
+          <a:prstGeom prst="rect">
+            <a:avLst/>
+          </a:prstGeom>
+        </p:spPr>
+      </p:pic>
+    </p:spTree>
+    <p:extLst>
+      <p:ext uri="{BB962C8B-B14F-4D97-AF65-F5344CB8AC3E}">
+        <p14:creationId xmlns:p14="http://schemas.microsoft.com/office/powerpoint/2010/main" val="951127768"/>
+      </p:ext>
+    </p:extLst>
+  </p:cSld>
+  <p:clrMapOvr>
+    <a:masterClrMapping/>
+  </p:clrMapOvr>
+</p:sld>
+</file>
+
+<file path=ppt/slides/slide25.xml><?xml version="1.0" encoding="utf-8"?>
+<p:sld xmlns:a="http://schemas.openxmlformats.org/drawingml/2006/main" xmlns:r="http://schemas.openxmlformats.org/officeDocument/2006/relationships" xmlns:p="http://schemas.openxmlformats.org/presentationml/2006/main">
+  <p:cSld>
+    <p:spTree>
+      <p:nvGrpSpPr>
+        <p:cNvPr id="1" name=""/>
+        <p:cNvGrpSpPr/>
+        <p:nvPr/>
+      </p:nvGrpSpPr>
+      <p:grpSpPr>
+        <a:xfrm>
+          <a:off x="0" y="0"/>
+          <a:ext cx="0" cy="0"/>
+          <a:chOff x="0" y="0"/>
+          <a:chExt cx="0" cy="0"/>
+        </a:xfrm>
+      </p:grpSpPr>
+      <p:sp>
+        <p:nvSpPr>
+          <p:cNvPr id="2" name="Title 1">
+            <a:extLst>
+              <a:ext uri="{FF2B5EF4-FFF2-40B4-BE49-F238E27FC236}">
+                <a16:creationId xmlns:a16="http://schemas.microsoft.com/office/drawing/2014/main" id="{B6C4C97C-570E-41E5-A008-5E76C9C35AA8}"/>
+              </a:ext>
+            </a:extLst>
+          </p:cNvPr>
+          <p:cNvSpPr>
+            <a:spLocks noGrp="1"/>
+          </p:cNvSpPr>
+          <p:nvPr>
+            <p:ph type="title"/>
+          </p:nvPr>
+        </p:nvSpPr>
+        <p:spPr/>
+        <p:txBody>
+          <a:bodyPr/>
+          <a:lstStyle/>
+          <a:p>
+            <a:r>
+              <a:rPr lang="en-US" dirty="0"/>
+              <a:t>Using React Router</a:t>
+            </a:r>
+          </a:p>
+        </p:txBody>
+      </p:sp>
+      <p:sp>
+        <p:nvSpPr>
+          <p:cNvPr id="3" name="Content Placeholder 2">
+            <a:extLst>
+              <a:ext uri="{FF2B5EF4-FFF2-40B4-BE49-F238E27FC236}">
+                <a16:creationId xmlns:a16="http://schemas.microsoft.com/office/drawing/2014/main" id="{4EE6D33A-691F-4760-BF4D-24BD78D17A3F}"/>
+              </a:ext>
+            </a:extLst>
+          </p:cNvPr>
+          <p:cNvSpPr>
+            <a:spLocks noGrp="1"/>
+          </p:cNvSpPr>
+          <p:nvPr>
+            <p:ph idx="1"/>
+          </p:nvPr>
+        </p:nvSpPr>
+        <p:spPr/>
+        <p:txBody>
+          <a:bodyPr>
+            <a:normAutofit/>
+          </a:bodyPr>
+          <a:lstStyle/>
+          <a:p>
+            <a:r>
+              <a:rPr lang="en-US" sz="2000" dirty="0"/>
+              <a:t>Import Route and Switch components</a:t>
+            </a:r>
+          </a:p>
+          <a:p>
+            <a:endParaRPr lang="en-US" sz="2000" dirty="0"/>
+          </a:p>
+          <a:p>
+            <a:endParaRPr lang="en-US" sz="2000" dirty="0"/>
+          </a:p>
+          <a:p>
+            <a:r>
+              <a:rPr lang="en-US" sz="2000" dirty="0"/>
+              <a:t>Create route map in HTML output</a:t>
+            </a:r>
+          </a:p>
+        </p:txBody>
+      </p:sp>
+      <p:pic>
+        <p:nvPicPr>
+          <p:cNvPr id="4" name="Picture 3">
+            <a:extLst>
+              <a:ext uri="{FF2B5EF4-FFF2-40B4-BE49-F238E27FC236}">
+                <a16:creationId xmlns:a16="http://schemas.microsoft.com/office/drawing/2014/main" id="{80352616-BC0D-439F-BA18-85B937E9E4AC}"/>
+              </a:ext>
+            </a:extLst>
+          </p:cNvPr>
+          <p:cNvPicPr>
+            <a:picLocks noChangeAspect="1"/>
+          </p:cNvPicPr>
+          <p:nvPr/>
+        </p:nvPicPr>
+        <p:blipFill>
+          <a:blip r:embed="rId2"/>
+          <a:stretch>
+            <a:fillRect/>
+          </a:stretch>
+        </p:blipFill>
+        <p:spPr>
+          <a:xfrm>
+            <a:off x="838200" y="1981200"/>
+            <a:ext cx="5200650" cy="571500"/>
+          </a:xfrm>
+          <a:prstGeom prst="rect">
+            <a:avLst/>
+          </a:prstGeom>
+        </p:spPr>
+      </p:pic>
+      <p:pic>
+        <p:nvPicPr>
+          <p:cNvPr id="5" name="Picture 4">
+            <a:extLst>
+              <a:ext uri="{FF2B5EF4-FFF2-40B4-BE49-F238E27FC236}">
+                <a16:creationId xmlns:a16="http://schemas.microsoft.com/office/drawing/2014/main" id="{8B4989E0-E1CB-4A96-B022-424D23466B56}"/>
+              </a:ext>
+            </a:extLst>
+          </p:cNvPr>
+          <p:cNvPicPr>
+            <a:picLocks noChangeAspect="1"/>
+          </p:cNvPicPr>
+          <p:nvPr/>
+        </p:nvPicPr>
+        <p:blipFill>
+          <a:blip r:embed="rId3"/>
+          <a:stretch>
+            <a:fillRect/>
+          </a:stretch>
+        </p:blipFill>
+        <p:spPr>
+          <a:xfrm>
+            <a:off x="838201" y="3200401"/>
+            <a:ext cx="6324600" cy="3486070"/>
+          </a:xfrm>
+          <a:prstGeom prst="rect">
+            <a:avLst/>
+          </a:prstGeom>
+        </p:spPr>
+      </p:pic>
+    </p:spTree>
+    <p:extLst>
+      <p:ext uri="{BB962C8B-B14F-4D97-AF65-F5344CB8AC3E}">
+        <p14:creationId xmlns:p14="http://schemas.microsoft.com/office/powerpoint/2010/main" val="1712723497"/>
+      </p:ext>
+    </p:extLst>
+  </p:cSld>
+  <p:clrMapOvr>
+    <a:masterClrMapping/>
+  </p:clrMapOvr>
+</p:sld>
+</file>
+
+<file path=ppt/slides/slide26.xml><?xml version="1.0" encoding="utf-8"?>
+<p:sld xmlns:a="http://schemas.openxmlformats.org/drawingml/2006/main" xmlns:r="http://schemas.openxmlformats.org/officeDocument/2006/relationships" xmlns:p="http://schemas.openxmlformats.org/presentationml/2006/main">
+  <p:cSld>
+    <p:spTree>
+      <p:nvGrpSpPr>
+        <p:cNvPr id="1" name=""/>
+        <p:cNvGrpSpPr/>
+        <p:nvPr/>
+      </p:nvGrpSpPr>
+      <p:grpSpPr>
+        <a:xfrm>
+          <a:off x="0" y="0"/>
+          <a:ext cx="0" cy="0"/>
+          <a:chOff x="0" y="0"/>
+          <a:chExt cx="0" cy="0"/>
+        </a:xfrm>
+      </p:grpSpPr>
+      <p:pic>
+        <p:nvPicPr>
+          <p:cNvPr id="5" name="Picture 4">
+            <a:extLst>
+              <a:ext uri="{FF2B5EF4-FFF2-40B4-BE49-F238E27FC236}">
+                <a16:creationId xmlns:a16="http://schemas.microsoft.com/office/drawing/2014/main" id="{C6E386F3-9491-41C5-972D-C247DC45AEE3}"/>
+              </a:ext>
+            </a:extLst>
+          </p:cNvPr>
+          <p:cNvPicPr/>
+          <p:nvPr/>
+        </p:nvPicPr>
+        <p:blipFill>
+          <a:blip r:embed="rId2" cstate="print">
+            <a:extLst>
+              <a:ext uri="{28A0092B-C50C-407E-A947-70E740481C1C}">
+                <a14:useLocalDpi xmlns:a14="http://schemas.microsoft.com/office/drawing/2010/main" val="0"/>
+              </a:ext>
+            </a:extLst>
+          </a:blip>
+          <a:srcRect/>
+          <a:stretch>
+            <a:fillRect/>
+          </a:stretch>
+        </p:blipFill>
+        <p:spPr bwMode="auto">
+          <a:xfrm>
+            <a:off x="135467" y="1130074"/>
+            <a:ext cx="3903134" cy="2285873"/>
+          </a:xfrm>
+          <a:prstGeom prst="rect">
+            <a:avLst/>
+          </a:prstGeom>
+          <a:noFill/>
+          <a:ln>
+            <a:solidFill>
+              <a:schemeClr val="tx1">
+                <a:lumMod val="65000"/>
+                <a:lumOff val="35000"/>
+              </a:schemeClr>
+            </a:solidFill>
+          </a:ln>
+        </p:spPr>
+      </p:pic>
+      <p:sp>
+        <p:nvSpPr>
+          <p:cNvPr id="2" name="Title 1">
+            <a:extLst>
+              <a:ext uri="{FF2B5EF4-FFF2-40B4-BE49-F238E27FC236}">
+                <a16:creationId xmlns:a16="http://schemas.microsoft.com/office/drawing/2014/main" id="{2F0B0384-8E80-4308-8689-C5CAC5E240B4}"/>
+              </a:ext>
+            </a:extLst>
+          </p:cNvPr>
+          <p:cNvSpPr>
+            <a:spLocks noGrp="1"/>
+          </p:cNvSpPr>
+          <p:nvPr>
+            <p:ph type="title"/>
+          </p:nvPr>
+        </p:nvSpPr>
+        <p:spPr/>
+        <p:txBody>
+          <a:bodyPr/>
+          <a:lstStyle/>
+          <a:p>
+            <a:r>
+              <a:rPr lang="en-US" dirty="0"/>
+              <a:t>Creating Route Links</a:t>
+            </a:r>
+          </a:p>
+        </p:txBody>
+      </p:sp>
+      <p:pic>
+        <p:nvPicPr>
+          <p:cNvPr id="4" name="Picture 3">
+            <a:extLst>
+              <a:ext uri="{FF2B5EF4-FFF2-40B4-BE49-F238E27FC236}">
+                <a16:creationId xmlns:a16="http://schemas.microsoft.com/office/drawing/2014/main" id="{5192503C-E948-45FD-9199-9DAAA7A2B952}"/>
+              </a:ext>
+            </a:extLst>
+          </p:cNvPr>
+          <p:cNvPicPr>
+            <a:picLocks noChangeAspect="1"/>
+          </p:cNvPicPr>
+          <p:nvPr/>
+        </p:nvPicPr>
+        <p:blipFill>
+          <a:blip r:embed="rId3"/>
+          <a:stretch>
+            <a:fillRect/>
+          </a:stretch>
+        </p:blipFill>
+        <p:spPr>
+          <a:xfrm>
+            <a:off x="1921935" y="3046638"/>
+            <a:ext cx="7010400" cy="3588505"/>
+          </a:xfrm>
+          <a:prstGeom prst="rect">
+            <a:avLst/>
+          </a:prstGeom>
+        </p:spPr>
+      </p:pic>
+      <p:sp>
+        <p:nvSpPr>
+          <p:cNvPr id="6" name="Rectangle 5">
+            <a:extLst>
+              <a:ext uri="{FF2B5EF4-FFF2-40B4-BE49-F238E27FC236}">
+                <a16:creationId xmlns:a16="http://schemas.microsoft.com/office/drawing/2014/main" id="{7D7BCCE2-35F8-4277-BE5C-325BCCB49B3D}"/>
+              </a:ext>
+            </a:extLst>
+          </p:cNvPr>
+          <p:cNvSpPr/>
+          <p:nvPr/>
+        </p:nvSpPr>
+        <p:spPr>
+          <a:xfrm>
+            <a:off x="2074335" y="3351438"/>
+            <a:ext cx="3581400" cy="304800"/>
+          </a:xfrm>
+          <a:prstGeom prst="rect">
+            <a:avLst/>
+          </a:prstGeom>
+          <a:noFill/>
+          <a:ln w="28575">
+            <a:solidFill>
+              <a:srgbClr val="FF0000"/>
+            </a:solidFill>
+            <a:prstDash val="sysDot"/>
+          </a:ln>
+        </p:spPr>
+        <p:style>
+          <a:lnRef idx="2">
+            <a:schemeClr val="accent1">
+              <a:shade val="50000"/>
+            </a:schemeClr>
+          </a:lnRef>
+          <a:fillRef idx="1">
+            <a:schemeClr val="accent1"/>
+          </a:fillRef>
+          <a:effectRef idx="0">
+            <a:schemeClr val="accent1"/>
+          </a:effectRef>
+          <a:fontRef idx="minor">
+            <a:schemeClr val="lt1"/>
+          </a:fontRef>
+        </p:style>
+        <p:txBody>
+          <a:bodyPr rtlCol="0" anchor="ctr"/>
+          <a:lstStyle/>
+          <a:p>
+            <a:pPr algn="ctr"/>
+            <a:endParaRPr lang="en-US"/>
+          </a:p>
+        </p:txBody>
+      </p:sp>
+      <p:sp>
+        <p:nvSpPr>
+          <p:cNvPr id="7" name="Rectangle 6">
+            <a:extLst>
+              <a:ext uri="{FF2B5EF4-FFF2-40B4-BE49-F238E27FC236}">
+                <a16:creationId xmlns:a16="http://schemas.microsoft.com/office/drawing/2014/main" id="{BD848E98-5AD6-4C5F-8170-98E22BFF1708}"/>
+              </a:ext>
+            </a:extLst>
+          </p:cNvPr>
+          <p:cNvSpPr/>
+          <p:nvPr/>
+        </p:nvSpPr>
+        <p:spPr>
+          <a:xfrm>
+            <a:off x="3064935" y="5246913"/>
+            <a:ext cx="5562600" cy="485776"/>
+          </a:xfrm>
+          <a:prstGeom prst="rect">
+            <a:avLst/>
+          </a:prstGeom>
+          <a:noFill/>
+          <a:ln w="28575">
+            <a:solidFill>
+              <a:srgbClr val="FF0000"/>
+            </a:solidFill>
+            <a:prstDash val="sysDot"/>
+          </a:ln>
+        </p:spPr>
+        <p:style>
+          <a:lnRef idx="2">
+            <a:schemeClr val="accent1">
+              <a:shade val="50000"/>
+            </a:schemeClr>
+          </a:lnRef>
+          <a:fillRef idx="1">
+            <a:schemeClr val="accent1"/>
+          </a:fillRef>
+          <a:effectRef idx="0">
+            <a:schemeClr val="accent1"/>
+          </a:effectRef>
+          <a:fontRef idx="minor">
+            <a:schemeClr val="lt1"/>
+          </a:fontRef>
+        </p:style>
+        <p:txBody>
+          <a:bodyPr rtlCol="0" anchor="ctr"/>
+          <a:lstStyle/>
+          <a:p>
+            <a:pPr algn="ctr"/>
+            <a:endParaRPr lang="en-US"/>
+          </a:p>
+        </p:txBody>
+      </p:sp>
+      <p:sp>
+        <p:nvSpPr>
+          <p:cNvPr id="8" name="Rectangle 7">
+            <a:extLst>
+              <a:ext uri="{FF2B5EF4-FFF2-40B4-BE49-F238E27FC236}">
+                <a16:creationId xmlns:a16="http://schemas.microsoft.com/office/drawing/2014/main" id="{6D3FC7EF-A1F1-4D75-BC94-873015680B30}"/>
+              </a:ext>
+            </a:extLst>
+          </p:cNvPr>
+          <p:cNvSpPr/>
+          <p:nvPr/>
+        </p:nvSpPr>
+        <p:spPr>
+          <a:xfrm>
+            <a:off x="3036360" y="6004150"/>
+            <a:ext cx="5805488" cy="485776"/>
+          </a:xfrm>
+          <a:prstGeom prst="rect">
+            <a:avLst/>
+          </a:prstGeom>
+          <a:noFill/>
+          <a:ln w="28575">
+            <a:solidFill>
+              <a:srgbClr val="FF0000"/>
+            </a:solidFill>
+            <a:prstDash val="sysDot"/>
+          </a:ln>
+        </p:spPr>
+        <p:style>
+          <a:lnRef idx="2">
+            <a:schemeClr val="accent1">
+              <a:shade val="50000"/>
+            </a:schemeClr>
+          </a:lnRef>
+          <a:fillRef idx="1">
+            <a:schemeClr val="accent1"/>
+          </a:fillRef>
+          <a:effectRef idx="0">
+            <a:schemeClr val="accent1"/>
+          </a:effectRef>
+          <a:fontRef idx="minor">
+            <a:schemeClr val="lt1"/>
+          </a:fontRef>
+        </p:style>
+        <p:txBody>
+          <a:bodyPr rtlCol="0" anchor="ctr"/>
+          <a:lstStyle/>
+          <a:p>
+            <a:pPr algn="ctr"/>
+            <a:endParaRPr lang="en-US"/>
+          </a:p>
+        </p:txBody>
+      </p:sp>
+    </p:spTree>
+    <p:extLst>
+      <p:ext uri="{BB962C8B-B14F-4D97-AF65-F5344CB8AC3E}">
+        <p14:creationId xmlns:p14="http://schemas.microsoft.com/office/powerpoint/2010/main" val="3667989627"/>
+      </p:ext>
+    </p:extLst>
+  </p:cSld>
+  <p:clrMapOvr>
+    <a:masterClrMapping/>
+  </p:clrMapOvr>
+</p:sld>
+</file>
+
+<file path=ppt/slides/slide27.xml><?xml version="1.0" encoding="utf-8"?>
+<p:sld xmlns:a="http://schemas.openxmlformats.org/drawingml/2006/main" xmlns:r="http://schemas.openxmlformats.org/officeDocument/2006/relationships" xmlns:p="http://schemas.openxmlformats.org/presentationml/2006/main">
+  <p:cSld>
+    <p:spTree>
+      <p:nvGrpSpPr>
+        <p:cNvPr id="1" name=""/>
+        <p:cNvGrpSpPr/>
+        <p:nvPr/>
+      </p:nvGrpSpPr>
+      <p:grpSpPr>
+        <a:xfrm>
+          <a:off x="0" y="0"/>
+          <a:ext cx="0" cy="0"/>
+          <a:chOff x="0" y="0"/>
+          <a:chExt cx="0" cy="0"/>
+        </a:xfrm>
+      </p:grpSpPr>
+      <p:sp>
+        <p:nvSpPr>
+          <p:cNvPr id="2" name="Title 1"/>
+          <p:cNvSpPr>
+            <a:spLocks noGrp="1"/>
+          </p:cNvSpPr>
+          <p:nvPr>
+            <p:ph type="title"/>
+          </p:nvPr>
+        </p:nvSpPr>
+        <p:spPr/>
+        <p:txBody>
+          <a:bodyPr/>
+          <a:lstStyle/>
+          <a:p>
+            <a:r>
+              <a:rPr lang="en-US"/>
+              <a:t>Agenda</a:t>
+            </a:r>
+            <a:endParaRPr lang="en-US" dirty="0"/>
+          </a:p>
+        </p:txBody>
+      </p:sp>
+      <p:sp>
+        <p:nvSpPr>
+          <p:cNvPr id="3" name="Content Placeholder 2"/>
+          <p:cNvSpPr>
+            <a:spLocks noGrp="1"/>
+          </p:cNvSpPr>
+          <p:nvPr>
+            <p:ph idx="1"/>
+          </p:nvPr>
+        </p:nvSpPr>
+        <p:spPr/>
+        <p:txBody>
+          <a:bodyPr>
+            <a:noAutofit/>
+          </a:bodyPr>
+          <a:lstStyle/>
+          <a:p>
+            <a:pPr lvl="0">
+              <a:buFont typeface="Wingdings" panose="05000000000000000000" pitchFamily="2" charset="2"/>
+              <a:buChar char="ü"/>
+            </a:pPr>
+            <a:r>
+              <a:rPr lang="en-US" sz="2400" dirty="0"/>
+              <a:t>Getting Started with React.js</a:t>
+            </a:r>
+          </a:p>
+          <a:p>
+            <a:pPr lvl="0">
+              <a:buFont typeface="Wingdings" panose="05000000000000000000" pitchFamily="2" charset="2"/>
+              <a:buChar char="ü"/>
+            </a:pPr>
+            <a:r>
+              <a:rPr lang="en-US" sz="2400" dirty="0"/>
+              <a:t>Creating SPAs using React.js, TypeScript and Webpack</a:t>
+            </a:r>
+          </a:p>
+          <a:p>
+            <a:pPr lvl="0">
+              <a:buFont typeface="Wingdings" panose="05000000000000000000" pitchFamily="2" charset="2"/>
+              <a:buChar char="ü"/>
+            </a:pPr>
+            <a:r>
+              <a:rPr lang="en-US" sz="2400" dirty="0"/>
+              <a:t>Designing a React Component Hierarchy</a:t>
+            </a:r>
+          </a:p>
+          <a:p>
+            <a:pPr>
+              <a:buFont typeface="Wingdings" panose="05000000000000000000" pitchFamily="2" charset="2"/>
+              <a:buChar char="ü"/>
+            </a:pPr>
+            <a:r>
+              <a:rPr lang="en-US" sz="2400" dirty="0"/>
+              <a:t>Extending a React Project with the React Router</a:t>
+            </a:r>
+          </a:p>
+          <a:p>
+            <a:pPr lvl="0">
+              <a:buFont typeface="Wingdings" panose="05000000000000000000" pitchFamily="2" charset="2"/>
+              <a:buChar char="Ø"/>
+            </a:pPr>
+            <a:r>
+              <a:rPr lang="en-US" sz="2400" dirty="0"/>
+              <a:t>Understanding the React Component Lifecycle Methods</a:t>
+            </a:r>
+          </a:p>
+          <a:p>
+            <a:pPr lvl="0"/>
+            <a:r>
+              <a:rPr lang="en-US" sz="2400" dirty="0"/>
+              <a:t>Calling Across the Network using the Fetch API</a:t>
+            </a:r>
+          </a:p>
+        </p:txBody>
+      </p:sp>
+    </p:spTree>
+    <p:extLst>
+      <p:ext uri="{BB962C8B-B14F-4D97-AF65-F5344CB8AC3E}">
+        <p14:creationId xmlns:p14="http://schemas.microsoft.com/office/powerpoint/2010/main" val="2095326960"/>
+      </p:ext>
+    </p:extLst>
+  </p:cSld>
+  <p:clrMapOvr>
+    <a:masterClrMapping/>
+  </p:clrMapOvr>
+</p:sld>
+</file>
+
+<file path=ppt/slides/slide28.xml><?xml version="1.0" encoding="utf-8"?>
+<p:sld xmlns:a="http://schemas.openxmlformats.org/drawingml/2006/main" xmlns:r="http://schemas.openxmlformats.org/officeDocument/2006/relationships" xmlns:p="http://schemas.openxmlformats.org/presentationml/2006/main">
+  <p:cSld>
+    <p:spTree>
+      <p:nvGrpSpPr>
+        <p:cNvPr id="1" name=""/>
+        <p:cNvGrpSpPr/>
+        <p:nvPr/>
+      </p:nvGrpSpPr>
+      <p:grpSpPr>
+        <a:xfrm>
+          <a:off x="0" y="0"/>
+          <a:ext cx="0" cy="0"/>
+          <a:chOff x="0" y="0"/>
+          <a:chExt cx="0" cy="0"/>
+        </a:xfrm>
+      </p:grpSpPr>
+      <p:sp>
+        <p:nvSpPr>
+          <p:cNvPr id="2" name="Title 1"/>
+          <p:cNvSpPr>
+            <a:spLocks noGrp="1"/>
+          </p:cNvSpPr>
+          <p:nvPr>
+            <p:ph type="title"/>
+          </p:nvPr>
+        </p:nvSpPr>
+        <p:spPr/>
+        <p:txBody>
+          <a:bodyPr/>
+          <a:lstStyle/>
+          <a:p>
+            <a:r>
+              <a:rPr lang="en-US"/>
+              <a:t>Component Lifecycle</a:t>
+            </a:r>
+            <a:endParaRPr lang="en-US" dirty="0"/>
+          </a:p>
+        </p:txBody>
+      </p:sp>
+      <p:sp>
+        <p:nvSpPr>
+          <p:cNvPr id="3" name="Content Placeholder 2"/>
+          <p:cNvSpPr>
+            <a:spLocks noGrp="1"/>
+          </p:cNvSpPr>
+          <p:nvPr>
+            <p:ph idx="1"/>
+          </p:nvPr>
+        </p:nvSpPr>
+        <p:spPr/>
+        <p:txBody>
+          <a:bodyPr>
+            <a:normAutofit/>
+          </a:bodyPr>
+          <a:lstStyle/>
+          <a:p>
+            <a:r>
+              <a:rPr lang="en-US" sz="2400"/>
+              <a:t>componentWillUpdate</a:t>
+            </a:r>
+          </a:p>
+          <a:p>
+            <a:pPr lvl="1"/>
+            <a:r>
+              <a:rPr lang="en-US" sz="2000"/>
+              <a:t>executed before component is rendered</a:t>
+            </a:r>
+          </a:p>
+          <a:p>
+            <a:r>
+              <a:rPr lang="en-US" sz="2400"/>
+              <a:t>componentDidUpdate</a:t>
+            </a:r>
+          </a:p>
+          <a:p>
+            <a:pPr lvl="1"/>
+            <a:r>
+              <a:rPr lang="en-US" sz="2000"/>
+              <a:t>executed after component is rendered</a:t>
+            </a:r>
+          </a:p>
+          <a:p>
+            <a:r>
+              <a:rPr lang="en-US" sz="2400"/>
+              <a:t>componentWillMount</a:t>
+            </a:r>
+          </a:p>
+          <a:p>
+            <a:pPr lvl="1"/>
+            <a:r>
+              <a:rPr lang="en-US" sz="2000"/>
+              <a:t>executed before node is added to the DOM</a:t>
+            </a:r>
+          </a:p>
+          <a:p>
+            <a:r>
+              <a:rPr lang="en-US" sz="2400"/>
+              <a:t>componentDidMount</a:t>
+            </a:r>
+          </a:p>
+          <a:p>
+            <a:pPr lvl="1"/>
+            <a:r>
+              <a:rPr lang="en-US" sz="2000"/>
+              <a:t>executed after node is added to the DOM</a:t>
+            </a:r>
+          </a:p>
+          <a:p>
+            <a:r>
+              <a:rPr lang="en-US" sz="2400"/>
+              <a:t>componentWillUnmount</a:t>
+            </a:r>
+          </a:p>
+          <a:p>
+            <a:pPr lvl="1"/>
+            <a:r>
+              <a:rPr lang="en-US" sz="2000"/>
+              <a:t>executed before node is removed from the DOM</a:t>
+            </a:r>
+          </a:p>
+          <a:p>
+            <a:r>
+              <a:rPr lang="en-US" sz="2400"/>
+              <a:t>shouldComponentUpdate(newProps, newState)</a:t>
+            </a:r>
+          </a:p>
+          <a:p>
+            <a:pPr lvl="1"/>
+            <a:r>
+              <a:rPr lang="en-US" sz="2000"/>
+              <a:t>executed before component is updated</a:t>
+            </a:r>
+            <a:endParaRPr lang="en-US" sz="2000" dirty="0"/>
+          </a:p>
+        </p:txBody>
+      </p:sp>
+    </p:spTree>
+    <p:extLst>
+      <p:ext uri="{BB962C8B-B14F-4D97-AF65-F5344CB8AC3E}">
+        <p14:creationId xmlns:p14="http://schemas.microsoft.com/office/powerpoint/2010/main" val="4131638449"/>
+      </p:ext>
+    </p:extLst>
+  </p:cSld>
+  <p:clrMapOvr>
+    <a:masterClrMapping/>
+  </p:clrMapOvr>
+</p:sld>
+</file>
+
+<file path=ppt/slides/slide29.xml><?xml version="1.0" encoding="utf-8"?>
+<p:sld xmlns:a="http://schemas.openxmlformats.org/drawingml/2006/main" xmlns:r="http://schemas.openxmlformats.org/officeDocument/2006/relationships" xmlns:p="http://schemas.openxmlformats.org/presentationml/2006/main">
+  <p:cSld>
+    <p:spTree>
+      <p:nvGrpSpPr>
+        <p:cNvPr id="1" name=""/>
+        <p:cNvGrpSpPr/>
+        <p:nvPr/>
+      </p:nvGrpSpPr>
+      <p:grpSpPr>
+        <a:xfrm>
+          <a:off x="0" y="0"/>
+          <a:ext cx="0" cy="0"/>
+          <a:chOff x="0" y="0"/>
+          <a:chExt cx="0" cy="0"/>
+        </a:xfrm>
+      </p:grpSpPr>
+      <p:sp>
+        <p:nvSpPr>
+          <p:cNvPr id="2" name="Title 1"/>
+          <p:cNvSpPr>
+            <a:spLocks noGrp="1"/>
+          </p:cNvSpPr>
+          <p:nvPr>
+            <p:ph type="title"/>
+          </p:nvPr>
+        </p:nvSpPr>
+        <p:spPr/>
+        <p:txBody>
+          <a:bodyPr/>
+          <a:lstStyle/>
+          <a:p>
+            <a:r>
+              <a:rPr lang="en-US"/>
+              <a:t>Agenda</a:t>
+            </a:r>
+            <a:endParaRPr lang="en-US" dirty="0"/>
+          </a:p>
+        </p:txBody>
+      </p:sp>
+      <p:sp>
+        <p:nvSpPr>
+          <p:cNvPr id="3" name="Content Placeholder 2"/>
+          <p:cNvSpPr>
+            <a:spLocks noGrp="1"/>
+          </p:cNvSpPr>
+          <p:nvPr>
+            <p:ph idx="1"/>
+          </p:nvPr>
+        </p:nvSpPr>
+        <p:spPr/>
+        <p:txBody>
+          <a:bodyPr>
+            <a:noAutofit/>
+          </a:bodyPr>
+          <a:lstStyle/>
+          <a:p>
+            <a:pPr lvl="0">
+              <a:buFont typeface="Wingdings" panose="05000000000000000000" pitchFamily="2" charset="2"/>
+              <a:buChar char="ü"/>
+            </a:pPr>
+            <a:r>
+              <a:rPr lang="en-US" sz="2400" dirty="0"/>
+              <a:t>Getting Started with React.js</a:t>
+            </a:r>
+          </a:p>
+          <a:p>
+            <a:pPr lvl="0">
+              <a:buFont typeface="Wingdings" panose="05000000000000000000" pitchFamily="2" charset="2"/>
+              <a:buChar char="ü"/>
+            </a:pPr>
+            <a:r>
+              <a:rPr lang="en-US" sz="2400" dirty="0"/>
+              <a:t>Creating SPAs using React.js, TypeScript and Webpack</a:t>
+            </a:r>
+          </a:p>
+          <a:p>
+            <a:pPr lvl="0">
+              <a:buFont typeface="Wingdings" panose="05000000000000000000" pitchFamily="2" charset="2"/>
+              <a:buChar char="ü"/>
+            </a:pPr>
+            <a:r>
+              <a:rPr lang="en-US" sz="2400" dirty="0"/>
+              <a:t>Designing a React Component Hierarchy</a:t>
+            </a:r>
+          </a:p>
+          <a:p>
+            <a:pPr>
+              <a:buFont typeface="Wingdings" panose="05000000000000000000" pitchFamily="2" charset="2"/>
+              <a:buChar char="ü"/>
+            </a:pPr>
+            <a:r>
+              <a:rPr lang="en-US" sz="2400" dirty="0"/>
+              <a:t>Extending a React Project with the React Router</a:t>
+            </a:r>
+          </a:p>
+          <a:p>
+            <a:pPr lvl="0">
+              <a:buFont typeface="Wingdings" panose="05000000000000000000" pitchFamily="2" charset="2"/>
+              <a:buChar char="ü"/>
+            </a:pPr>
+            <a:r>
+              <a:rPr lang="en-US" sz="2400" dirty="0"/>
+              <a:t>Understanding the React Component Lifecycle Methods</a:t>
+            </a:r>
+          </a:p>
+          <a:p>
+            <a:pPr lvl="0">
+              <a:buFont typeface="Wingdings" panose="05000000000000000000" pitchFamily="2" charset="2"/>
+              <a:buChar char="Ø"/>
+            </a:pPr>
+            <a:r>
+              <a:rPr lang="en-US" sz="2400" dirty="0"/>
+              <a:t>Calling Across the Network using the Fetch API</a:t>
+            </a:r>
+          </a:p>
+        </p:txBody>
+      </p:sp>
+    </p:spTree>
+    <p:extLst>
+      <p:ext uri="{BB962C8B-B14F-4D97-AF65-F5344CB8AC3E}">
+        <p14:creationId xmlns:p14="http://schemas.microsoft.com/office/powerpoint/2010/main" val="3789889957"/>
       </p:ext>
     </p:extLst>
   </p:cSld>
@@ -3071,9 +6735,10 @@
           <a:lstStyle/>
           <a:p>
             <a:r>
-              <a:rPr lang="en-US" dirty="0"/>
-              <a:t>Agenda</a:t>
-            </a:r>
+              <a:rPr lang="en-US"/>
+              <a:t>Introducing React</a:t>
+            </a:r>
+            <a:endParaRPr lang="en-US" dirty="0"/>
           </a:p>
         </p:txBody>
       </p:sp>
@@ -3089,64 +6754,71 @@
         </p:nvSpPr>
         <p:spPr/>
         <p:txBody>
-          <a:bodyPr>
-            <a:normAutofit/>
-          </a:bodyPr>
+          <a:bodyPr/>
           <a:lstStyle/>
           <a:p>
             <a:r>
               <a:rPr lang="en-US" dirty="0"/>
-              <a:t>Overview the SharePoint Framework (</a:t>
-            </a:r>
-            <a:r>
-              <a:rPr lang="en-US" dirty="0" err="1"/>
-              <a:t>SPFx</a:t>
-            </a:r>
+              <a:t>React is a library for building user interfaces</a:t>
+            </a:r>
+          </a:p>
+          <a:p>
+            <a:pPr lvl="1"/>
             <a:r>
               <a:rPr lang="en-US" dirty="0"/>
-              <a:t>)</a:t>
-            </a:r>
-          </a:p>
-          <a:p>
+              <a:t>Not as all-encompassing as a framework like Angular</a:t>
+            </a:r>
+          </a:p>
+          <a:p>
+            <a:pPr lvl="1"/>
             <a:r>
               <a:rPr lang="en-US" dirty="0"/>
-              <a:t>Setting up an </a:t>
-            </a:r>
-            <a:r>
-              <a:rPr lang="en-US" dirty="0" err="1"/>
-              <a:t>SPFx</a:t>
-            </a:r>
+              <a:t>Focused on building HTML-based user experiences</a:t>
+            </a:r>
+          </a:p>
+          <a:p>
+            <a:pPr lvl="1"/>
             <a:r>
               <a:rPr lang="en-US" dirty="0"/>
-              <a:t> Development Environment</a:t>
-            </a:r>
-          </a:p>
-          <a:p>
+              <a:t>Based on reusable component-based architecture</a:t>
+            </a:r>
+          </a:p>
+          <a:p>
+            <a:pPr lvl="1"/>
             <a:r>
               <a:rPr lang="en-US" dirty="0"/>
-              <a:t>Creating Projects using the </a:t>
-            </a:r>
-            <a:r>
-              <a:rPr lang="en-US" dirty="0" err="1"/>
-              <a:t>SPFx</a:t>
+              <a:t>Components </a:t>
+            </a:r>
+            <a:r>
+              <a:rPr lang="en-US" i="1" dirty="0"/>
+              <a:t>react</a:t>
             </a:r>
             <a:r>
               <a:rPr lang="en-US" dirty="0"/>
-              <a:t> Templates</a:t>
-            </a:r>
-          </a:p>
-          <a:p>
+              <a:t> to state changes by updating UI</a:t>
+            </a:r>
+          </a:p>
+          <a:p>
+            <a:pPr lvl="1"/>
             <a:r>
               <a:rPr lang="en-US" dirty="0"/>
-              <a:t>Deploying </a:t>
-            </a:r>
-            <a:r>
-              <a:rPr lang="en-US" dirty="0" err="1"/>
-              <a:t>SPFx</a:t>
-            </a:r>
+              <a:t>React uses shadow DOM for efficient event handling</a:t>
+            </a:r>
+          </a:p>
+          <a:p>
+            <a:endParaRPr lang="en-US" dirty="0"/>
+          </a:p>
+          <a:p>
             <a:r>
               <a:rPr lang="en-US" dirty="0"/>
-              <a:t> Projects using an Azure CDN</a:t>
+              <a:t>React was originally designed for Facebook</a:t>
+            </a:r>
+          </a:p>
+          <a:p>
+            <a:pPr lvl="1"/>
+            <a:r>
+              <a:rPr lang="en-US" dirty="0"/>
+              <a:t>Also a good fit for building SPFx web parts</a:t>
             </a:r>
           </a:p>
         </p:txBody>
@@ -3154,7 +6826,255 @@
     </p:spTree>
     <p:extLst>
       <p:ext uri="{BB962C8B-B14F-4D97-AF65-F5344CB8AC3E}">
-        <p14:creationId xmlns:p14="http://schemas.microsoft.com/office/powerpoint/2010/main" val="1619929893"/>
+        <p14:creationId xmlns:p14="http://schemas.microsoft.com/office/powerpoint/2010/main" val="1261764000"/>
+      </p:ext>
+    </p:extLst>
+  </p:cSld>
+  <p:clrMapOvr>
+    <a:masterClrMapping/>
+  </p:clrMapOvr>
+</p:sld>
+</file>
+
+<file path=ppt/slides/slide30.xml><?xml version="1.0" encoding="utf-8"?>
+<p:sld xmlns:a="http://schemas.openxmlformats.org/drawingml/2006/main" xmlns:r="http://schemas.openxmlformats.org/officeDocument/2006/relationships" xmlns:p="http://schemas.openxmlformats.org/presentationml/2006/main">
+  <p:cSld>
+    <p:spTree>
+      <p:nvGrpSpPr>
+        <p:cNvPr id="1" name=""/>
+        <p:cNvGrpSpPr/>
+        <p:nvPr/>
+      </p:nvGrpSpPr>
+      <p:grpSpPr>
+        <a:xfrm>
+          <a:off x="0" y="0"/>
+          <a:ext cx="0" cy="0"/>
+          <a:chOff x="0" y="0"/>
+          <a:chExt cx="0" cy="0"/>
+        </a:xfrm>
+      </p:grpSpPr>
+      <p:sp>
+        <p:nvSpPr>
+          <p:cNvPr id="2" name="Title 1">
+            <a:extLst>
+              <a:ext uri="{FF2B5EF4-FFF2-40B4-BE49-F238E27FC236}">
+                <a16:creationId xmlns:a16="http://schemas.microsoft.com/office/drawing/2014/main" id="{B885D460-23C5-4479-800C-6A7AC0149C5B}"/>
+              </a:ext>
+            </a:extLst>
+          </p:cNvPr>
+          <p:cNvSpPr>
+            <a:spLocks noGrp="1"/>
+          </p:cNvSpPr>
+          <p:nvPr>
+            <p:ph type="title"/>
+          </p:nvPr>
+        </p:nvSpPr>
+        <p:spPr/>
+        <p:txBody>
+          <a:bodyPr/>
+          <a:lstStyle/>
+          <a:p>
+            <a:r>
+              <a:rPr lang="en-US" dirty="0"/>
+              <a:t>Calling a Web Service using the Fetch API</a:t>
+            </a:r>
+          </a:p>
+        </p:txBody>
+      </p:sp>
+      <p:pic>
+        <p:nvPicPr>
+          <p:cNvPr id="3" name="Picture 2">
+            <a:extLst>
+              <a:ext uri="{FF2B5EF4-FFF2-40B4-BE49-F238E27FC236}">
+                <a16:creationId xmlns:a16="http://schemas.microsoft.com/office/drawing/2014/main" id="{B8E09573-E2CB-485F-AD8E-EC398BE55073}"/>
+              </a:ext>
+            </a:extLst>
+          </p:cNvPr>
+          <p:cNvPicPr>
+            <a:picLocks noChangeAspect="1"/>
+          </p:cNvPicPr>
+          <p:nvPr/>
+        </p:nvPicPr>
+        <p:blipFill>
+          <a:blip r:embed="rId2"/>
+          <a:stretch>
+            <a:fillRect/>
+          </a:stretch>
+        </p:blipFill>
+        <p:spPr>
+          <a:xfrm>
+            <a:off x="304800" y="1270660"/>
+            <a:ext cx="8153400" cy="2660036"/>
+          </a:xfrm>
+          <a:prstGeom prst="rect">
+            <a:avLst/>
+          </a:prstGeom>
+        </p:spPr>
+      </p:pic>
+      <p:pic>
+        <p:nvPicPr>
+          <p:cNvPr id="5" name="Picture 4">
+            <a:extLst>
+              <a:ext uri="{FF2B5EF4-FFF2-40B4-BE49-F238E27FC236}">
+                <a16:creationId xmlns:a16="http://schemas.microsoft.com/office/drawing/2014/main" id="{553E71C8-0976-4751-8C6F-D46A7A82757A}"/>
+              </a:ext>
+            </a:extLst>
+          </p:cNvPr>
+          <p:cNvPicPr>
+            <a:picLocks noChangeAspect="1"/>
+          </p:cNvPicPr>
+          <p:nvPr/>
+        </p:nvPicPr>
+        <p:blipFill>
+          <a:blip r:embed="rId3"/>
+          <a:stretch>
+            <a:fillRect/>
+          </a:stretch>
+        </p:blipFill>
+        <p:spPr>
+          <a:xfrm>
+            <a:off x="304800" y="4246892"/>
+            <a:ext cx="8153400" cy="1957516"/>
+          </a:xfrm>
+          <a:prstGeom prst="rect">
+            <a:avLst/>
+          </a:prstGeom>
+        </p:spPr>
+      </p:pic>
+    </p:spTree>
+    <p:extLst>
+      <p:ext uri="{BB962C8B-B14F-4D97-AF65-F5344CB8AC3E}">
+        <p14:creationId xmlns:p14="http://schemas.microsoft.com/office/powerpoint/2010/main" val="3766093505"/>
+      </p:ext>
+    </p:extLst>
+  </p:cSld>
+  <p:clrMapOvr>
+    <a:masterClrMapping/>
+  </p:clrMapOvr>
+</p:sld>
+</file>
+
+<file path=ppt/slides/slide31.xml><?xml version="1.0" encoding="utf-8"?>
+<p:sld xmlns:a="http://schemas.openxmlformats.org/drawingml/2006/main" xmlns:r="http://schemas.openxmlformats.org/officeDocument/2006/relationships" xmlns:p="http://schemas.openxmlformats.org/presentationml/2006/main">
+  <p:cSld>
+    <p:spTree>
+      <p:nvGrpSpPr>
+        <p:cNvPr id="1" name=""/>
+        <p:cNvGrpSpPr/>
+        <p:nvPr/>
+      </p:nvGrpSpPr>
+      <p:grpSpPr>
+        <a:xfrm>
+          <a:off x="0" y="0"/>
+          <a:ext cx="0" cy="0"/>
+          <a:chOff x="0" y="0"/>
+          <a:chExt cx="0" cy="0"/>
+        </a:xfrm>
+      </p:grpSpPr>
+      <p:sp>
+        <p:nvSpPr>
+          <p:cNvPr id="2" name="Title 1"/>
+          <p:cNvSpPr>
+            <a:spLocks noGrp="1"/>
+          </p:cNvSpPr>
+          <p:nvPr>
+            <p:ph type="title"/>
+          </p:nvPr>
+        </p:nvSpPr>
+        <p:spPr/>
+        <p:txBody>
+          <a:bodyPr/>
+          <a:lstStyle/>
+          <a:p>
+            <a:r>
+              <a:rPr lang="en-US" dirty="0"/>
+              <a:t>Summary</a:t>
+            </a:r>
+          </a:p>
+        </p:txBody>
+      </p:sp>
+      <p:sp>
+        <p:nvSpPr>
+          <p:cNvPr id="3" name="Content Placeholder 2"/>
+          <p:cNvSpPr>
+            <a:spLocks noGrp="1"/>
+          </p:cNvSpPr>
+          <p:nvPr>
+            <p:ph idx="1"/>
+          </p:nvPr>
+        </p:nvSpPr>
+        <p:spPr/>
+        <p:txBody>
+          <a:bodyPr>
+            <a:noAutofit/>
+          </a:bodyPr>
+          <a:lstStyle/>
+          <a:p>
+            <a:pPr lvl="0">
+              <a:buFont typeface="Wingdings" panose="05000000000000000000" pitchFamily="2" charset="2"/>
+              <a:buChar char="ü"/>
+            </a:pPr>
+            <a:r>
+              <a:rPr lang="en-US" sz="2400" dirty="0"/>
+              <a:t>Getting Started with React.js</a:t>
+            </a:r>
+          </a:p>
+          <a:p>
+            <a:pPr lvl="0">
+              <a:buFont typeface="Wingdings" panose="05000000000000000000" pitchFamily="2" charset="2"/>
+              <a:buChar char="ü"/>
+            </a:pPr>
+            <a:r>
+              <a:rPr lang="en-US" sz="2400" dirty="0"/>
+              <a:t>Creating SPAs using React.js, TypeScript and Webpack</a:t>
+            </a:r>
+          </a:p>
+          <a:p>
+            <a:pPr lvl="0">
+              <a:buFont typeface="Wingdings" panose="05000000000000000000" pitchFamily="2" charset="2"/>
+              <a:buChar char="ü"/>
+            </a:pPr>
+            <a:r>
+              <a:rPr lang="en-US" sz="2400" dirty="0"/>
+              <a:t>Designing a React Component Hierarchy</a:t>
+            </a:r>
+          </a:p>
+          <a:p>
+            <a:pPr>
+              <a:buFont typeface="Wingdings" panose="05000000000000000000" pitchFamily="2" charset="2"/>
+              <a:buChar char="ü"/>
+            </a:pPr>
+            <a:r>
+              <a:rPr lang="en-US" sz="2400" dirty="0"/>
+              <a:t>Extending a React Project with the React Router</a:t>
+            </a:r>
+          </a:p>
+          <a:p>
+            <a:pPr lvl="0">
+              <a:buFont typeface="Wingdings" panose="05000000000000000000" pitchFamily="2" charset="2"/>
+              <a:buChar char="ü"/>
+            </a:pPr>
+            <a:r>
+              <a:rPr lang="en-US" sz="2400" dirty="0"/>
+              <a:t>Understanding the React Component Lifecycle Methods</a:t>
+            </a:r>
+          </a:p>
+          <a:p>
+            <a:pPr lvl="0">
+              <a:buFont typeface="Wingdings" panose="05000000000000000000" pitchFamily="2" charset="2"/>
+              <a:buChar char="ü"/>
+            </a:pPr>
+            <a:r>
+              <a:rPr lang="en-US" sz="2400" dirty="0"/>
+              <a:t>Calling Across the Network using the Fetch API</a:t>
+            </a:r>
+          </a:p>
+        </p:txBody>
+      </p:sp>
+    </p:spTree>
+    <p:extLst>
+      <p:ext uri="{BB962C8B-B14F-4D97-AF65-F5344CB8AC3E}">
+        <p14:creationId xmlns:p14="http://schemas.microsoft.com/office/powerpoint/2010/main" val="635454774"/>
       </p:ext>
     </p:extLst>
   </p:cSld>
@@ -3183,7 +7103,7 @@
       </p:grpSpPr>
       <p:sp>
         <p:nvSpPr>
-          <p:cNvPr id="2" name="Title 1"/>
+          <p:cNvPr id="4" name="Title 3"/>
           <p:cNvSpPr>
             <a:spLocks noGrp="1"/>
           </p:cNvSpPr>
@@ -3198,8 +7118,55 @@
           <a:p>
             <a:r>
               <a:rPr lang="en-US" dirty="0"/>
-              <a:t>React and JSX</a:t>
-            </a:r>
+              <a:t>Hello World with React.js</a:t>
+            </a:r>
+          </a:p>
+        </p:txBody>
+      </p:sp>
+      <p:sp>
+        <p:nvSpPr>
+          <p:cNvPr id="2" name="Content Placeholder 1"/>
+          <p:cNvSpPr>
+            <a:spLocks noGrp="1"/>
+          </p:cNvSpPr>
+          <p:nvPr>
+            <p:ph idx="1"/>
+          </p:nvPr>
+        </p:nvSpPr>
+        <p:spPr/>
+        <p:txBody>
+          <a:bodyPr/>
+          <a:lstStyle/>
+          <a:p>
+            <a:r>
+              <a:rPr lang="en-US" sz="2400" dirty="0"/>
+              <a:t>Obtain the React library with npm or from a CDN</a:t>
+            </a:r>
+          </a:p>
+          <a:p>
+            <a:pPr lvl="1"/>
+            <a:r>
+              <a:rPr lang="en-US" sz="1600" b="1" dirty="0"/>
+              <a:t>npm install react --save </a:t>
+            </a:r>
+          </a:p>
+          <a:p>
+            <a:pPr lvl="1"/>
+            <a:r>
+              <a:rPr lang="en-US" sz="1600" b="1" dirty="0"/>
+              <a:t>npm install react-</a:t>
+            </a:r>
+            <a:r>
+              <a:rPr lang="en-US" sz="1600" b="1" dirty="0" err="1"/>
+              <a:t>dom</a:t>
+            </a:r>
+            <a:r>
+              <a:rPr lang="en-US" sz="1600" b="1" dirty="0"/>
+              <a:t> --save</a:t>
+            </a:r>
+          </a:p>
+          <a:p>
+            <a:endParaRPr lang="en-US" dirty="0"/>
           </a:p>
         </p:txBody>
       </p:sp>
@@ -3219,18 +7186,50 @@
         </p:blipFill>
         <p:spPr>
           <a:xfrm>
-            <a:off x="324009" y="1219200"/>
-            <a:ext cx="8402548" cy="5334000"/>
+            <a:off x="1170923" y="2590800"/>
+            <a:ext cx="6220477" cy="3807950"/>
           </a:xfrm>
           <a:prstGeom prst="rect">
             <a:avLst/>
           </a:prstGeom>
         </p:spPr>
       </p:pic>
+      <p:pic>
+        <p:nvPicPr>
+          <p:cNvPr id="6" name="Picture 5"/>
+          <p:cNvPicPr>
+            <a:picLocks noChangeAspect="1"/>
+          </p:cNvPicPr>
+          <p:nvPr/>
+        </p:nvPicPr>
+        <p:blipFill>
+          <a:blip r:embed="rId3"/>
+          <a:stretch>
+            <a:fillRect/>
+          </a:stretch>
+        </p:blipFill>
+        <p:spPr>
+          <a:xfrm>
+            <a:off x="4912360" y="5715000"/>
+            <a:ext cx="3124200" cy="975541"/>
+          </a:xfrm>
+          <a:prstGeom prst="rect">
+            <a:avLst/>
+          </a:prstGeom>
+          <a:ln>
+            <a:solidFill>
+              <a:schemeClr val="tx1">
+                <a:lumMod val="50000"/>
+                <a:lumOff val="50000"/>
+              </a:schemeClr>
+            </a:solidFill>
+          </a:ln>
+        </p:spPr>
+      </p:pic>
     </p:spTree>
     <p:extLst>
       <p:ext uri="{BB962C8B-B14F-4D97-AF65-F5344CB8AC3E}">
-        <p14:creationId xmlns:p14="http://schemas.microsoft.com/office/powerpoint/2010/main" val="3736987529"/>
+        <p14:creationId xmlns:p14="http://schemas.microsoft.com/office/powerpoint/2010/main" val="2100377763"/>
       </p:ext>
     </p:extLst>
   </p:cSld>
@@ -3274,15 +7273,885 @@
           <a:p>
             <a:r>
               <a:rPr lang="en-US" dirty="0"/>
-              <a:t>Creating Web Parts with React.js</a:t>
-            </a:r>
+              <a:t>React versus </a:t>
+            </a:r>
+            <a:r>
+              <a:rPr lang="en-US" dirty="0" err="1"/>
+              <a:t>ReactDOM</a:t>
+            </a:r>
+            <a:endParaRPr lang="en-US" dirty="0"/>
+          </a:p>
+        </p:txBody>
+      </p:sp>
+      <p:sp>
+        <p:nvSpPr>
+          <p:cNvPr id="3" name="Content Placeholder 2"/>
+          <p:cNvSpPr>
+            <a:spLocks noGrp="1"/>
+          </p:cNvSpPr>
+          <p:nvPr>
+            <p:ph idx="1"/>
+          </p:nvPr>
+        </p:nvSpPr>
+        <p:spPr>
+          <a:xfrm>
+            <a:off x="381000" y="1447800"/>
+            <a:ext cx="8382000" cy="5181600"/>
+          </a:xfrm>
+        </p:spPr>
+        <p:txBody>
+          <a:bodyPr>
+            <a:normAutofit/>
+          </a:bodyPr>
+          <a:lstStyle/>
+          <a:p>
+            <a:r>
+              <a:rPr lang="en-US" sz="2000" b="1" dirty="0"/>
+              <a:t>React</a:t>
+            </a:r>
+            <a:r>
+              <a:rPr lang="en-US" sz="2000" dirty="0"/>
+              <a:t> and </a:t>
+            </a:r>
+            <a:r>
+              <a:rPr lang="en-US" sz="2000" b="1" dirty="0" err="1"/>
+              <a:t>ReactDOM</a:t>
+            </a:r>
+            <a:r>
+              <a:rPr lang="en-US" sz="2000" dirty="0"/>
+              <a:t> are separate libraries</a:t>
+            </a:r>
+          </a:p>
+          <a:p>
+            <a:pPr lvl="1"/>
+            <a:r>
+              <a:rPr lang="en-US" sz="1600" b="1" dirty="0"/>
+              <a:t>React (react.js) </a:t>
+            </a:r>
+            <a:r>
+              <a:rPr lang="en-US" sz="1600" dirty="0"/>
+              <a:t>is the primary library used to build out user experiences</a:t>
+            </a:r>
+          </a:p>
+          <a:p>
+            <a:pPr lvl="1"/>
+            <a:r>
+              <a:rPr lang="en-US" sz="1600" b="1" dirty="0" err="1"/>
+              <a:t>ReactDOM</a:t>
+            </a:r>
+            <a:r>
+              <a:rPr lang="en-US" sz="1600" dirty="0"/>
+              <a:t> (</a:t>
+            </a:r>
+            <a:r>
+              <a:rPr lang="en-US" sz="1600" b="1" dirty="0"/>
+              <a:t>react-dom.js</a:t>
+            </a:r>
+            <a:r>
+              <a:rPr lang="en-US" sz="1600" dirty="0"/>
+              <a:t>) is used to render </a:t>
+            </a:r>
+            <a:r>
+              <a:rPr lang="en-US" sz="1600" b="1" dirty="0"/>
+              <a:t>React</a:t>
+            </a:r>
+            <a:r>
+              <a:rPr lang="en-US" sz="1600" dirty="0"/>
+              <a:t> user experience in the browser</a:t>
+            </a:r>
+          </a:p>
+          <a:p>
+            <a:r>
+              <a:rPr lang="en-US" sz="2000" b="1" dirty="0"/>
+              <a:t>React</a:t>
+            </a:r>
+            <a:r>
+              <a:rPr lang="en-US" sz="2000" dirty="0"/>
+              <a:t> library exposes global </a:t>
+            </a:r>
+            <a:r>
+              <a:rPr lang="en-US" sz="2000" b="1" dirty="0"/>
+              <a:t>React</a:t>
+            </a:r>
+            <a:r>
+              <a:rPr lang="en-US" sz="2000" dirty="0"/>
+              <a:t> object</a:t>
+            </a:r>
+            <a:endParaRPr lang="en-US" sz="2000" b="1" dirty="0"/>
+          </a:p>
+          <a:p>
+            <a:pPr lvl="1"/>
+            <a:r>
+              <a:rPr lang="en-US" sz="1800" b="1" dirty="0"/>
+              <a:t>React</a:t>
+            </a:r>
+            <a:r>
+              <a:rPr lang="en-US" sz="1800" dirty="0"/>
+              <a:t> object is the main entry point into React API</a:t>
+            </a:r>
+          </a:p>
+          <a:p>
+            <a:pPr lvl="1"/>
+            <a:r>
+              <a:rPr lang="en-US" sz="1800" b="1" dirty="0" err="1"/>
+              <a:t>React.DOM</a:t>
+            </a:r>
+            <a:r>
+              <a:rPr lang="en-US" sz="1800" dirty="0"/>
+              <a:t> wraps standard HTML elements</a:t>
+            </a:r>
+          </a:p>
+          <a:p>
+            <a:r>
+              <a:rPr lang="en-US" sz="2000" b="1" dirty="0" err="1"/>
+              <a:t>ReactDOM</a:t>
+            </a:r>
+            <a:r>
+              <a:rPr lang="en-US" sz="2000" b="1" dirty="0"/>
+              <a:t> </a:t>
+            </a:r>
+            <a:r>
+              <a:rPr lang="en-US" sz="2000" dirty="0"/>
+              <a:t>library exposes global </a:t>
+            </a:r>
+            <a:r>
+              <a:rPr lang="en-US" sz="2000" b="1" dirty="0" err="1"/>
+              <a:t>ReactDOM</a:t>
+            </a:r>
+            <a:r>
+              <a:rPr lang="en-US" sz="2000" dirty="0"/>
+              <a:t> object</a:t>
+            </a:r>
+          </a:p>
+          <a:p>
+            <a:pPr lvl="1"/>
+            <a:r>
+              <a:rPr lang="en-US" sz="1800" b="1" dirty="0" err="1"/>
+              <a:t>ReactDOM</a:t>
+            </a:r>
+            <a:r>
+              <a:rPr lang="en-US" sz="1800" dirty="0"/>
+              <a:t> object used to render React components on web page</a:t>
+            </a:r>
+          </a:p>
+        </p:txBody>
+      </p:sp>
+      <p:pic>
+        <p:nvPicPr>
+          <p:cNvPr id="4" name="Picture 3"/>
+          <p:cNvPicPr>
+            <a:picLocks noChangeAspect="1"/>
+          </p:cNvPicPr>
+          <p:nvPr/>
+        </p:nvPicPr>
+        <p:blipFill>
+          <a:blip r:embed="rId2"/>
+          <a:stretch>
+            <a:fillRect/>
+          </a:stretch>
+        </p:blipFill>
+        <p:spPr>
+          <a:xfrm>
+            <a:off x="838200" y="4495800"/>
+            <a:ext cx="7391400" cy="1971867"/>
+          </a:xfrm>
+          <a:prstGeom prst="rect">
+            <a:avLst/>
+          </a:prstGeom>
+        </p:spPr>
+      </p:pic>
+      <p:sp>
+        <p:nvSpPr>
+          <p:cNvPr id="5" name="Rectangle: Rounded Corners 4"/>
+          <p:cNvSpPr/>
+          <p:nvPr/>
+        </p:nvSpPr>
+        <p:spPr>
+          <a:xfrm>
+            <a:off x="3626012" y="4767782"/>
+            <a:ext cx="1631890" cy="271982"/>
+          </a:xfrm>
+          <a:prstGeom prst="roundRect">
+            <a:avLst>
+              <a:gd name="adj" fmla="val 42849"/>
+            </a:avLst>
+          </a:prstGeom>
+          <a:noFill/>
+          <a:ln w="38100">
+            <a:solidFill>
+              <a:srgbClr val="FF0000"/>
+            </a:solidFill>
+            <a:prstDash val="sysDot"/>
+          </a:ln>
+        </p:spPr>
+        <p:style>
+          <a:lnRef idx="2">
+            <a:schemeClr val="accent1">
+              <a:shade val="50000"/>
+            </a:schemeClr>
+          </a:lnRef>
+          <a:fillRef idx="1">
+            <a:schemeClr val="accent1"/>
+          </a:fillRef>
+          <a:effectRef idx="0">
+            <a:schemeClr val="accent1"/>
+          </a:effectRef>
+          <a:fontRef idx="minor">
+            <a:schemeClr val="lt1"/>
+          </a:fontRef>
+        </p:style>
+        <p:txBody>
+          <a:bodyPr rtlCol="0" anchor="ctr"/>
+          <a:lstStyle/>
+          <a:p>
+            <a:pPr algn="ctr"/>
+            <a:endParaRPr lang="en-US"/>
+          </a:p>
+        </p:txBody>
+      </p:sp>
+      <p:sp>
+        <p:nvSpPr>
+          <p:cNvPr id="6" name="Rectangle: Rounded Corners 5"/>
+          <p:cNvSpPr/>
+          <p:nvPr/>
+        </p:nvSpPr>
+        <p:spPr>
+          <a:xfrm>
+            <a:off x="906195" y="5923704"/>
+            <a:ext cx="1155922" cy="339977"/>
+          </a:xfrm>
+          <a:prstGeom prst="roundRect">
+            <a:avLst>
+              <a:gd name="adj" fmla="val 42849"/>
+            </a:avLst>
+          </a:prstGeom>
+          <a:noFill/>
+          <a:ln w="38100">
+            <a:solidFill>
+              <a:srgbClr val="FF0000"/>
+            </a:solidFill>
+            <a:prstDash val="sysDot"/>
+          </a:ln>
+        </p:spPr>
+        <p:style>
+          <a:lnRef idx="2">
+            <a:schemeClr val="accent1">
+              <a:shade val="50000"/>
+            </a:schemeClr>
+          </a:lnRef>
+          <a:fillRef idx="1">
+            <a:schemeClr val="accent1"/>
+          </a:fillRef>
+          <a:effectRef idx="0">
+            <a:schemeClr val="accent1"/>
+          </a:effectRef>
+          <a:fontRef idx="minor">
+            <a:schemeClr val="lt1"/>
+          </a:fontRef>
+        </p:style>
+        <p:txBody>
+          <a:bodyPr rtlCol="0" anchor="ctr"/>
+          <a:lstStyle/>
+          <a:p>
+            <a:pPr algn="ctr"/>
+            <a:endParaRPr lang="en-US"/>
           </a:p>
         </p:txBody>
       </p:sp>
     </p:spTree>
     <p:extLst>
       <p:ext uri="{BB962C8B-B14F-4D97-AF65-F5344CB8AC3E}">
-        <p14:creationId xmlns:p14="http://schemas.microsoft.com/office/powerpoint/2010/main" val="3745108331"/>
+        <p14:creationId xmlns:p14="http://schemas.microsoft.com/office/powerpoint/2010/main" val="3612966855"/>
+      </p:ext>
+    </p:extLst>
+  </p:cSld>
+  <p:clrMapOvr>
+    <a:masterClrMapping/>
+  </p:clrMapOvr>
+</p:sld>
+</file>
+
+<file path=ppt/slides/slide6.xml><?xml version="1.0" encoding="utf-8"?>
+<p:sld xmlns:a="http://schemas.openxmlformats.org/drawingml/2006/main" xmlns:r="http://schemas.openxmlformats.org/officeDocument/2006/relationships" xmlns:p="http://schemas.openxmlformats.org/presentationml/2006/main">
+  <p:cSld>
+    <p:spTree>
+      <p:nvGrpSpPr>
+        <p:cNvPr id="1" name=""/>
+        <p:cNvGrpSpPr/>
+        <p:nvPr/>
+      </p:nvGrpSpPr>
+      <p:grpSpPr>
+        <a:xfrm>
+          <a:off x="0" y="0"/>
+          <a:ext cx="0" cy="0"/>
+          <a:chOff x="0" y="0"/>
+          <a:chExt cx="0" cy="0"/>
+        </a:xfrm>
+      </p:grpSpPr>
+      <p:sp>
+        <p:nvSpPr>
+          <p:cNvPr id="2" name="Title 1"/>
+          <p:cNvSpPr>
+            <a:spLocks noGrp="1"/>
+          </p:cNvSpPr>
+          <p:nvPr>
+            <p:ph type="title"/>
+          </p:nvPr>
+        </p:nvSpPr>
+        <p:spPr/>
+        <p:txBody>
+          <a:bodyPr/>
+          <a:lstStyle/>
+          <a:p>
+            <a:r>
+              <a:rPr lang="en-US"/>
+              <a:t>React Component Created Using ES5</a:t>
+            </a:r>
+            <a:endParaRPr lang="en-US" dirty="0"/>
+          </a:p>
+        </p:txBody>
+      </p:sp>
+      <p:sp>
+        <p:nvSpPr>
+          <p:cNvPr id="5" name="Content Placeholder 4"/>
+          <p:cNvSpPr>
+            <a:spLocks noGrp="1"/>
+          </p:cNvSpPr>
+          <p:nvPr>
+            <p:ph idx="1"/>
+          </p:nvPr>
+        </p:nvSpPr>
+        <p:spPr/>
+        <p:txBody>
+          <a:bodyPr>
+            <a:normAutofit/>
+          </a:bodyPr>
+          <a:lstStyle/>
+          <a:p>
+            <a:r>
+              <a:rPr lang="en-US" sz="2400" dirty="0"/>
+              <a:t>React component can be created using </a:t>
+            </a:r>
+            <a:r>
+              <a:rPr lang="en-US" sz="2400" dirty="0" err="1"/>
+              <a:t>EcmaScript</a:t>
+            </a:r>
+            <a:r>
+              <a:rPr lang="en-US" sz="2400" dirty="0"/>
+              <a:t> 5</a:t>
+            </a:r>
+          </a:p>
+          <a:p>
+            <a:pPr lvl="1"/>
+            <a:r>
+              <a:rPr lang="en-US" sz="2000" dirty="0"/>
+              <a:t>React component definition created using </a:t>
+            </a:r>
+            <a:r>
+              <a:rPr lang="en-US" sz="2000" b="1" dirty="0" err="1"/>
+              <a:t>React.createClass</a:t>
+            </a:r>
+            <a:endParaRPr lang="en-US" sz="2000" b="1" dirty="0"/>
+          </a:p>
+          <a:p>
+            <a:pPr lvl="1"/>
+            <a:r>
+              <a:rPr lang="en-US" sz="2000" dirty="0"/>
+              <a:t>React component must be defined with </a:t>
+            </a:r>
+            <a:r>
+              <a:rPr lang="en-US" sz="2000" b="1" dirty="0"/>
+              <a:t>render</a:t>
+            </a:r>
+            <a:r>
+              <a:rPr lang="en-US" sz="2000" dirty="0"/>
+              <a:t> method</a:t>
+            </a:r>
+          </a:p>
+          <a:p>
+            <a:pPr lvl="1"/>
+            <a:r>
+              <a:rPr lang="en-US" sz="2000" dirty="0"/>
+              <a:t>React component can be instantiated with </a:t>
+            </a:r>
+            <a:r>
+              <a:rPr lang="en-US" sz="2000" b="1" dirty="0" err="1"/>
+              <a:t>React.createElement</a:t>
+            </a:r>
+            <a:endParaRPr lang="en-US" sz="2000" b="1" dirty="0"/>
+          </a:p>
+          <a:p>
+            <a:endParaRPr lang="en-US" sz="2400" dirty="0"/>
+          </a:p>
+        </p:txBody>
+      </p:sp>
+      <p:pic>
+        <p:nvPicPr>
+          <p:cNvPr id="7" name="Picture 6"/>
+          <p:cNvPicPr>
+            <a:picLocks noChangeAspect="1"/>
+          </p:cNvPicPr>
+          <p:nvPr/>
+        </p:nvPicPr>
+        <p:blipFill>
+          <a:blip r:embed="rId2"/>
+          <a:stretch>
+            <a:fillRect/>
+          </a:stretch>
+        </p:blipFill>
+        <p:spPr>
+          <a:xfrm>
+            <a:off x="1143000" y="3276600"/>
+            <a:ext cx="5610225" cy="2895600"/>
+          </a:xfrm>
+          <a:prstGeom prst="rect">
+            <a:avLst/>
+          </a:prstGeom>
+        </p:spPr>
+      </p:pic>
+    </p:spTree>
+    <p:extLst>
+      <p:ext uri="{BB962C8B-B14F-4D97-AF65-F5344CB8AC3E}">
+        <p14:creationId xmlns:p14="http://schemas.microsoft.com/office/powerpoint/2010/main" val="346859781"/>
+      </p:ext>
+    </p:extLst>
+  </p:cSld>
+  <p:clrMapOvr>
+    <a:masterClrMapping/>
+  </p:clrMapOvr>
+</p:sld>
+</file>
+
+<file path=ppt/slides/slide7.xml><?xml version="1.0" encoding="utf-8"?>
+<p:sld xmlns:a="http://schemas.openxmlformats.org/drawingml/2006/main" xmlns:r="http://schemas.openxmlformats.org/officeDocument/2006/relationships" xmlns:p="http://schemas.openxmlformats.org/presentationml/2006/main">
+  <p:cSld>
+    <p:spTree>
+      <p:nvGrpSpPr>
+        <p:cNvPr id="1" name=""/>
+        <p:cNvGrpSpPr/>
+        <p:nvPr/>
+      </p:nvGrpSpPr>
+      <p:grpSpPr>
+        <a:xfrm>
+          <a:off x="0" y="0"/>
+          <a:ext cx="0" cy="0"/>
+          <a:chOff x="0" y="0"/>
+          <a:chExt cx="0" cy="0"/>
+        </a:xfrm>
+      </p:grpSpPr>
+      <p:sp>
+        <p:nvSpPr>
+          <p:cNvPr id="2" name="Title 1"/>
+          <p:cNvSpPr>
+            <a:spLocks noGrp="1"/>
+          </p:cNvSpPr>
+          <p:nvPr>
+            <p:ph type="title"/>
+          </p:nvPr>
+        </p:nvSpPr>
+        <p:spPr/>
+        <p:txBody>
+          <a:bodyPr/>
+          <a:lstStyle/>
+          <a:p>
+            <a:r>
+              <a:rPr lang="en-US" dirty="0"/>
+              <a:t>Initializing Element Properties</a:t>
+            </a:r>
+          </a:p>
+        </p:txBody>
+      </p:sp>
+      <p:sp>
+        <p:nvSpPr>
+          <p:cNvPr id="3" name="Content Placeholder 2"/>
+          <p:cNvSpPr>
+            <a:spLocks noGrp="1"/>
+          </p:cNvSpPr>
+          <p:nvPr>
+            <p:ph idx="1"/>
+          </p:nvPr>
+        </p:nvSpPr>
+        <p:spPr/>
+        <p:txBody>
+          <a:bodyPr/>
+          <a:lstStyle/>
+          <a:p>
+            <a:r>
+              <a:rPr lang="en-US" dirty="0"/>
+              <a:t>Elements created using properties object</a:t>
+            </a:r>
+          </a:p>
+          <a:p>
+            <a:pPr lvl="1"/>
+            <a:r>
+              <a:rPr lang="en-US" dirty="0"/>
+              <a:t>Object properties used to initialize element properties</a:t>
+            </a:r>
+          </a:p>
+          <a:p>
+            <a:pPr lvl="1"/>
+            <a:r>
+              <a:rPr lang="en-US" dirty="0"/>
+              <a:t>Use </a:t>
+            </a:r>
+            <a:r>
+              <a:rPr lang="en-US" b="1" dirty="0" err="1"/>
+              <a:t>className</a:t>
+            </a:r>
+            <a:r>
+              <a:rPr lang="en-US" dirty="0"/>
+              <a:t> instead of </a:t>
+            </a:r>
+            <a:r>
+              <a:rPr lang="en-US" b="1" dirty="0"/>
+              <a:t>class</a:t>
+            </a:r>
+            <a:r>
+              <a:rPr lang="en-US" dirty="0"/>
+              <a:t> to assign CSS class</a:t>
+            </a:r>
+          </a:p>
+          <a:p>
+            <a:pPr lvl="1"/>
+            <a:r>
+              <a:rPr lang="en-US" dirty="0"/>
+              <a:t>Use </a:t>
+            </a:r>
+            <a:r>
+              <a:rPr lang="en-US" b="1" dirty="0" err="1"/>
+              <a:t>htmlFor</a:t>
+            </a:r>
+            <a:r>
+              <a:rPr lang="en-US" dirty="0"/>
+              <a:t> instead of </a:t>
+            </a:r>
+            <a:r>
+              <a:rPr lang="en-US" b="1" dirty="0"/>
+              <a:t>for</a:t>
+            </a:r>
+            <a:r>
+              <a:rPr lang="en-US" dirty="0"/>
+              <a:t> to define HTML label</a:t>
+            </a:r>
+          </a:p>
+        </p:txBody>
+      </p:sp>
+      <p:pic>
+        <p:nvPicPr>
+          <p:cNvPr id="6" name="Picture 5"/>
+          <p:cNvPicPr>
+            <a:picLocks noChangeAspect="1"/>
+          </p:cNvPicPr>
+          <p:nvPr/>
+        </p:nvPicPr>
+        <p:blipFill>
+          <a:blip r:embed="rId2"/>
+          <a:stretch>
+            <a:fillRect/>
+          </a:stretch>
+        </p:blipFill>
+        <p:spPr>
+          <a:xfrm>
+            <a:off x="1143000" y="3581400"/>
+            <a:ext cx="6400800" cy="2371725"/>
+          </a:xfrm>
+          <a:prstGeom prst="rect">
+            <a:avLst/>
+          </a:prstGeom>
+        </p:spPr>
+      </p:pic>
+    </p:spTree>
+    <p:extLst>
+      <p:ext uri="{BB962C8B-B14F-4D97-AF65-F5344CB8AC3E}">
+        <p14:creationId xmlns:p14="http://schemas.microsoft.com/office/powerpoint/2010/main" val="2863999220"/>
+      </p:ext>
+    </p:extLst>
+  </p:cSld>
+  <p:clrMapOvr>
+    <a:masterClrMapping/>
+  </p:clrMapOvr>
+</p:sld>
+</file>
+
+<file path=ppt/slides/slide8.xml><?xml version="1.0" encoding="utf-8"?>
+<p:sld xmlns:a="http://schemas.openxmlformats.org/drawingml/2006/main" xmlns:r="http://schemas.openxmlformats.org/officeDocument/2006/relationships" xmlns:p="http://schemas.openxmlformats.org/presentationml/2006/main">
+  <p:cSld>
+    <p:spTree>
+      <p:nvGrpSpPr>
+        <p:cNvPr id="1" name=""/>
+        <p:cNvGrpSpPr/>
+        <p:nvPr/>
+      </p:nvGrpSpPr>
+      <p:grpSpPr>
+        <a:xfrm>
+          <a:off x="0" y="0"/>
+          <a:ext cx="0" cy="0"/>
+          <a:chOff x="0" y="0"/>
+          <a:chExt cx="0" cy="0"/>
+        </a:xfrm>
+      </p:grpSpPr>
+      <p:sp>
+        <p:nvSpPr>
+          <p:cNvPr id="2" name="Title 1"/>
+          <p:cNvSpPr>
+            <a:spLocks noGrp="1"/>
+          </p:cNvSpPr>
+          <p:nvPr>
+            <p:ph type="title"/>
+          </p:nvPr>
+        </p:nvSpPr>
+        <p:spPr/>
+        <p:txBody>
+          <a:bodyPr/>
+          <a:lstStyle/>
+          <a:p>
+            <a:r>
+              <a:rPr lang="en-US" dirty="0"/>
+              <a:t>Initializing Element Styles</a:t>
+            </a:r>
+          </a:p>
+        </p:txBody>
+      </p:sp>
+      <p:sp>
+        <p:nvSpPr>
+          <p:cNvPr id="3" name="Content Placeholder 2"/>
+          <p:cNvSpPr>
+            <a:spLocks noGrp="1"/>
+          </p:cNvSpPr>
+          <p:nvPr>
+            <p:ph idx="1"/>
+          </p:nvPr>
+        </p:nvSpPr>
+        <p:spPr/>
+        <p:txBody>
+          <a:bodyPr/>
+          <a:lstStyle/>
+          <a:p>
+            <a:r>
+              <a:rPr lang="en-US" dirty="0"/>
+              <a:t>Elements styles initialized using style object</a:t>
+            </a:r>
+          </a:p>
+          <a:p>
+            <a:pPr lvl="1"/>
+            <a:r>
+              <a:rPr lang="en-US" dirty="0"/>
+              <a:t>style must be defined using an object not a string</a:t>
+            </a:r>
+          </a:p>
+          <a:p>
+            <a:pPr lvl="1"/>
+            <a:r>
+              <a:rPr lang="en-US" dirty="0"/>
+              <a:t>CSS properties referenced using camel casing</a:t>
+            </a:r>
+          </a:p>
+          <a:p>
+            <a:pPr lvl="1"/>
+            <a:endParaRPr lang="en-US" dirty="0"/>
+          </a:p>
+        </p:txBody>
+      </p:sp>
+      <p:pic>
+        <p:nvPicPr>
+          <p:cNvPr id="4" name="Picture 3"/>
+          <p:cNvPicPr>
+            <a:picLocks noChangeAspect="1"/>
+          </p:cNvPicPr>
+          <p:nvPr/>
+        </p:nvPicPr>
+        <p:blipFill>
+          <a:blip r:embed="rId2"/>
+          <a:stretch>
+            <a:fillRect/>
+          </a:stretch>
+        </p:blipFill>
+        <p:spPr>
+          <a:xfrm>
+            <a:off x="1143000" y="2971800"/>
+            <a:ext cx="6248400" cy="3602123"/>
+          </a:xfrm>
+          <a:prstGeom prst="rect">
+            <a:avLst/>
+          </a:prstGeom>
+        </p:spPr>
+      </p:pic>
+    </p:spTree>
+    <p:extLst>
+      <p:ext uri="{BB962C8B-B14F-4D97-AF65-F5344CB8AC3E}">
+        <p14:creationId xmlns:p14="http://schemas.microsoft.com/office/powerpoint/2010/main" val="1199660809"/>
+      </p:ext>
+    </p:extLst>
+  </p:cSld>
+  <p:clrMapOvr>
+    <a:masterClrMapping/>
+  </p:clrMapOvr>
+</p:sld>
+</file>
+
+<file path=ppt/slides/slide9.xml><?xml version="1.0" encoding="utf-8"?>
+<p:sld xmlns:a="http://schemas.openxmlformats.org/drawingml/2006/main" xmlns:r="http://schemas.openxmlformats.org/officeDocument/2006/relationships" xmlns:p="http://schemas.openxmlformats.org/presentationml/2006/main">
+  <p:cSld>
+    <p:spTree>
+      <p:nvGrpSpPr>
+        <p:cNvPr id="1" name=""/>
+        <p:cNvGrpSpPr/>
+        <p:nvPr/>
+      </p:nvGrpSpPr>
+      <p:grpSpPr>
+        <a:xfrm>
+          <a:off x="0" y="0"/>
+          <a:ext cx="0" cy="0"/>
+          <a:chOff x="0" y="0"/>
+          <a:chExt cx="0" cy="0"/>
+        </a:xfrm>
+      </p:grpSpPr>
+      <p:sp>
+        <p:nvSpPr>
+          <p:cNvPr id="2" name="Title 1"/>
+          <p:cNvSpPr>
+            <a:spLocks noGrp="1"/>
+          </p:cNvSpPr>
+          <p:nvPr>
+            <p:ph type="title"/>
+          </p:nvPr>
+        </p:nvSpPr>
+        <p:spPr/>
+        <p:txBody>
+          <a:bodyPr/>
+          <a:lstStyle/>
+          <a:p>
+            <a:r>
+              <a:rPr lang="en-US" dirty="0"/>
+              <a:t>React Provides Synthetic Events</a:t>
+            </a:r>
+          </a:p>
+        </p:txBody>
+      </p:sp>
+      <p:sp>
+        <p:nvSpPr>
+          <p:cNvPr id="3" name="Content Placeholder 2"/>
+          <p:cNvSpPr>
+            <a:spLocks noGrp="1"/>
+          </p:cNvSpPr>
+          <p:nvPr>
+            <p:ph idx="1"/>
+          </p:nvPr>
+        </p:nvSpPr>
+        <p:spPr/>
+        <p:txBody>
+          <a:bodyPr/>
+          <a:lstStyle/>
+          <a:p>
+            <a:r>
+              <a:rPr lang="en-US" dirty="0"/>
+              <a:t>Replaces standard DOM-based event handling</a:t>
+            </a:r>
+          </a:p>
+          <a:p>
+            <a:pPr lvl="1"/>
+            <a:r>
+              <a:rPr lang="en-US" dirty="0"/>
+              <a:t>React creates virtual DOM for elements in component</a:t>
+            </a:r>
+          </a:p>
+          <a:p>
+            <a:pPr lvl="1"/>
+            <a:r>
+              <a:rPr lang="en-US" dirty="0"/>
+              <a:t>React interacts with real DOM when required</a:t>
+            </a:r>
+          </a:p>
+          <a:p>
+            <a:pPr lvl="1"/>
+            <a:r>
+              <a:rPr lang="en-US" dirty="0"/>
+              <a:t>Provides faster event registration and processing</a:t>
+            </a:r>
+          </a:p>
+          <a:p>
+            <a:pPr lvl="1"/>
+            <a:r>
+              <a:rPr lang="en-US" dirty="0"/>
+              <a:t>No need to write browser-specific code</a:t>
+            </a:r>
+          </a:p>
+          <a:p>
+            <a:pPr lvl="1"/>
+            <a:endParaRPr lang="en-US" dirty="0"/>
+          </a:p>
+        </p:txBody>
+      </p:sp>
+      <p:pic>
+        <p:nvPicPr>
+          <p:cNvPr id="4" name="Picture 3"/>
+          <p:cNvPicPr>
+            <a:picLocks noChangeAspect="1"/>
+          </p:cNvPicPr>
+          <p:nvPr/>
+        </p:nvPicPr>
+        <p:blipFill rotWithShape="1">
+          <a:blip r:embed="rId2"/>
+          <a:srcRect l="4367" t="39823" b="3877"/>
+          <a:stretch/>
+        </p:blipFill>
+        <p:spPr>
+          <a:xfrm>
+            <a:off x="1371600" y="3810000"/>
+            <a:ext cx="6024271" cy="2819400"/>
+          </a:xfrm>
+          <a:prstGeom prst="rect">
+            <a:avLst/>
+          </a:prstGeom>
+        </p:spPr>
+      </p:pic>
+      <p:sp>
+        <p:nvSpPr>
+          <p:cNvPr id="5" name="Arrow: Right 4"/>
+          <p:cNvSpPr/>
+          <p:nvPr/>
+        </p:nvSpPr>
+        <p:spPr>
+          <a:xfrm>
+            <a:off x="1452880" y="5349240"/>
+            <a:ext cx="457200" cy="228600"/>
+          </a:xfrm>
+          <a:prstGeom prst="rightArrow">
+            <a:avLst/>
+          </a:prstGeom>
+          <a:solidFill>
+            <a:schemeClr val="accent2"/>
+          </a:solidFill>
+        </p:spPr>
+        <p:style>
+          <a:lnRef idx="2">
+            <a:schemeClr val="accent1">
+              <a:shade val="50000"/>
+            </a:schemeClr>
+          </a:lnRef>
+          <a:fillRef idx="1">
+            <a:schemeClr val="accent1"/>
+          </a:fillRef>
+          <a:effectRef idx="0">
+            <a:schemeClr val="accent1"/>
+          </a:effectRef>
+          <a:fontRef idx="minor">
+            <a:schemeClr val="lt1"/>
+          </a:fontRef>
+        </p:style>
+        <p:txBody>
+          <a:bodyPr rtlCol="0" anchor="ctr"/>
+          <a:lstStyle/>
+          <a:p>
+            <a:pPr algn="ctr"/>
+            <a:endParaRPr lang="en-US" dirty="0"/>
+          </a:p>
+        </p:txBody>
+      </p:sp>
+    </p:spTree>
+    <p:extLst>
+      <p:ext uri="{BB962C8B-B14F-4D97-AF65-F5344CB8AC3E}">
+        <p14:creationId xmlns:p14="http://schemas.microsoft.com/office/powerpoint/2010/main" val="4294057501"/>
       </p:ext>
     </p:extLst>
   </p:cSld>
@@ -4122,12 +8991,6 @@
 </file>
 
 <file path=customXml/item1.xml><?xml version="1.0" encoding="utf-8"?>
-<p:properties xmlns:p="http://schemas.microsoft.com/office/2006/metadata/properties" xmlns:xsi="http://www.w3.org/2001/XMLSchema-instance">
-  <documentManagement/>
-</p:properties>
-</file>
-
-<file path=customXml/item2.xml><?xml version="1.0" encoding="utf-8"?>
 <outs:outSpaceData xmlns:outs="http://schemas.microsoft.com/office/2009/outspace/metadata">
   <outs:relatedDates>
     <outs:relatedDate>
@@ -4277,16 +9140,13 @@
 </outs:outSpaceData>
 </file>
 
-<file path=customXml/item3.xml><?xml version="1.0" encoding="utf-8"?>
-<?mso-contentType ?>
-<FormTemplates xmlns="http://schemas.microsoft.com/sharepoint/v3/contenttype/forms">
-  <Display>DocumentLibraryForm</Display>
-  <Edit>DocumentLibraryForm</Edit>
-  <New>DocumentLibraryForm</New>
-</FormTemplates>
+<file path=customXml/item2.xml><?xml version="1.0" encoding="utf-8"?>
+<p:properties xmlns:p="http://schemas.microsoft.com/office/2006/metadata/properties" xmlns:xsi="http://www.w3.org/2001/XMLSchema-instance">
+  <documentManagement/>
+</p:properties>
 </file>
 
-<file path=customXml/item4.xml><?xml version="1.0" encoding="utf-8"?>
+<file path=customXml/item3.xml><?xml version="1.0" encoding="utf-8"?>
 <ct:contentTypeSchema xmlns:ct="http://schemas.microsoft.com/office/2006/metadata/contentType" xmlns:ma="http://schemas.microsoft.com/office/2006/metadata/properties/metaAttributes" ct:_="" ma:_="" ma:contentTypeName="Document" ma:contentTypeID="0x01010043F7775CCE86F349BB7C51FB3CE6B150" ma:contentTypeVersion="0" ma:contentTypeDescription="Create a new document." ma:contentTypeScope="" ma:versionID="bb563817a2861b6b5994bd26a2ba9e40">
   <xsd:schema xmlns:xsd="http://www.w3.org/2001/XMLSchema" xmlns:xs="http://www.w3.org/2001/XMLSchema" xmlns:p="http://schemas.microsoft.com/office/2006/metadata/properties" targetNamespace="http://schemas.microsoft.com/office/2006/metadata/properties" ma:root="true" ma:fieldsID="c64490b4aec6201516c3a874156f37b2">
     <xsd:element name="properties">
@@ -4400,7 +9260,24 @@
 </ct:contentTypeSchema>
 </file>
 
+<file path=customXml/item4.xml><?xml version="1.0" encoding="utf-8"?>
+<?mso-contentType ?>
+<FormTemplates xmlns="http://schemas.microsoft.com/sharepoint/v3/contenttype/forms">
+  <Display>DocumentLibraryForm</Display>
+  <Edit>DocumentLibraryForm</Edit>
+  <New>DocumentLibraryForm</New>
+</FormTemplates>
+</file>
+
 <file path=customXml/itemProps1.xml><?xml version="1.0" encoding="utf-8"?>
+<ds:datastoreItem xmlns:ds="http://schemas.openxmlformats.org/officeDocument/2006/customXml" ds:itemID="{8865FC99-B6BD-4E98-8312-F4F432C217EA}">
+  <ds:schemaRefs>
+    <ds:schemaRef ds:uri="http://schemas.microsoft.com/office/2009/outspace/metadata"/>
+  </ds:schemaRefs>
+</ds:datastoreItem>
+</file>
+
+<file path=customXml/itemProps2.xml><?xml version="1.0" encoding="utf-8"?>
 <ds:datastoreItem xmlns:ds="http://schemas.openxmlformats.org/officeDocument/2006/customXml" ds:itemID="{A5547237-B119-45CA-BEFC-A2DA2BDB03E7}">
   <ds:schemaRefs>
     <ds:schemaRef ds:uri="http://schemas.openxmlformats.org/package/2006/metadata/core-properties"/>
@@ -4415,23 +9292,7 @@
 </ds:datastoreItem>
 </file>
 
-<file path=customXml/itemProps2.xml><?xml version="1.0" encoding="utf-8"?>
-<ds:datastoreItem xmlns:ds="http://schemas.openxmlformats.org/officeDocument/2006/customXml" ds:itemID="{8865FC99-B6BD-4E98-8312-F4F432C217EA}">
-  <ds:schemaRefs>
-    <ds:schemaRef ds:uri="http://schemas.microsoft.com/office/2009/outspace/metadata"/>
-  </ds:schemaRefs>
-</ds:datastoreItem>
-</file>
-
 <file path=customXml/itemProps3.xml><?xml version="1.0" encoding="utf-8"?>
-<ds:datastoreItem xmlns:ds="http://schemas.openxmlformats.org/officeDocument/2006/customXml" ds:itemID="{6034B84F-8F8E-48B7-9EFF-C7DE1A66BD73}">
-  <ds:schemaRefs>
-    <ds:schemaRef ds:uri="http://schemas.microsoft.com/sharepoint/v3/contenttype/forms"/>
-  </ds:schemaRefs>
-</ds:datastoreItem>
-</file>
-
-<file path=customXml/itemProps4.xml><?xml version="1.0" encoding="utf-8"?>
 <ds:datastoreItem xmlns:ds="http://schemas.openxmlformats.org/officeDocument/2006/customXml" ds:itemID="{E31B5E98-6A59-4EC7-A18B-B1626004080B}">
   <ds:schemaRefs>
     <ds:schemaRef ds:uri="http://schemas.microsoft.com/office/2006/metadata/contentType"/>
@@ -4445,4 +9306,12 @@
     <ds:schemaRef ds:uri="http://schemas.microsoft.com/office/infopath/2007/PartnerControls"/>
   </ds:schemaRefs>
 </ds:datastoreItem>
+</file>
+
+<file path=customXml/itemProps4.xml><?xml version="1.0" encoding="utf-8"?>
+<ds:datastoreItem xmlns:ds="http://schemas.openxmlformats.org/officeDocument/2006/customXml" ds:itemID="{6034B84F-8F8E-48B7-9EFF-C7DE1A66BD73}">
+  <ds:schemaRefs>
+    <ds:schemaRef ds:uri="http://schemas.microsoft.com/sharepoint/v3/contenttype/forms"/>
+  </ds:schemaRefs>
+</ds:datastoreItem>
 </file>
--- a/03 React.pptx
+++ b/03 React.pptx
@@ -9141,9 +9141,12 @@
 </file>
 
 <file path=customXml/item2.xml><?xml version="1.0" encoding="utf-8"?>
-<p:properties xmlns:p="http://schemas.microsoft.com/office/2006/metadata/properties" xmlns:xsi="http://www.w3.org/2001/XMLSchema-instance">
-  <documentManagement/>
-</p:properties>
+<?mso-contentType ?>
+<FormTemplates xmlns="http://schemas.microsoft.com/sharepoint/v3/contenttype/forms">
+  <Display>DocumentLibraryForm</Display>
+  <Edit>DocumentLibraryForm</Edit>
+  <New>DocumentLibraryForm</New>
+</FormTemplates>
 </file>
 
 <file path=customXml/item3.xml><?xml version="1.0" encoding="utf-8"?>
@@ -9261,12 +9264,9 @@
 </file>
 
 <file path=customXml/item4.xml><?xml version="1.0" encoding="utf-8"?>
-<?mso-contentType ?>
-<FormTemplates xmlns="http://schemas.microsoft.com/sharepoint/v3/contenttype/forms">
-  <Display>DocumentLibraryForm</Display>
-  <Edit>DocumentLibraryForm</Edit>
-  <New>DocumentLibraryForm</New>
-</FormTemplates>
+<p:properties xmlns:p="http://schemas.microsoft.com/office/2006/metadata/properties" xmlns:xsi="http://www.w3.org/2001/XMLSchema-instance">
+  <documentManagement/>
+</p:properties>
 </file>
 
 <file path=customXml/itemProps1.xml><?xml version="1.0" encoding="utf-8"?>
@@ -9278,16 +9278,9 @@
 </file>
 
 <file path=customXml/itemProps2.xml><?xml version="1.0" encoding="utf-8"?>
-<ds:datastoreItem xmlns:ds="http://schemas.openxmlformats.org/officeDocument/2006/customXml" ds:itemID="{A5547237-B119-45CA-BEFC-A2DA2BDB03E7}">
+<ds:datastoreItem xmlns:ds="http://schemas.openxmlformats.org/officeDocument/2006/customXml" ds:itemID="{6034B84F-8F8E-48B7-9EFF-C7DE1A66BD73}">
   <ds:schemaRefs>
-    <ds:schemaRef ds:uri="http://schemas.openxmlformats.org/package/2006/metadata/core-properties"/>
-    <ds:schemaRef ds:uri="http://purl.org/dc/elements/1.1/"/>
-    <ds:schemaRef ds:uri="http://schemas.microsoft.com/office/infopath/2007/PartnerControls"/>
-    <ds:schemaRef ds:uri="http://schemas.microsoft.com/office/2006/documentManagement/types"/>
-    <ds:schemaRef ds:uri="http://purl.org/dc/dcmitype/"/>
-    <ds:schemaRef ds:uri="http://purl.org/dc/terms/"/>
-    <ds:schemaRef ds:uri="http://schemas.microsoft.com/office/2006/metadata/properties"/>
-    <ds:schemaRef ds:uri="http://www.w3.org/XML/1998/namespace"/>
+    <ds:schemaRef ds:uri="http://schemas.microsoft.com/sharepoint/v3/contenttype/forms"/>
   </ds:schemaRefs>
 </ds:datastoreItem>
 </file>
@@ -9309,9 +9302,16 @@
 </file>
 
 <file path=customXml/itemProps4.xml><?xml version="1.0" encoding="utf-8"?>
-<ds:datastoreItem xmlns:ds="http://schemas.openxmlformats.org/officeDocument/2006/customXml" ds:itemID="{6034B84F-8F8E-48B7-9EFF-C7DE1A66BD73}">
+<ds:datastoreItem xmlns:ds="http://schemas.openxmlformats.org/officeDocument/2006/customXml" ds:itemID="{A5547237-B119-45CA-BEFC-A2DA2BDB03E7}">
   <ds:schemaRefs>
-    <ds:schemaRef ds:uri="http://schemas.microsoft.com/sharepoint/v3/contenttype/forms"/>
+    <ds:schemaRef ds:uri="http://schemas.openxmlformats.org/package/2006/metadata/core-properties"/>
+    <ds:schemaRef ds:uri="http://purl.org/dc/elements/1.1/"/>
+    <ds:schemaRef ds:uri="http://schemas.microsoft.com/office/infopath/2007/PartnerControls"/>
+    <ds:schemaRef ds:uri="http://schemas.microsoft.com/office/2006/documentManagement/types"/>
+    <ds:schemaRef ds:uri="http://purl.org/dc/dcmitype/"/>
+    <ds:schemaRef ds:uri="http://purl.org/dc/terms/"/>
+    <ds:schemaRef ds:uri="http://schemas.microsoft.com/office/2006/metadata/properties"/>
+    <ds:schemaRef ds:uri="http://www.w3.org/XML/1998/namespace"/>
   </ds:schemaRefs>
 </ds:datastoreItem>
 </file>
--- a/03 React.pptx
+++ b/03 React.pptx
@@ -5,43 +5,42 @@
     <p:sldMasterId id="2147483648" r:id="rId5"/>
   </p:sldMasterIdLst>
   <p:notesMasterIdLst>
-    <p:notesMasterId r:id="rId37"/>
+    <p:notesMasterId r:id="rId36"/>
   </p:notesMasterIdLst>
   <p:handoutMasterIdLst>
-    <p:handoutMasterId r:id="rId38"/>
+    <p:handoutMasterId r:id="rId37"/>
   </p:handoutMasterIdLst>
   <p:sldIdLst>
     <p:sldId id="279" r:id="rId6"/>
     <p:sldId id="310" r:id="rId7"/>
     <p:sldId id="317" r:id="rId8"/>
-    <p:sldId id="318" r:id="rId9"/>
-    <p:sldId id="319" r:id="rId10"/>
-    <p:sldId id="320" r:id="rId11"/>
-    <p:sldId id="322" r:id="rId12"/>
-    <p:sldId id="323" r:id="rId13"/>
-    <p:sldId id="329" r:id="rId14"/>
-    <p:sldId id="330" r:id="rId15"/>
-    <p:sldId id="333" r:id="rId16"/>
-    <p:sldId id="331" r:id="rId17"/>
-    <p:sldId id="324" r:id="rId18"/>
-    <p:sldId id="325" r:id="rId19"/>
-    <p:sldId id="326" r:id="rId20"/>
-    <p:sldId id="327" r:id="rId21"/>
-    <p:sldId id="339" r:id="rId22"/>
-    <p:sldId id="340" r:id="rId23"/>
-    <p:sldId id="341" r:id="rId24"/>
-    <p:sldId id="342" r:id="rId25"/>
-    <p:sldId id="334" r:id="rId26"/>
-    <p:sldId id="343" r:id="rId27"/>
-    <p:sldId id="335" r:id="rId28"/>
-    <p:sldId id="344" r:id="rId29"/>
-    <p:sldId id="345" r:id="rId30"/>
-    <p:sldId id="346" r:id="rId31"/>
-    <p:sldId id="336" r:id="rId32"/>
-    <p:sldId id="332" r:id="rId33"/>
-    <p:sldId id="337" r:id="rId34"/>
-    <p:sldId id="347" r:id="rId35"/>
-    <p:sldId id="338" r:id="rId36"/>
+    <p:sldId id="319" r:id="rId9"/>
+    <p:sldId id="320" r:id="rId10"/>
+    <p:sldId id="322" r:id="rId11"/>
+    <p:sldId id="323" r:id="rId12"/>
+    <p:sldId id="329" r:id="rId13"/>
+    <p:sldId id="330" r:id="rId14"/>
+    <p:sldId id="333" r:id="rId15"/>
+    <p:sldId id="331" r:id="rId16"/>
+    <p:sldId id="324" r:id="rId17"/>
+    <p:sldId id="325" r:id="rId18"/>
+    <p:sldId id="326" r:id="rId19"/>
+    <p:sldId id="327" r:id="rId20"/>
+    <p:sldId id="339" r:id="rId21"/>
+    <p:sldId id="340" r:id="rId22"/>
+    <p:sldId id="341" r:id="rId23"/>
+    <p:sldId id="342" r:id="rId24"/>
+    <p:sldId id="334" r:id="rId25"/>
+    <p:sldId id="343" r:id="rId26"/>
+    <p:sldId id="335" r:id="rId27"/>
+    <p:sldId id="344" r:id="rId28"/>
+    <p:sldId id="345" r:id="rId29"/>
+    <p:sldId id="346" r:id="rId30"/>
+    <p:sldId id="336" r:id="rId31"/>
+    <p:sldId id="332" r:id="rId32"/>
+    <p:sldId id="337" r:id="rId33"/>
+    <p:sldId id="347" r:id="rId34"/>
+    <p:sldId id="338" r:id="rId35"/>
   </p:sldIdLst>
   <p:sldSz cx="9144000" cy="6858000" type="screen4x3"/>
   <p:notesSz cx="7315200" cy="9601200"/>
@@ -794,7 +793,7 @@
             <a:fld id="{2F76F59A-19AF-4ED3-8DA1-0C43B56A35E5}" type="slidenum">
               <a:rPr lang="en-US" altLang="en-US" smtClean="0"/>
               <a:pPr/>
-              <a:t>10</a:t>
+              <a:t>9</a:t>
             </a:fld>
             <a:endParaRPr lang="en-US" altLang="en-US"/>
           </a:p>
@@ -3346,187 +3345,6 @@
           <a:lstStyle/>
           <a:p>
             <a:r>
-              <a:rPr lang="en-US" dirty="0"/>
-              <a:t>Understanding JSX (and TSX)</a:t>
-            </a:r>
-          </a:p>
-        </p:txBody>
-      </p:sp>
-      <p:sp>
-        <p:nvSpPr>
-          <p:cNvPr id="7" name="Content Placeholder 6"/>
-          <p:cNvSpPr>
-            <a:spLocks noGrp="1"/>
-          </p:cNvSpPr>
-          <p:nvPr>
-            <p:ph idx="1"/>
-          </p:nvPr>
-        </p:nvSpPr>
-        <p:spPr/>
-        <p:txBody>
-          <a:bodyPr/>
-          <a:lstStyle/>
-          <a:p>
-            <a:pPr marL="285750" indent="-285750"/>
-            <a:r>
-              <a:rPr lang="en-US" dirty="0"/>
-              <a:t>JSX provides better syntax for HTML composition</a:t>
-            </a:r>
-          </a:p>
-          <a:p>
-            <a:pPr marL="620712" lvl="1" indent="-285750"/>
-            <a:r>
-              <a:rPr lang="en-US" dirty="0"/>
-              <a:t>JSX allows extends JavaScript with XML-like syntax</a:t>
-            </a:r>
-          </a:p>
-          <a:p>
-            <a:pPr marL="620712" lvl="1" indent="-285750"/>
-            <a:r>
-              <a:rPr lang="en-US" dirty="0"/>
-              <a:t>JSX syntax must be </a:t>
-            </a:r>
-            <a:r>
-              <a:rPr lang="en-US" dirty="0" err="1"/>
-              <a:t>transpiled</a:t>
-            </a:r>
-            <a:r>
-              <a:rPr lang="en-US" dirty="0"/>
-              <a:t> into JavaScript code</a:t>
-            </a:r>
-          </a:p>
-          <a:p>
-            <a:pPr marL="620712" lvl="1" indent="-285750"/>
-            <a:endParaRPr lang="en-US" dirty="0"/>
-          </a:p>
-          <a:p>
-            <a:pPr marL="620712" lvl="1" indent="-285750"/>
-            <a:endParaRPr lang="en-US" dirty="0"/>
-          </a:p>
-          <a:p>
-            <a:pPr marL="620712" lvl="1" indent="-285750"/>
-            <a:endParaRPr lang="en-US" dirty="0"/>
-          </a:p>
-          <a:p>
-            <a:pPr marL="620712" lvl="1" indent="-285750"/>
-            <a:endParaRPr lang="en-US" dirty="0"/>
-          </a:p>
-          <a:p>
-            <a:pPr marL="285750" indent="-285750"/>
-            <a:r>
-              <a:rPr lang="en-US" dirty="0"/>
-              <a:t>JSX/TSX is separate from React library</a:t>
-            </a:r>
-          </a:p>
-          <a:p>
-            <a:pPr marL="620712" lvl="1" indent="-285750"/>
-            <a:r>
-              <a:rPr lang="en-US" dirty="0"/>
-              <a:t>JSX/TSX commonly used in React development</a:t>
-            </a:r>
-          </a:p>
-          <a:p>
-            <a:pPr marL="620712" lvl="1" indent="-285750"/>
-            <a:r>
-              <a:rPr lang="en-US" dirty="0"/>
-              <a:t>Babel compiler used to </a:t>
-            </a:r>
-            <a:r>
-              <a:rPr lang="en-US" dirty="0" err="1"/>
-              <a:t>transpile</a:t>
-            </a:r>
-            <a:r>
-              <a:rPr lang="en-US" dirty="0"/>
-              <a:t> JSX to JavaScript</a:t>
-            </a:r>
-          </a:p>
-          <a:p>
-            <a:pPr marL="620712" lvl="1" indent="-285750"/>
-            <a:r>
-              <a:rPr lang="en-US" dirty="0"/>
-              <a:t>TypeScript compiler used to </a:t>
-            </a:r>
-            <a:r>
-              <a:rPr lang="en-US" dirty="0" err="1"/>
-              <a:t>transpile</a:t>
-            </a:r>
-            <a:r>
-              <a:rPr lang="en-US" dirty="0"/>
-              <a:t> TSX to JavaScript</a:t>
-            </a:r>
-          </a:p>
-        </p:txBody>
-      </p:sp>
-      <p:pic>
-        <p:nvPicPr>
-          <p:cNvPr id="3" name="Picture 2"/>
-          <p:cNvPicPr>
-            <a:picLocks noChangeAspect="1"/>
-          </p:cNvPicPr>
-          <p:nvPr/>
-        </p:nvPicPr>
-        <p:blipFill>
-          <a:blip r:embed="rId3"/>
-          <a:stretch>
-            <a:fillRect/>
-          </a:stretch>
-        </p:blipFill>
-        <p:spPr>
-          <a:xfrm>
-            <a:off x="1066800" y="2895600"/>
-            <a:ext cx="7502843" cy="1543937"/>
-          </a:xfrm>
-          <a:prstGeom prst="rect">
-            <a:avLst/>
-          </a:prstGeom>
-        </p:spPr>
-      </p:pic>
-    </p:spTree>
-    <p:extLst>
-      <p:ext uri="{BB962C8B-B14F-4D97-AF65-F5344CB8AC3E}">
-        <p14:creationId xmlns:p14="http://schemas.microsoft.com/office/powerpoint/2010/main" val="2121321310"/>
-      </p:ext>
-    </p:extLst>
-  </p:cSld>
-  <p:clrMapOvr>
-    <a:masterClrMapping/>
-  </p:clrMapOvr>
-</p:sld>
-</file>
-
-<file path=ppt/slides/slide11.xml><?xml version="1.0" encoding="utf-8"?>
-<p:sld xmlns:a="http://schemas.openxmlformats.org/drawingml/2006/main" xmlns:r="http://schemas.openxmlformats.org/officeDocument/2006/relationships" xmlns:p="http://schemas.openxmlformats.org/presentationml/2006/main">
-  <p:cSld>
-    <p:spTree>
-      <p:nvGrpSpPr>
-        <p:cNvPr id="1" name=""/>
-        <p:cNvGrpSpPr/>
-        <p:nvPr/>
-      </p:nvGrpSpPr>
-      <p:grpSpPr>
-        <a:xfrm>
-          <a:off x="0" y="0"/>
-          <a:ext cx="0" cy="0"/>
-          <a:chOff x="0" y="0"/>
-          <a:chExt cx="0" cy="0"/>
-        </a:xfrm>
-      </p:grpSpPr>
-      <p:sp>
-        <p:nvSpPr>
-          <p:cNvPr id="2" name="Title 1"/>
-          <p:cNvSpPr>
-            <a:spLocks noGrp="1"/>
-          </p:cNvSpPr>
-          <p:nvPr>
-            <p:ph type="title"/>
-          </p:nvPr>
-        </p:nvSpPr>
-        <p:spPr/>
-        <p:txBody>
-          <a:bodyPr/>
-          <a:lstStyle/>
-          <a:p>
-            <a:r>
               <a:rPr lang="en-US"/>
               <a:t>Agenda</a:t>
             </a:r>
@@ -3612,7 +3430,7 @@
 </p:sld>
 </file>
 
-<file path=ppt/slides/slide12.xml><?xml version="1.0" encoding="utf-8"?>
+<file path=ppt/slides/slide11.xml><?xml version="1.0" encoding="utf-8"?>
 <p:sld xmlns:a="http://schemas.openxmlformats.org/drawingml/2006/main" xmlns:r="http://schemas.openxmlformats.org/officeDocument/2006/relationships" xmlns:p="http://schemas.openxmlformats.org/presentationml/2006/main">
   <p:cSld>
     <p:spTree>
@@ -3798,7 +3616,7 @@
 </p:sld>
 </file>
 
-<file path=ppt/slides/slide13.xml><?xml version="1.0" encoding="utf-8"?>
+<file path=ppt/slides/slide12.xml><?xml version="1.0" encoding="utf-8"?>
 <p:sld xmlns:a="http://schemas.openxmlformats.org/drawingml/2006/main" xmlns:r="http://schemas.openxmlformats.org/officeDocument/2006/relationships" xmlns:p="http://schemas.openxmlformats.org/presentationml/2006/main">
   <p:cSld>
     <p:spTree>
@@ -3915,7 +3733,7 @@
 </p:sld>
 </file>
 
-<file path=ppt/slides/slide14.xml><?xml version="1.0" encoding="utf-8"?>
+<file path=ppt/slides/slide13.xml><?xml version="1.0" encoding="utf-8"?>
 <p:sld xmlns:a="http://schemas.openxmlformats.org/drawingml/2006/main" xmlns:r="http://schemas.openxmlformats.org/officeDocument/2006/relationships" xmlns:p="http://schemas.openxmlformats.org/presentationml/2006/main">
   <p:cSld>
     <p:spTree>
@@ -4251,7 +4069,7 @@
 </p:sld>
 </file>
 
-<file path=ppt/slides/slide15.xml><?xml version="1.0" encoding="utf-8"?>
+<file path=ppt/slides/slide14.xml><?xml version="1.0" encoding="utf-8"?>
 <p:sld xmlns:a="http://schemas.openxmlformats.org/drawingml/2006/main" xmlns:r="http://schemas.openxmlformats.org/officeDocument/2006/relationships" xmlns:p="http://schemas.openxmlformats.org/presentationml/2006/main">
   <p:cSld>
     <p:spTree>
@@ -4378,7 +4196,7 @@
 </p:sld>
 </file>
 
-<file path=ppt/slides/slide16.xml><?xml version="1.0" encoding="utf-8"?>
+<file path=ppt/slides/slide15.xml><?xml version="1.0" encoding="utf-8"?>
 <p:sld xmlns:a="http://schemas.openxmlformats.org/drawingml/2006/main" xmlns:r="http://schemas.openxmlformats.org/officeDocument/2006/relationships" xmlns:p="http://schemas.openxmlformats.org/presentationml/2006/main">
   <p:cSld>
     <p:spTree>
@@ -4458,7 +4276,7 @@
 </p:sld>
 </file>
 
-<file path=ppt/slides/slide17.xml><?xml version="1.0" encoding="utf-8"?>
+<file path=ppt/slides/slide16.xml><?xml version="1.0" encoding="utf-8"?>
 <p:sld xmlns:a="http://schemas.openxmlformats.org/drawingml/2006/main" xmlns:r="http://schemas.openxmlformats.org/officeDocument/2006/relationships" xmlns:p="http://schemas.openxmlformats.org/presentationml/2006/main">
   <p:cSld>
     <p:spTree>
@@ -4630,7 +4448,7 @@
 </p:sld>
 </file>
 
-<file path=ppt/slides/slide18.xml><?xml version="1.0" encoding="utf-8"?>
+<file path=ppt/slides/slide17.xml><?xml version="1.0" encoding="utf-8"?>
 <p:sld xmlns:a="http://schemas.openxmlformats.org/drawingml/2006/main" xmlns:r="http://schemas.openxmlformats.org/officeDocument/2006/relationships" xmlns:p="http://schemas.openxmlformats.org/presentationml/2006/main">
   <p:cSld>
     <p:spTree>
@@ -4799,7 +4617,7 @@
 </p:sld>
 </file>
 
-<file path=ppt/slides/slide19.xml><?xml version="1.0" encoding="utf-8"?>
+<file path=ppt/slides/slide18.xml><?xml version="1.0" encoding="utf-8"?>
 <p:sld xmlns:a="http://schemas.openxmlformats.org/drawingml/2006/main" xmlns:r="http://schemas.openxmlformats.org/officeDocument/2006/relationships" xmlns:p="http://schemas.openxmlformats.org/presentationml/2006/main">
   <p:cSld>
     <p:spTree>
@@ -4895,119 +4713,7 @@
 </p:sld>
 </file>
 
-<file path=ppt/slides/slide2.xml><?xml version="1.0" encoding="utf-8"?>
-<p:sld xmlns:a="http://schemas.openxmlformats.org/drawingml/2006/main" xmlns:r="http://schemas.openxmlformats.org/officeDocument/2006/relationships" xmlns:p="http://schemas.openxmlformats.org/presentationml/2006/main">
-  <p:cSld>
-    <p:spTree>
-      <p:nvGrpSpPr>
-        <p:cNvPr id="1" name=""/>
-        <p:cNvGrpSpPr/>
-        <p:nvPr/>
-      </p:nvGrpSpPr>
-      <p:grpSpPr>
-        <a:xfrm>
-          <a:off x="0" y="0"/>
-          <a:ext cx="0" cy="0"/>
-          <a:chOff x="0" y="0"/>
-          <a:chExt cx="0" cy="0"/>
-        </a:xfrm>
-      </p:grpSpPr>
-      <p:sp>
-        <p:nvSpPr>
-          <p:cNvPr id="2" name="Title 1"/>
-          <p:cNvSpPr>
-            <a:spLocks noGrp="1"/>
-          </p:cNvSpPr>
-          <p:nvPr>
-            <p:ph type="title"/>
-          </p:nvPr>
-        </p:nvSpPr>
-        <p:spPr/>
-        <p:txBody>
-          <a:bodyPr/>
-          <a:lstStyle/>
-          <a:p>
-            <a:r>
-              <a:rPr lang="en-US"/>
-              <a:t>Agenda</a:t>
-            </a:r>
-            <a:endParaRPr lang="en-US" dirty="0"/>
-          </a:p>
-        </p:txBody>
-      </p:sp>
-      <p:sp>
-        <p:nvSpPr>
-          <p:cNvPr id="3" name="Content Placeholder 2"/>
-          <p:cNvSpPr>
-            <a:spLocks noGrp="1"/>
-          </p:cNvSpPr>
-          <p:nvPr>
-            <p:ph idx="1"/>
-          </p:nvPr>
-        </p:nvSpPr>
-        <p:spPr/>
-        <p:txBody>
-          <a:bodyPr>
-            <a:noAutofit/>
-          </a:bodyPr>
-          <a:lstStyle/>
-          <a:p>
-            <a:pPr lvl="0"/>
-            <a:r>
-              <a:rPr lang="en-US" sz="2400" dirty="0"/>
-              <a:t>Getting Started with React.js</a:t>
-            </a:r>
-          </a:p>
-          <a:p>
-            <a:pPr lvl="0"/>
-            <a:r>
-              <a:rPr lang="en-US" sz="2400" dirty="0"/>
-              <a:t>Creating SPAs using React.js, TypeScript and Webpack</a:t>
-            </a:r>
-          </a:p>
-          <a:p>
-            <a:pPr lvl="0"/>
-            <a:r>
-              <a:rPr lang="en-US" sz="2400" dirty="0"/>
-              <a:t>Designing a React Component Hierarchy</a:t>
-            </a:r>
-          </a:p>
-          <a:p>
-            <a:r>
-              <a:rPr lang="en-US" sz="2400" dirty="0"/>
-              <a:t>Extending a React Project with the React Router</a:t>
-            </a:r>
-          </a:p>
-          <a:p>
-            <a:pPr lvl="0"/>
-            <a:r>
-              <a:rPr lang="en-US" sz="2400" dirty="0"/>
-              <a:t>Understanding the React Component Lifecycle Methods</a:t>
-            </a:r>
-          </a:p>
-          <a:p>
-            <a:pPr lvl="0"/>
-            <a:r>
-              <a:rPr lang="en-US" sz="2400" dirty="0"/>
-              <a:t>Calling Across the Network using the Fetch API</a:t>
-            </a:r>
-          </a:p>
-        </p:txBody>
-      </p:sp>
-    </p:spTree>
-    <p:extLst>
-      <p:ext uri="{BB962C8B-B14F-4D97-AF65-F5344CB8AC3E}">
-        <p14:creationId xmlns:p14="http://schemas.microsoft.com/office/powerpoint/2010/main" val="1600781479"/>
-      </p:ext>
-    </p:extLst>
-  </p:cSld>
-  <p:clrMapOvr>
-    <a:masterClrMapping/>
-  </p:clrMapOvr>
-</p:sld>
-</file>
-
-<file path=ppt/slides/slide20.xml><?xml version="1.0" encoding="utf-8"?>
+<file path=ppt/slides/slide19.xml><?xml version="1.0" encoding="utf-8"?>
 <p:sld xmlns:a="http://schemas.openxmlformats.org/drawingml/2006/main" xmlns:r="http://schemas.openxmlformats.org/officeDocument/2006/relationships" xmlns:p="http://schemas.openxmlformats.org/presentationml/2006/main">
   <p:cSld>
     <p:spTree>
@@ -5103,7 +4809,7 @@
 </p:sld>
 </file>
 
-<file path=ppt/slides/slide21.xml><?xml version="1.0" encoding="utf-8"?>
+<file path=ppt/slides/slide2.xml><?xml version="1.0" encoding="utf-8"?>
 <p:sld xmlns:a="http://schemas.openxmlformats.org/drawingml/2006/main" xmlns:r="http://schemas.openxmlformats.org/officeDocument/2006/relationships" xmlns:p="http://schemas.openxmlformats.org/presentationml/2006/main">
   <p:cSld>
     <p:spTree>
@@ -5160,6 +4866,118 @@
           </a:bodyPr>
           <a:lstStyle/>
           <a:p>
+            <a:pPr lvl="0"/>
+            <a:r>
+              <a:rPr lang="en-US" sz="2400" dirty="0"/>
+              <a:t>Getting Started with React.js</a:t>
+            </a:r>
+          </a:p>
+          <a:p>
+            <a:pPr lvl="0"/>
+            <a:r>
+              <a:rPr lang="en-US" sz="2400" dirty="0"/>
+              <a:t>Creating SPAs using React.js, TypeScript and Webpack</a:t>
+            </a:r>
+          </a:p>
+          <a:p>
+            <a:pPr lvl="0"/>
+            <a:r>
+              <a:rPr lang="en-US" sz="2400" dirty="0"/>
+              <a:t>Designing a React Component Hierarchy</a:t>
+            </a:r>
+          </a:p>
+          <a:p>
+            <a:r>
+              <a:rPr lang="en-US" sz="2400" dirty="0"/>
+              <a:t>Extending a React Project with the React Router</a:t>
+            </a:r>
+          </a:p>
+          <a:p>
+            <a:pPr lvl="0"/>
+            <a:r>
+              <a:rPr lang="en-US" sz="2400" dirty="0"/>
+              <a:t>Understanding the React Component Lifecycle Methods</a:t>
+            </a:r>
+          </a:p>
+          <a:p>
+            <a:pPr lvl="0"/>
+            <a:r>
+              <a:rPr lang="en-US" sz="2400" dirty="0"/>
+              <a:t>Calling Across the Network using the Fetch API</a:t>
+            </a:r>
+          </a:p>
+        </p:txBody>
+      </p:sp>
+    </p:spTree>
+    <p:extLst>
+      <p:ext uri="{BB962C8B-B14F-4D97-AF65-F5344CB8AC3E}">
+        <p14:creationId xmlns:p14="http://schemas.microsoft.com/office/powerpoint/2010/main" val="1600781479"/>
+      </p:ext>
+    </p:extLst>
+  </p:cSld>
+  <p:clrMapOvr>
+    <a:masterClrMapping/>
+  </p:clrMapOvr>
+</p:sld>
+</file>
+
+<file path=ppt/slides/slide20.xml><?xml version="1.0" encoding="utf-8"?>
+<p:sld xmlns:a="http://schemas.openxmlformats.org/drawingml/2006/main" xmlns:r="http://schemas.openxmlformats.org/officeDocument/2006/relationships" xmlns:p="http://schemas.openxmlformats.org/presentationml/2006/main">
+  <p:cSld>
+    <p:spTree>
+      <p:nvGrpSpPr>
+        <p:cNvPr id="1" name=""/>
+        <p:cNvGrpSpPr/>
+        <p:nvPr/>
+      </p:nvGrpSpPr>
+      <p:grpSpPr>
+        <a:xfrm>
+          <a:off x="0" y="0"/>
+          <a:ext cx="0" cy="0"/>
+          <a:chOff x="0" y="0"/>
+          <a:chExt cx="0" cy="0"/>
+        </a:xfrm>
+      </p:grpSpPr>
+      <p:sp>
+        <p:nvSpPr>
+          <p:cNvPr id="2" name="Title 1"/>
+          <p:cNvSpPr>
+            <a:spLocks noGrp="1"/>
+          </p:cNvSpPr>
+          <p:nvPr>
+            <p:ph type="title"/>
+          </p:nvPr>
+        </p:nvSpPr>
+        <p:spPr/>
+        <p:txBody>
+          <a:bodyPr/>
+          <a:lstStyle/>
+          <a:p>
+            <a:r>
+              <a:rPr lang="en-US"/>
+              <a:t>Agenda</a:t>
+            </a:r>
+            <a:endParaRPr lang="en-US" dirty="0"/>
+          </a:p>
+        </p:txBody>
+      </p:sp>
+      <p:sp>
+        <p:nvSpPr>
+          <p:cNvPr id="3" name="Content Placeholder 2"/>
+          <p:cNvSpPr>
+            <a:spLocks noGrp="1"/>
+          </p:cNvSpPr>
+          <p:nvPr>
+            <p:ph idx="1"/>
+          </p:nvPr>
+        </p:nvSpPr>
+        <p:spPr/>
+        <p:txBody>
+          <a:bodyPr>
+            <a:noAutofit/>
+          </a:bodyPr>
+          <a:lstStyle/>
+          <a:p>
             <a:pPr lvl="0">
               <a:buFont typeface="Wingdings" panose="05000000000000000000" pitchFamily="2" charset="2"/>
               <a:buChar char="ü"/>
@@ -5224,7 +5042,7 @@
 </p:sld>
 </file>
 
-<file path=ppt/slides/slide22.xml><?xml version="1.0" encoding="utf-8"?>
+<file path=ppt/slides/slide21.xml><?xml version="1.0" encoding="utf-8"?>
 <p:sld xmlns:a="http://schemas.openxmlformats.org/drawingml/2006/main" xmlns:r="http://schemas.openxmlformats.org/officeDocument/2006/relationships" xmlns:p="http://schemas.openxmlformats.org/presentationml/2006/main">
   <p:cSld>
     <p:spTree>
@@ -5548,7 +5366,7 @@
 </p:sld>
 </file>
 
-<file path=ppt/slides/slide23.xml><?xml version="1.0" encoding="utf-8"?>
+<file path=ppt/slides/slide22.xml><?xml version="1.0" encoding="utf-8"?>
 <p:sld xmlns:a="http://schemas.openxmlformats.org/drawingml/2006/main" xmlns:r="http://schemas.openxmlformats.org/officeDocument/2006/relationships" xmlns:p="http://schemas.openxmlformats.org/presentationml/2006/main">
   <p:cSld>
     <p:spTree>
@@ -5673,7 +5491,7 @@
 </p:sld>
 </file>
 
-<file path=ppt/slides/slide24.xml><?xml version="1.0" encoding="utf-8"?>
+<file path=ppt/slides/slide23.xml><?xml version="1.0" encoding="utf-8"?>
 <p:sld xmlns:a="http://schemas.openxmlformats.org/drawingml/2006/main" xmlns:r="http://schemas.openxmlformats.org/officeDocument/2006/relationships" xmlns:p="http://schemas.openxmlformats.org/presentationml/2006/main">
   <p:cSld>
     <p:spTree>
@@ -5842,7 +5660,7 @@
 </p:sld>
 </file>
 
-<file path=ppt/slides/slide25.xml><?xml version="1.0" encoding="utf-8"?>
+<file path=ppt/slides/slide24.xml><?xml version="1.0" encoding="utf-8"?>
 <p:sld xmlns:a="http://schemas.openxmlformats.org/drawingml/2006/main" xmlns:r="http://schemas.openxmlformats.org/officeDocument/2006/relationships" xmlns:p="http://schemas.openxmlformats.org/presentationml/2006/main">
   <p:cSld>
     <p:spTree>
@@ -6002,7 +5820,7 @@
 </p:sld>
 </file>
 
-<file path=ppt/slides/slide26.xml><?xml version="1.0" encoding="utf-8"?>
+<file path=ppt/slides/slide25.xml><?xml version="1.0" encoding="utf-8"?>
 <p:sld xmlns:a="http://schemas.openxmlformats.org/drawingml/2006/main" xmlns:r="http://schemas.openxmlformats.org/officeDocument/2006/relationships" xmlns:p="http://schemas.openxmlformats.org/presentationml/2006/main">
   <p:cSld>
     <p:spTree>
@@ -6293,6 +6111,134 @@
 </p:sld>
 </file>
 
+<file path=ppt/slides/slide26.xml><?xml version="1.0" encoding="utf-8"?>
+<p:sld xmlns:a="http://schemas.openxmlformats.org/drawingml/2006/main" xmlns:r="http://schemas.openxmlformats.org/officeDocument/2006/relationships" xmlns:p="http://schemas.openxmlformats.org/presentationml/2006/main">
+  <p:cSld>
+    <p:spTree>
+      <p:nvGrpSpPr>
+        <p:cNvPr id="1" name=""/>
+        <p:cNvGrpSpPr/>
+        <p:nvPr/>
+      </p:nvGrpSpPr>
+      <p:grpSpPr>
+        <a:xfrm>
+          <a:off x="0" y="0"/>
+          <a:ext cx="0" cy="0"/>
+          <a:chOff x="0" y="0"/>
+          <a:chExt cx="0" cy="0"/>
+        </a:xfrm>
+      </p:grpSpPr>
+      <p:sp>
+        <p:nvSpPr>
+          <p:cNvPr id="2" name="Title 1"/>
+          <p:cNvSpPr>
+            <a:spLocks noGrp="1"/>
+          </p:cNvSpPr>
+          <p:nvPr>
+            <p:ph type="title"/>
+          </p:nvPr>
+        </p:nvSpPr>
+        <p:spPr/>
+        <p:txBody>
+          <a:bodyPr/>
+          <a:lstStyle/>
+          <a:p>
+            <a:r>
+              <a:rPr lang="en-US"/>
+              <a:t>Agenda</a:t>
+            </a:r>
+            <a:endParaRPr lang="en-US" dirty="0"/>
+          </a:p>
+        </p:txBody>
+      </p:sp>
+      <p:sp>
+        <p:nvSpPr>
+          <p:cNvPr id="3" name="Content Placeholder 2"/>
+          <p:cNvSpPr>
+            <a:spLocks noGrp="1"/>
+          </p:cNvSpPr>
+          <p:nvPr>
+            <p:ph idx="1"/>
+          </p:nvPr>
+        </p:nvSpPr>
+        <p:spPr/>
+        <p:txBody>
+          <a:bodyPr>
+            <a:noAutofit/>
+          </a:bodyPr>
+          <a:lstStyle/>
+          <a:p>
+            <a:pPr lvl="0">
+              <a:buFont typeface="Wingdings" panose="05000000000000000000" pitchFamily="2" charset="2"/>
+              <a:buChar char="ü"/>
+            </a:pPr>
+            <a:r>
+              <a:rPr lang="en-US" sz="2400" dirty="0"/>
+              <a:t>Getting Started with React.js</a:t>
+            </a:r>
+          </a:p>
+          <a:p>
+            <a:pPr lvl="0">
+              <a:buFont typeface="Wingdings" panose="05000000000000000000" pitchFamily="2" charset="2"/>
+              <a:buChar char="ü"/>
+            </a:pPr>
+            <a:r>
+              <a:rPr lang="en-US" sz="2400" dirty="0"/>
+              <a:t>Creating SPAs using React.js, TypeScript and Webpack</a:t>
+            </a:r>
+          </a:p>
+          <a:p>
+            <a:pPr lvl="0">
+              <a:buFont typeface="Wingdings" panose="05000000000000000000" pitchFamily="2" charset="2"/>
+              <a:buChar char="ü"/>
+            </a:pPr>
+            <a:r>
+              <a:rPr lang="en-US" sz="2400" dirty="0"/>
+              <a:t>Designing a React Component Hierarchy</a:t>
+            </a:r>
+          </a:p>
+          <a:p>
+            <a:pPr>
+              <a:buFont typeface="Wingdings" panose="05000000000000000000" pitchFamily="2" charset="2"/>
+              <a:buChar char="ü"/>
+            </a:pPr>
+            <a:r>
+              <a:rPr lang="en-US" sz="2400" dirty="0"/>
+              <a:t>Extending a React Project with the React Router</a:t>
+            </a:r>
+          </a:p>
+          <a:p>
+            <a:pPr lvl="0">
+              <a:buFont typeface="Wingdings" panose="05000000000000000000" pitchFamily="2" charset="2"/>
+              <a:buChar char="Ø"/>
+            </a:pPr>
+            <a:r>
+              <a:rPr lang="en-US" sz="2400" dirty="0"/>
+              <a:t>Understanding the React Component Lifecycle Methods</a:t>
+            </a:r>
+          </a:p>
+          <a:p>
+            <a:pPr lvl="0"/>
+            <a:r>
+              <a:rPr lang="en-US" sz="2400" dirty="0"/>
+              <a:t>Calling Across the Network using the Fetch API</a:t>
+            </a:r>
+          </a:p>
+        </p:txBody>
+      </p:sp>
+    </p:spTree>
+    <p:extLst>
+      <p:ext uri="{BB962C8B-B14F-4D97-AF65-F5344CB8AC3E}">
+        <p14:creationId xmlns:p14="http://schemas.microsoft.com/office/powerpoint/2010/main" val="2095326960"/>
+      </p:ext>
+    </p:extLst>
+  </p:cSld>
+  <p:clrMapOvr>
+    <a:masterClrMapping/>
+  </p:clrMapOvr>
+</p:sld>
+</file>
+
 <file path=ppt/slides/slide27.xml><?xml version="1.0" encoding="utf-8"?>
 <p:sld xmlns:a="http://schemas.openxmlformats.org/drawingml/2006/main" xmlns:r="http://schemas.openxmlformats.org/officeDocument/2006/relationships" xmlns:p="http://schemas.openxmlformats.org/presentationml/2006/main">
   <p:cSld>
@@ -6327,7 +6273,7 @@
           <a:p>
             <a:r>
               <a:rPr lang="en-US"/>
-              <a:t>Agenda</a:t>
+              <a:t>Component Lifecycle</a:t>
             </a:r>
             <a:endParaRPr lang="en-US" dirty="0"/>
           </a:p>
@@ -6346,72 +6292,94 @@
         <p:spPr/>
         <p:txBody>
           <a:bodyPr>
-            <a:noAutofit/>
+            <a:normAutofit/>
           </a:bodyPr>
           <a:lstStyle/>
           <a:p>
-            <a:pPr lvl="0">
-              <a:buFont typeface="Wingdings" panose="05000000000000000000" pitchFamily="2" charset="2"/>
-              <a:buChar char="ü"/>
-            </a:pPr>
-            <a:r>
-              <a:rPr lang="en-US" sz="2400" dirty="0"/>
-              <a:t>Getting Started with React.js</a:t>
-            </a:r>
-          </a:p>
-          <a:p>
-            <a:pPr lvl="0">
-              <a:buFont typeface="Wingdings" panose="05000000000000000000" pitchFamily="2" charset="2"/>
-              <a:buChar char="ü"/>
-            </a:pPr>
-            <a:r>
-              <a:rPr lang="en-US" sz="2400" dirty="0"/>
-              <a:t>Creating SPAs using React.js, TypeScript and Webpack</a:t>
-            </a:r>
-          </a:p>
-          <a:p>
-            <a:pPr lvl="0">
-              <a:buFont typeface="Wingdings" panose="05000000000000000000" pitchFamily="2" charset="2"/>
-              <a:buChar char="ü"/>
-            </a:pPr>
-            <a:r>
-              <a:rPr lang="en-US" sz="2400" dirty="0"/>
-              <a:t>Designing a React Component Hierarchy</a:t>
-            </a:r>
-          </a:p>
-          <a:p>
-            <a:pPr>
-              <a:buFont typeface="Wingdings" panose="05000000000000000000" pitchFamily="2" charset="2"/>
-              <a:buChar char="ü"/>
-            </a:pPr>
-            <a:r>
-              <a:rPr lang="en-US" sz="2400" dirty="0"/>
-              <a:t>Extending a React Project with the React Router</a:t>
-            </a:r>
-          </a:p>
-          <a:p>
-            <a:pPr lvl="0">
-              <a:buFont typeface="Wingdings" panose="05000000000000000000" pitchFamily="2" charset="2"/>
-              <a:buChar char="Ø"/>
-            </a:pPr>
-            <a:r>
-              <a:rPr lang="en-US" sz="2400" dirty="0"/>
-              <a:t>Understanding the React Component Lifecycle Methods</a:t>
-            </a:r>
-          </a:p>
-          <a:p>
-            <a:pPr lvl="0"/>
-            <a:r>
-              <a:rPr lang="en-US" sz="2400" dirty="0"/>
-              <a:t>Calling Across the Network using the Fetch API</a:t>
-            </a:r>
+            <a:r>
+              <a:rPr lang="en-US" sz="2400"/>
+              <a:t>componentWillUpdate</a:t>
+            </a:r>
+          </a:p>
+          <a:p>
+            <a:pPr lvl="1"/>
+            <a:r>
+              <a:rPr lang="en-US" sz="2000"/>
+              <a:t>executed before component is rendered</a:t>
+            </a:r>
+          </a:p>
+          <a:p>
+            <a:r>
+              <a:rPr lang="en-US" sz="2400"/>
+              <a:t>componentDidUpdate</a:t>
+            </a:r>
+          </a:p>
+          <a:p>
+            <a:pPr lvl="1"/>
+            <a:r>
+              <a:rPr lang="en-US" sz="2000"/>
+              <a:t>executed after component is rendered</a:t>
+            </a:r>
+          </a:p>
+          <a:p>
+            <a:r>
+              <a:rPr lang="en-US" sz="2400"/>
+              <a:t>componentWillMount</a:t>
+            </a:r>
+          </a:p>
+          <a:p>
+            <a:pPr lvl="1"/>
+            <a:r>
+              <a:rPr lang="en-US" sz="2000"/>
+              <a:t>executed before node is added to the DOM</a:t>
+            </a:r>
+          </a:p>
+          <a:p>
+            <a:r>
+              <a:rPr lang="en-US" sz="2400"/>
+              <a:t>componentDidMount</a:t>
+            </a:r>
+          </a:p>
+          <a:p>
+            <a:pPr lvl="1"/>
+            <a:r>
+              <a:rPr lang="en-US" sz="2000"/>
+              <a:t>executed after node is added to the DOM</a:t>
+            </a:r>
+          </a:p>
+          <a:p>
+            <a:r>
+              <a:rPr lang="en-US" sz="2400"/>
+              <a:t>componentWillUnmount</a:t>
+            </a:r>
+          </a:p>
+          <a:p>
+            <a:pPr lvl="1"/>
+            <a:r>
+              <a:rPr lang="en-US" sz="2000"/>
+              <a:t>executed before node is removed from the DOM</a:t>
+            </a:r>
+          </a:p>
+          <a:p>
+            <a:r>
+              <a:rPr lang="en-US" sz="2400"/>
+              <a:t>shouldComponentUpdate(newProps, newState)</a:t>
+            </a:r>
+          </a:p>
+          <a:p>
+            <a:pPr lvl="1"/>
+            <a:r>
+              <a:rPr lang="en-US" sz="2000"/>
+              <a:t>executed before component is updated</a:t>
+            </a:r>
+            <a:endParaRPr lang="en-US" sz="2000" dirty="0"/>
           </a:p>
         </p:txBody>
       </p:sp>
     </p:spTree>
     <p:extLst>
       <p:ext uri="{BB962C8B-B14F-4D97-AF65-F5344CB8AC3E}">
-        <p14:creationId xmlns:p14="http://schemas.microsoft.com/office/powerpoint/2010/main" val="2095326960"/>
+        <p14:creationId xmlns:p14="http://schemas.microsoft.com/office/powerpoint/2010/main" val="4131638449"/>
       </p:ext>
     </p:extLst>
   </p:cSld>
@@ -6455,156 +6423,6 @@
           <a:p>
             <a:r>
               <a:rPr lang="en-US"/>
-              <a:t>Component Lifecycle</a:t>
-            </a:r>
-            <a:endParaRPr lang="en-US" dirty="0"/>
-          </a:p>
-        </p:txBody>
-      </p:sp>
-      <p:sp>
-        <p:nvSpPr>
-          <p:cNvPr id="3" name="Content Placeholder 2"/>
-          <p:cNvSpPr>
-            <a:spLocks noGrp="1"/>
-          </p:cNvSpPr>
-          <p:nvPr>
-            <p:ph idx="1"/>
-          </p:nvPr>
-        </p:nvSpPr>
-        <p:spPr/>
-        <p:txBody>
-          <a:bodyPr>
-            <a:normAutofit/>
-          </a:bodyPr>
-          <a:lstStyle/>
-          <a:p>
-            <a:r>
-              <a:rPr lang="en-US" sz="2400"/>
-              <a:t>componentWillUpdate</a:t>
-            </a:r>
-          </a:p>
-          <a:p>
-            <a:pPr lvl="1"/>
-            <a:r>
-              <a:rPr lang="en-US" sz="2000"/>
-              <a:t>executed before component is rendered</a:t>
-            </a:r>
-          </a:p>
-          <a:p>
-            <a:r>
-              <a:rPr lang="en-US" sz="2400"/>
-              <a:t>componentDidUpdate</a:t>
-            </a:r>
-          </a:p>
-          <a:p>
-            <a:pPr lvl="1"/>
-            <a:r>
-              <a:rPr lang="en-US" sz="2000"/>
-              <a:t>executed after component is rendered</a:t>
-            </a:r>
-          </a:p>
-          <a:p>
-            <a:r>
-              <a:rPr lang="en-US" sz="2400"/>
-              <a:t>componentWillMount</a:t>
-            </a:r>
-          </a:p>
-          <a:p>
-            <a:pPr lvl="1"/>
-            <a:r>
-              <a:rPr lang="en-US" sz="2000"/>
-              <a:t>executed before node is added to the DOM</a:t>
-            </a:r>
-          </a:p>
-          <a:p>
-            <a:r>
-              <a:rPr lang="en-US" sz="2400"/>
-              <a:t>componentDidMount</a:t>
-            </a:r>
-          </a:p>
-          <a:p>
-            <a:pPr lvl="1"/>
-            <a:r>
-              <a:rPr lang="en-US" sz="2000"/>
-              <a:t>executed after node is added to the DOM</a:t>
-            </a:r>
-          </a:p>
-          <a:p>
-            <a:r>
-              <a:rPr lang="en-US" sz="2400"/>
-              <a:t>componentWillUnmount</a:t>
-            </a:r>
-          </a:p>
-          <a:p>
-            <a:pPr lvl="1"/>
-            <a:r>
-              <a:rPr lang="en-US" sz="2000"/>
-              <a:t>executed before node is removed from the DOM</a:t>
-            </a:r>
-          </a:p>
-          <a:p>
-            <a:r>
-              <a:rPr lang="en-US" sz="2400"/>
-              <a:t>shouldComponentUpdate(newProps, newState)</a:t>
-            </a:r>
-          </a:p>
-          <a:p>
-            <a:pPr lvl="1"/>
-            <a:r>
-              <a:rPr lang="en-US" sz="2000"/>
-              <a:t>executed before component is updated</a:t>
-            </a:r>
-            <a:endParaRPr lang="en-US" sz="2000" dirty="0"/>
-          </a:p>
-        </p:txBody>
-      </p:sp>
-    </p:spTree>
-    <p:extLst>
-      <p:ext uri="{BB962C8B-B14F-4D97-AF65-F5344CB8AC3E}">
-        <p14:creationId xmlns:p14="http://schemas.microsoft.com/office/powerpoint/2010/main" val="4131638449"/>
-      </p:ext>
-    </p:extLst>
-  </p:cSld>
-  <p:clrMapOvr>
-    <a:masterClrMapping/>
-  </p:clrMapOvr>
-</p:sld>
-</file>
-
-<file path=ppt/slides/slide29.xml><?xml version="1.0" encoding="utf-8"?>
-<p:sld xmlns:a="http://schemas.openxmlformats.org/drawingml/2006/main" xmlns:r="http://schemas.openxmlformats.org/officeDocument/2006/relationships" xmlns:p="http://schemas.openxmlformats.org/presentationml/2006/main">
-  <p:cSld>
-    <p:spTree>
-      <p:nvGrpSpPr>
-        <p:cNvPr id="1" name=""/>
-        <p:cNvGrpSpPr/>
-        <p:nvPr/>
-      </p:nvGrpSpPr>
-      <p:grpSpPr>
-        <a:xfrm>
-          <a:off x="0" y="0"/>
-          <a:ext cx="0" cy="0"/>
-          <a:chOff x="0" y="0"/>
-          <a:chExt cx="0" cy="0"/>
-        </a:xfrm>
-      </p:grpSpPr>
-      <p:sp>
-        <p:nvSpPr>
-          <p:cNvPr id="2" name="Title 1"/>
-          <p:cNvSpPr>
-            <a:spLocks noGrp="1"/>
-          </p:cNvSpPr>
-          <p:nvPr>
-            <p:ph type="title"/>
-          </p:nvPr>
-        </p:nvSpPr>
-        <p:spPr/>
-        <p:txBody>
-          <a:bodyPr/>
-          <a:lstStyle/>
-          <a:p>
-            <a:r>
-              <a:rPr lang="en-US"/>
               <a:t>Agenda</a:t>
             </a:r>
             <a:endParaRPr lang="en-US" dirty="0"/>
@@ -6702,141 +6520,7 @@
 </p:sld>
 </file>
 
-<file path=ppt/slides/slide3.xml><?xml version="1.0" encoding="utf-8"?>
-<p:sld xmlns:a="http://schemas.openxmlformats.org/drawingml/2006/main" xmlns:r="http://schemas.openxmlformats.org/officeDocument/2006/relationships" xmlns:p="http://schemas.openxmlformats.org/presentationml/2006/main">
-  <p:cSld>
-    <p:spTree>
-      <p:nvGrpSpPr>
-        <p:cNvPr id="1" name=""/>
-        <p:cNvGrpSpPr/>
-        <p:nvPr/>
-      </p:nvGrpSpPr>
-      <p:grpSpPr>
-        <a:xfrm>
-          <a:off x="0" y="0"/>
-          <a:ext cx="0" cy="0"/>
-          <a:chOff x="0" y="0"/>
-          <a:chExt cx="0" cy="0"/>
-        </a:xfrm>
-      </p:grpSpPr>
-      <p:sp>
-        <p:nvSpPr>
-          <p:cNvPr id="2" name="Title 1"/>
-          <p:cNvSpPr>
-            <a:spLocks noGrp="1"/>
-          </p:cNvSpPr>
-          <p:nvPr>
-            <p:ph type="title"/>
-          </p:nvPr>
-        </p:nvSpPr>
-        <p:spPr/>
-        <p:txBody>
-          <a:bodyPr/>
-          <a:lstStyle/>
-          <a:p>
-            <a:r>
-              <a:rPr lang="en-US"/>
-              <a:t>Introducing React</a:t>
-            </a:r>
-            <a:endParaRPr lang="en-US" dirty="0"/>
-          </a:p>
-        </p:txBody>
-      </p:sp>
-      <p:sp>
-        <p:nvSpPr>
-          <p:cNvPr id="3" name="Content Placeholder 2"/>
-          <p:cNvSpPr>
-            <a:spLocks noGrp="1"/>
-          </p:cNvSpPr>
-          <p:nvPr>
-            <p:ph idx="1"/>
-          </p:nvPr>
-        </p:nvSpPr>
-        <p:spPr/>
-        <p:txBody>
-          <a:bodyPr/>
-          <a:lstStyle/>
-          <a:p>
-            <a:r>
-              <a:rPr lang="en-US" dirty="0"/>
-              <a:t>React is a library for building user interfaces</a:t>
-            </a:r>
-          </a:p>
-          <a:p>
-            <a:pPr lvl="1"/>
-            <a:r>
-              <a:rPr lang="en-US" dirty="0"/>
-              <a:t>Not as all-encompassing as a framework like Angular</a:t>
-            </a:r>
-          </a:p>
-          <a:p>
-            <a:pPr lvl="1"/>
-            <a:r>
-              <a:rPr lang="en-US" dirty="0"/>
-              <a:t>Focused on building HTML-based user experiences</a:t>
-            </a:r>
-          </a:p>
-          <a:p>
-            <a:pPr lvl="1"/>
-            <a:r>
-              <a:rPr lang="en-US" dirty="0"/>
-              <a:t>Based on reusable component-based architecture</a:t>
-            </a:r>
-          </a:p>
-          <a:p>
-            <a:pPr lvl="1"/>
-            <a:r>
-              <a:rPr lang="en-US" dirty="0"/>
-              <a:t>Components </a:t>
-            </a:r>
-            <a:r>
-              <a:rPr lang="en-US" i="1" dirty="0"/>
-              <a:t>react</a:t>
-            </a:r>
-            <a:r>
-              <a:rPr lang="en-US" dirty="0"/>
-              <a:t> to state changes by updating UI</a:t>
-            </a:r>
-          </a:p>
-          <a:p>
-            <a:pPr lvl="1"/>
-            <a:r>
-              <a:rPr lang="en-US" dirty="0"/>
-              <a:t>React uses shadow DOM for efficient event handling</a:t>
-            </a:r>
-          </a:p>
-          <a:p>
-            <a:endParaRPr lang="en-US" dirty="0"/>
-          </a:p>
-          <a:p>
-            <a:r>
-              <a:rPr lang="en-US" dirty="0"/>
-              <a:t>React was originally designed for Facebook</a:t>
-            </a:r>
-          </a:p>
-          <a:p>
-            <a:pPr lvl="1"/>
-            <a:r>
-              <a:rPr lang="en-US" dirty="0"/>
-              <a:t>Also a good fit for building SPFx web parts</a:t>
-            </a:r>
-          </a:p>
-        </p:txBody>
-      </p:sp>
-    </p:spTree>
-    <p:extLst>
-      <p:ext uri="{BB962C8B-B14F-4D97-AF65-F5344CB8AC3E}">
-        <p14:creationId xmlns:p14="http://schemas.microsoft.com/office/powerpoint/2010/main" val="1261764000"/>
-      </p:ext>
-    </p:extLst>
-  </p:cSld>
-  <p:clrMapOvr>
-    <a:masterClrMapping/>
-  </p:clrMapOvr>
-</p:sld>
-</file>
-
-<file path=ppt/slides/slide30.xml><?xml version="1.0" encoding="utf-8"?>
+<file path=ppt/slides/slide29.xml><?xml version="1.0" encoding="utf-8"?>
 <p:sld xmlns:a="http://schemas.openxmlformats.org/drawingml/2006/main" xmlns:r="http://schemas.openxmlformats.org/officeDocument/2006/relationships" xmlns:p="http://schemas.openxmlformats.org/presentationml/2006/main">
   <p:cSld>
     <p:spTree>
@@ -6954,7 +6638,7 @@
 </p:sld>
 </file>
 
-<file path=ppt/slides/slide31.xml><?xml version="1.0" encoding="utf-8"?>
+<file path=ppt/slides/slide3.xml><?xml version="1.0" encoding="utf-8"?>
 <p:sld xmlns:a="http://schemas.openxmlformats.org/drawingml/2006/main" xmlns:r="http://schemas.openxmlformats.org/officeDocument/2006/relationships" xmlns:p="http://schemas.openxmlformats.org/presentationml/2006/main">
   <p:cSld>
     <p:spTree>
@@ -6987,9 +6671,10 @@
           <a:lstStyle/>
           <a:p>
             <a:r>
-              <a:rPr lang="en-US" dirty="0"/>
-              <a:t>Summary</a:t>
-            </a:r>
+              <a:rPr lang="en-US"/>
+              <a:t>Introducing React</a:t>
+            </a:r>
+            <a:endParaRPr lang="en-US" dirty="0"/>
           </a:p>
         </p:txBody>
       </p:sp>
@@ -7005,68 +6690,71 @@
         </p:nvSpPr>
         <p:spPr/>
         <p:txBody>
-          <a:bodyPr>
-            <a:noAutofit/>
-          </a:bodyPr>
-          <a:lstStyle/>
-          <a:p>
-            <a:pPr lvl="0">
-              <a:buFont typeface="Wingdings" panose="05000000000000000000" pitchFamily="2" charset="2"/>
-              <a:buChar char="ü"/>
-            </a:pPr>
-            <a:r>
-              <a:rPr lang="en-US" sz="2400" dirty="0"/>
-              <a:t>Getting Started with React.js</a:t>
-            </a:r>
-          </a:p>
-          <a:p>
-            <a:pPr lvl="0">
-              <a:buFont typeface="Wingdings" panose="05000000000000000000" pitchFamily="2" charset="2"/>
-              <a:buChar char="ü"/>
-            </a:pPr>
-            <a:r>
-              <a:rPr lang="en-US" sz="2400" dirty="0"/>
-              <a:t>Creating SPAs using React.js, TypeScript and Webpack</a:t>
-            </a:r>
-          </a:p>
-          <a:p>
-            <a:pPr lvl="0">
-              <a:buFont typeface="Wingdings" panose="05000000000000000000" pitchFamily="2" charset="2"/>
-              <a:buChar char="ü"/>
-            </a:pPr>
-            <a:r>
-              <a:rPr lang="en-US" sz="2400" dirty="0"/>
-              <a:t>Designing a React Component Hierarchy</a:t>
-            </a:r>
-          </a:p>
-          <a:p>
-            <a:pPr>
-              <a:buFont typeface="Wingdings" panose="05000000000000000000" pitchFamily="2" charset="2"/>
-              <a:buChar char="ü"/>
-            </a:pPr>
-            <a:r>
-              <a:rPr lang="en-US" sz="2400" dirty="0"/>
-              <a:t>Extending a React Project with the React Router</a:t>
-            </a:r>
-          </a:p>
-          <a:p>
-            <a:pPr lvl="0">
-              <a:buFont typeface="Wingdings" panose="05000000000000000000" pitchFamily="2" charset="2"/>
-              <a:buChar char="ü"/>
-            </a:pPr>
-            <a:r>
-              <a:rPr lang="en-US" sz="2400" dirty="0"/>
-              <a:t>Understanding the React Component Lifecycle Methods</a:t>
-            </a:r>
-          </a:p>
-          <a:p>
-            <a:pPr lvl="0">
-              <a:buFont typeface="Wingdings" panose="05000000000000000000" pitchFamily="2" charset="2"/>
-              <a:buChar char="ü"/>
-            </a:pPr>
-            <a:r>
-              <a:rPr lang="en-US" sz="2400" dirty="0"/>
-              <a:t>Calling Across the Network using the Fetch API</a:t>
+          <a:bodyPr/>
+          <a:lstStyle/>
+          <a:p>
+            <a:r>
+              <a:rPr lang="en-US" dirty="0"/>
+              <a:t>React is a library for building user interfaces</a:t>
+            </a:r>
+          </a:p>
+          <a:p>
+            <a:pPr lvl="1"/>
+            <a:r>
+              <a:rPr lang="en-US" dirty="0"/>
+              <a:t>Not as all-encompassing as a framework like Angular</a:t>
+            </a:r>
+          </a:p>
+          <a:p>
+            <a:pPr lvl="1"/>
+            <a:r>
+              <a:rPr lang="en-US" dirty="0"/>
+              <a:t>Focused on building HTML-based user experiences</a:t>
+            </a:r>
+          </a:p>
+          <a:p>
+            <a:pPr lvl="1"/>
+            <a:r>
+              <a:rPr lang="en-US" dirty="0"/>
+              <a:t>Based on reusable component-based architecture</a:t>
+            </a:r>
+          </a:p>
+          <a:p>
+            <a:pPr lvl="1"/>
+            <a:r>
+              <a:rPr lang="en-US" dirty="0"/>
+              <a:t>Components </a:t>
+            </a:r>
+            <a:r>
+              <a:rPr lang="en-US" i="1" dirty="0"/>
+              <a:t>react</a:t>
+            </a:r>
+            <a:r>
+              <a:rPr lang="en-US" dirty="0"/>
+              <a:t> to state changes by updating UI</a:t>
+            </a:r>
+          </a:p>
+          <a:p>
+            <a:pPr lvl="1"/>
+            <a:r>
+              <a:rPr lang="en-US" dirty="0"/>
+              <a:t>React uses shadow DOM for efficient event handling</a:t>
+            </a:r>
+          </a:p>
+          <a:p>
+            <a:endParaRPr lang="en-US" dirty="0"/>
+          </a:p>
+          <a:p>
+            <a:r>
+              <a:rPr lang="en-US" dirty="0"/>
+              <a:t>React was originally designed for Facebook</a:t>
+            </a:r>
+          </a:p>
+          <a:p>
+            <a:pPr lvl="1"/>
+            <a:r>
+              <a:rPr lang="en-US" dirty="0"/>
+              <a:t>Also a good fit for building SPFx web parts</a:t>
             </a:r>
           </a:p>
         </p:txBody>
@@ -7074,7 +6762,7 @@
     </p:spTree>
     <p:extLst>
       <p:ext uri="{BB962C8B-B14F-4D97-AF65-F5344CB8AC3E}">
-        <p14:creationId xmlns:p14="http://schemas.microsoft.com/office/powerpoint/2010/main" val="635454774"/>
+        <p14:creationId xmlns:p14="http://schemas.microsoft.com/office/powerpoint/2010/main" val="1261764000"/>
       </p:ext>
     </p:extLst>
   </p:cSld>
@@ -7084,7 +6772,7 @@
 </p:sld>
 </file>
 
-<file path=ppt/slides/slide4.xml><?xml version="1.0" encoding="utf-8"?>
+<file path=ppt/slides/slide30.xml><?xml version="1.0" encoding="utf-8"?>
 <p:sld xmlns:a="http://schemas.openxmlformats.org/drawingml/2006/main" xmlns:r="http://schemas.openxmlformats.org/officeDocument/2006/relationships" xmlns:p="http://schemas.openxmlformats.org/presentationml/2006/main">
   <p:cSld>
     <p:spTree>
@@ -7103,7 +6791,7 @@
       </p:grpSpPr>
       <p:sp>
         <p:nvSpPr>
-          <p:cNvPr id="4" name="Title 3"/>
+          <p:cNvPr id="2" name="Title 1"/>
           <p:cNvSpPr>
             <a:spLocks noGrp="1"/>
           </p:cNvSpPr>
@@ -7118,14 +6806,14 @@
           <a:p>
             <a:r>
               <a:rPr lang="en-US" dirty="0"/>
-              <a:t>Hello World with React.js</a:t>
-            </a:r>
-          </a:p>
-        </p:txBody>
-      </p:sp>
-      <p:sp>
-        <p:nvSpPr>
-          <p:cNvPr id="2" name="Content Placeholder 1"/>
+              <a:t>Summary</a:t>
+            </a:r>
+          </a:p>
+        </p:txBody>
+      </p:sp>
+      <p:sp>
+        <p:nvSpPr>
+          <p:cNvPr id="3" name="Content Placeholder 2"/>
           <p:cNvSpPr>
             <a:spLocks noGrp="1"/>
           </p:cNvSpPr>
@@ -7135,101 +6823,76 @@
         </p:nvSpPr>
         <p:spPr/>
         <p:txBody>
-          <a:bodyPr/>
-          <a:lstStyle/>
-          <a:p>
+          <a:bodyPr>
+            <a:noAutofit/>
+          </a:bodyPr>
+          <a:lstStyle/>
+          <a:p>
+            <a:pPr lvl="0">
+              <a:buFont typeface="Wingdings" panose="05000000000000000000" pitchFamily="2" charset="2"/>
+              <a:buChar char="ü"/>
+            </a:pPr>
             <a:r>
               <a:rPr lang="en-US" sz="2400" dirty="0"/>
-              <a:t>Obtain the React library with npm or from a CDN</a:t>
-            </a:r>
-          </a:p>
-          <a:p>
-            <a:pPr lvl="1"/>
-            <a:r>
-              <a:rPr lang="en-US" sz="1600" b="1" dirty="0"/>
-              <a:t>npm install react --save </a:t>
-            </a:r>
-          </a:p>
-          <a:p>
-            <a:pPr lvl="1"/>
-            <a:r>
-              <a:rPr lang="en-US" sz="1600" b="1" dirty="0"/>
-              <a:t>npm install react-</a:t>
-            </a:r>
-            <a:r>
-              <a:rPr lang="en-US" sz="1600" b="1" dirty="0" err="1"/>
-              <a:t>dom</a:t>
-            </a:r>
-            <a:r>
-              <a:rPr lang="en-US" sz="1600" b="1" dirty="0"/>
-              <a:t> --save</a:t>
-            </a:r>
-          </a:p>
-          <a:p>
-            <a:endParaRPr lang="en-US" dirty="0"/>
-          </a:p>
-        </p:txBody>
-      </p:sp>
-      <p:pic>
-        <p:nvPicPr>
-          <p:cNvPr id="5" name="Picture 4"/>
-          <p:cNvPicPr>
-            <a:picLocks noChangeAspect="1"/>
-          </p:cNvPicPr>
-          <p:nvPr/>
-        </p:nvPicPr>
-        <p:blipFill>
-          <a:blip r:embed="rId2"/>
-          <a:stretch>
-            <a:fillRect/>
-          </a:stretch>
-        </p:blipFill>
-        <p:spPr>
-          <a:xfrm>
-            <a:off x="1170923" y="2590800"/>
-            <a:ext cx="6220477" cy="3807950"/>
-          </a:xfrm>
-          <a:prstGeom prst="rect">
-            <a:avLst/>
-          </a:prstGeom>
-        </p:spPr>
-      </p:pic>
-      <p:pic>
-        <p:nvPicPr>
-          <p:cNvPr id="6" name="Picture 5"/>
-          <p:cNvPicPr>
-            <a:picLocks noChangeAspect="1"/>
-          </p:cNvPicPr>
-          <p:nvPr/>
-        </p:nvPicPr>
-        <p:blipFill>
-          <a:blip r:embed="rId3"/>
-          <a:stretch>
-            <a:fillRect/>
-          </a:stretch>
-        </p:blipFill>
-        <p:spPr>
-          <a:xfrm>
-            <a:off x="4912360" y="5715000"/>
-            <a:ext cx="3124200" cy="975541"/>
-          </a:xfrm>
-          <a:prstGeom prst="rect">
-            <a:avLst/>
-          </a:prstGeom>
-          <a:ln>
-            <a:solidFill>
-              <a:schemeClr val="tx1">
-                <a:lumMod val="50000"/>
-                <a:lumOff val="50000"/>
-              </a:schemeClr>
-            </a:solidFill>
-          </a:ln>
-        </p:spPr>
-      </p:pic>
+              <a:t>Getting Started with React.js</a:t>
+            </a:r>
+          </a:p>
+          <a:p>
+            <a:pPr lvl="0">
+              <a:buFont typeface="Wingdings" panose="05000000000000000000" pitchFamily="2" charset="2"/>
+              <a:buChar char="ü"/>
+            </a:pPr>
+            <a:r>
+              <a:rPr lang="en-US" sz="2400" dirty="0"/>
+              <a:t>Creating SPAs using React.js, TypeScript and Webpack</a:t>
+            </a:r>
+          </a:p>
+          <a:p>
+            <a:pPr lvl="0">
+              <a:buFont typeface="Wingdings" panose="05000000000000000000" pitchFamily="2" charset="2"/>
+              <a:buChar char="ü"/>
+            </a:pPr>
+            <a:r>
+              <a:rPr lang="en-US" sz="2400" dirty="0"/>
+              <a:t>Designing a React Component Hierarchy</a:t>
+            </a:r>
+          </a:p>
+          <a:p>
+            <a:pPr>
+              <a:buFont typeface="Wingdings" panose="05000000000000000000" pitchFamily="2" charset="2"/>
+              <a:buChar char="ü"/>
+            </a:pPr>
+            <a:r>
+              <a:rPr lang="en-US" sz="2400" dirty="0"/>
+              <a:t>Extending a React Project with the React Router</a:t>
+            </a:r>
+          </a:p>
+          <a:p>
+            <a:pPr lvl="0">
+              <a:buFont typeface="Wingdings" panose="05000000000000000000" pitchFamily="2" charset="2"/>
+              <a:buChar char="ü"/>
+            </a:pPr>
+            <a:r>
+              <a:rPr lang="en-US" sz="2400" dirty="0"/>
+              <a:t>Understanding the React Component Lifecycle Methods</a:t>
+            </a:r>
+          </a:p>
+          <a:p>
+            <a:pPr lvl="0">
+              <a:buFont typeface="Wingdings" panose="05000000000000000000" pitchFamily="2" charset="2"/>
+              <a:buChar char="ü"/>
+            </a:pPr>
+            <a:r>
+              <a:rPr lang="en-US" sz="2400" dirty="0"/>
+              <a:t>Calling Across the Network using the Fetch API</a:t>
+            </a:r>
+          </a:p>
+        </p:txBody>
+      </p:sp>
     </p:spTree>
     <p:extLst>
       <p:ext uri="{BB962C8B-B14F-4D97-AF65-F5344CB8AC3E}">
-        <p14:creationId xmlns:p14="http://schemas.microsoft.com/office/powerpoint/2010/main" val="2100377763"/>
+        <p14:creationId xmlns:p14="http://schemas.microsoft.com/office/powerpoint/2010/main" val="635454774"/>
       </p:ext>
     </p:extLst>
   </p:cSld>
@@ -7239,7 +6902,7 @@
 </p:sld>
 </file>
 
-<file path=ppt/slides/slide5.xml><?xml version="1.0" encoding="utf-8"?>
+<file path=ppt/slides/slide4.xml><?xml version="1.0" encoding="utf-8"?>
 <p:sld xmlns:a="http://schemas.openxmlformats.org/drawingml/2006/main" xmlns:r="http://schemas.openxmlformats.org/officeDocument/2006/relationships" xmlns:p="http://schemas.openxmlformats.org/presentationml/2006/main">
   <p:cSld>
     <p:spTree>
@@ -7571,7 +7234,7 @@
 </p:sld>
 </file>
 
-<file path=ppt/slides/slide6.xml><?xml version="1.0" encoding="utf-8"?>
+<file path=ppt/slides/slide5.xml><?xml version="1.0" encoding="utf-8"?>
 <p:sld xmlns:a="http://schemas.openxmlformats.org/drawingml/2006/main" xmlns:r="http://schemas.openxmlformats.org/officeDocument/2006/relationships" xmlns:p="http://schemas.openxmlformats.org/presentationml/2006/main">
   <p:cSld>
     <p:spTree>
@@ -7722,7 +7385,7 @@
 </p:sld>
 </file>
 
-<file path=ppt/slides/slide7.xml><?xml version="1.0" encoding="utf-8"?>
+<file path=ppt/slides/slide6.xml><?xml version="1.0" encoding="utf-8"?>
 <p:sld xmlns:a="http://schemas.openxmlformats.org/drawingml/2006/main" xmlns:r="http://schemas.openxmlformats.org/officeDocument/2006/relationships" xmlns:p="http://schemas.openxmlformats.org/presentationml/2006/main">
   <p:cSld>
     <p:spTree>
@@ -7873,7 +7536,7 @@
 </p:sld>
 </file>
 
-<file path=ppt/slides/slide8.xml><?xml version="1.0" encoding="utf-8"?>
+<file path=ppt/slides/slide7.xml><?xml version="1.0" encoding="utf-8"?>
 <p:sld xmlns:a="http://schemas.openxmlformats.org/drawingml/2006/main" xmlns:r="http://schemas.openxmlformats.org/officeDocument/2006/relationships" xmlns:p="http://schemas.openxmlformats.org/presentationml/2006/main">
   <p:cSld>
     <p:spTree>
@@ -7989,7 +7652,7 @@
 </p:sld>
 </file>
 
-<file path=ppt/slides/slide9.xml><?xml version="1.0" encoding="utf-8"?>
+<file path=ppt/slides/slide8.xml><?xml version="1.0" encoding="utf-8"?>
 <p:sld xmlns:a="http://schemas.openxmlformats.org/drawingml/2006/main" xmlns:r="http://schemas.openxmlformats.org/officeDocument/2006/relationships" xmlns:p="http://schemas.openxmlformats.org/presentationml/2006/main">
   <p:cSld>
     <p:spTree>
@@ -8152,6 +7815,187 @@
     <p:extLst>
       <p:ext uri="{BB962C8B-B14F-4D97-AF65-F5344CB8AC3E}">
         <p14:creationId xmlns:p14="http://schemas.microsoft.com/office/powerpoint/2010/main" val="4294057501"/>
+      </p:ext>
+    </p:extLst>
+  </p:cSld>
+  <p:clrMapOvr>
+    <a:masterClrMapping/>
+  </p:clrMapOvr>
+</p:sld>
+</file>
+
+<file path=ppt/slides/slide9.xml><?xml version="1.0" encoding="utf-8"?>
+<p:sld xmlns:a="http://schemas.openxmlformats.org/drawingml/2006/main" xmlns:r="http://schemas.openxmlformats.org/officeDocument/2006/relationships" xmlns:p="http://schemas.openxmlformats.org/presentationml/2006/main">
+  <p:cSld>
+    <p:spTree>
+      <p:nvGrpSpPr>
+        <p:cNvPr id="1" name=""/>
+        <p:cNvGrpSpPr/>
+        <p:nvPr/>
+      </p:nvGrpSpPr>
+      <p:grpSpPr>
+        <a:xfrm>
+          <a:off x="0" y="0"/>
+          <a:ext cx="0" cy="0"/>
+          <a:chOff x="0" y="0"/>
+          <a:chExt cx="0" cy="0"/>
+        </a:xfrm>
+      </p:grpSpPr>
+      <p:sp>
+        <p:nvSpPr>
+          <p:cNvPr id="2" name="Title 1"/>
+          <p:cNvSpPr>
+            <a:spLocks noGrp="1"/>
+          </p:cNvSpPr>
+          <p:nvPr>
+            <p:ph type="title"/>
+          </p:nvPr>
+        </p:nvSpPr>
+        <p:spPr/>
+        <p:txBody>
+          <a:bodyPr/>
+          <a:lstStyle/>
+          <a:p>
+            <a:r>
+              <a:rPr lang="en-US" dirty="0"/>
+              <a:t>Understanding JSX (and TSX)</a:t>
+            </a:r>
+          </a:p>
+        </p:txBody>
+      </p:sp>
+      <p:sp>
+        <p:nvSpPr>
+          <p:cNvPr id="7" name="Content Placeholder 6"/>
+          <p:cNvSpPr>
+            <a:spLocks noGrp="1"/>
+          </p:cNvSpPr>
+          <p:nvPr>
+            <p:ph idx="1"/>
+          </p:nvPr>
+        </p:nvSpPr>
+        <p:spPr/>
+        <p:txBody>
+          <a:bodyPr/>
+          <a:lstStyle/>
+          <a:p>
+            <a:pPr marL="285750" indent="-285750"/>
+            <a:r>
+              <a:rPr lang="en-US" dirty="0"/>
+              <a:t>JSX provides better syntax for HTML composition</a:t>
+            </a:r>
+          </a:p>
+          <a:p>
+            <a:pPr marL="620712" lvl="1" indent="-285750"/>
+            <a:r>
+              <a:rPr lang="en-US" dirty="0"/>
+              <a:t>JSX allows extends JavaScript with XML-like syntax</a:t>
+            </a:r>
+          </a:p>
+          <a:p>
+            <a:pPr marL="620712" lvl="1" indent="-285750"/>
+            <a:r>
+              <a:rPr lang="en-US" dirty="0"/>
+              <a:t>JSX syntax must be </a:t>
+            </a:r>
+            <a:r>
+              <a:rPr lang="en-US" dirty="0" err="1"/>
+              <a:t>transpiled</a:t>
+            </a:r>
+            <a:r>
+              <a:rPr lang="en-US" dirty="0"/>
+              <a:t> into JavaScript code</a:t>
+            </a:r>
+          </a:p>
+          <a:p>
+            <a:pPr marL="620712" lvl="1" indent="-285750"/>
+            <a:endParaRPr lang="en-US" dirty="0"/>
+          </a:p>
+          <a:p>
+            <a:pPr marL="620712" lvl="1" indent="-285750"/>
+            <a:endParaRPr lang="en-US" dirty="0"/>
+          </a:p>
+          <a:p>
+            <a:pPr marL="620712" lvl="1" indent="-285750"/>
+            <a:endParaRPr lang="en-US" dirty="0"/>
+          </a:p>
+          <a:p>
+            <a:pPr marL="620712" lvl="1" indent="-285750"/>
+            <a:endParaRPr lang="en-US" dirty="0"/>
+          </a:p>
+          <a:p>
+            <a:pPr marL="285750" indent="-285750"/>
+            <a:r>
+              <a:rPr lang="en-US" dirty="0"/>
+              <a:t>JSX/TSX is separate from React library</a:t>
+            </a:r>
+          </a:p>
+          <a:p>
+            <a:pPr marL="620712" lvl="1" indent="-285750"/>
+            <a:r>
+              <a:rPr lang="en-US" dirty="0"/>
+              <a:t>JSX/TSX commonly used in React development</a:t>
+            </a:r>
+          </a:p>
+          <a:p>
+            <a:pPr marL="620712" lvl="1" indent="-285750"/>
+            <a:r>
+              <a:rPr lang="en-US" dirty="0"/>
+              <a:t>Babel compiler used to </a:t>
+            </a:r>
+            <a:r>
+              <a:rPr lang="en-US" dirty="0" err="1"/>
+              <a:t>transpile</a:t>
+            </a:r>
+            <a:r>
+              <a:rPr lang="en-US" dirty="0"/>
+              <a:t> JSX to JavaScript</a:t>
+            </a:r>
+          </a:p>
+          <a:p>
+            <a:pPr marL="620712" lvl="1" indent="-285750"/>
+            <a:r>
+              <a:rPr lang="en-US" dirty="0"/>
+              <a:t>TypeScript compiler used to </a:t>
+            </a:r>
+            <a:r>
+              <a:rPr lang="en-US" dirty="0" err="1"/>
+              <a:t>transpile</a:t>
+            </a:r>
+            <a:r>
+              <a:rPr lang="en-US" dirty="0"/>
+              <a:t> TSX to JavaScript</a:t>
+            </a:r>
+          </a:p>
+        </p:txBody>
+      </p:sp>
+      <p:pic>
+        <p:nvPicPr>
+          <p:cNvPr id="3" name="Picture 2"/>
+          <p:cNvPicPr>
+            <a:picLocks noChangeAspect="1"/>
+          </p:cNvPicPr>
+          <p:nvPr/>
+        </p:nvPicPr>
+        <p:blipFill>
+          <a:blip r:embed="rId3"/>
+          <a:stretch>
+            <a:fillRect/>
+          </a:stretch>
+        </p:blipFill>
+        <p:spPr>
+          <a:xfrm>
+            <a:off x="1066800" y="2895600"/>
+            <a:ext cx="7502843" cy="1543937"/>
+          </a:xfrm>
+          <a:prstGeom prst="rect">
+            <a:avLst/>
+          </a:prstGeom>
+        </p:spPr>
+      </p:pic>
+    </p:spTree>
+    <p:extLst>
+      <p:ext uri="{BB962C8B-B14F-4D97-AF65-F5344CB8AC3E}">
+        <p14:creationId xmlns:p14="http://schemas.microsoft.com/office/powerpoint/2010/main" val="2121321310"/>
       </p:ext>
     </p:extLst>
   </p:cSld>
@@ -8991,6 +8835,15 @@
 </file>
 
 <file path=customXml/item1.xml><?xml version="1.0" encoding="utf-8"?>
+<?mso-contentType ?>
+<FormTemplates xmlns="http://schemas.microsoft.com/sharepoint/v3/contenttype/forms">
+  <Display>DocumentLibraryForm</Display>
+  <Edit>DocumentLibraryForm</Edit>
+  <New>DocumentLibraryForm</New>
+</FormTemplates>
+</file>
+
+<file path=customXml/item2.xml><?xml version="1.0" encoding="utf-8"?>
 <outs:outSpaceData xmlns:outs="http://schemas.microsoft.com/office/2009/outspace/metadata">
   <outs:relatedDates>
     <outs:relatedDate>
@@ -9140,16 +8993,13 @@
 </outs:outSpaceData>
 </file>
 
-<file path=customXml/item2.xml><?xml version="1.0" encoding="utf-8"?>
-<?mso-contentType ?>
-<FormTemplates xmlns="http://schemas.microsoft.com/sharepoint/v3/contenttype/forms">
-  <Display>DocumentLibraryForm</Display>
-  <Edit>DocumentLibraryForm</Edit>
-  <New>DocumentLibraryForm</New>
-</FormTemplates>
+<file path=customXml/item3.xml><?xml version="1.0" encoding="utf-8"?>
+<p:properties xmlns:p="http://schemas.microsoft.com/office/2006/metadata/properties" xmlns:xsi="http://www.w3.org/2001/XMLSchema-instance">
+  <documentManagement/>
+</p:properties>
 </file>
 
-<file path=customXml/item3.xml><?xml version="1.0" encoding="utf-8"?>
+<file path=customXml/item4.xml><?xml version="1.0" encoding="utf-8"?>
 <ct:contentTypeSchema xmlns:ct="http://schemas.microsoft.com/office/2006/metadata/contentType" xmlns:ma="http://schemas.microsoft.com/office/2006/metadata/properties/metaAttributes" ct:_="" ma:_="" ma:contentTypeName="Document" ma:contentTypeID="0x01010043F7775CCE86F349BB7C51FB3CE6B150" ma:contentTypeVersion="0" ma:contentTypeDescription="Create a new document." ma:contentTypeScope="" ma:versionID="bb563817a2861b6b5994bd26a2ba9e40">
   <xsd:schema xmlns:xsd="http://www.w3.org/2001/XMLSchema" xmlns:xs="http://www.w3.org/2001/XMLSchema" xmlns:p="http://schemas.microsoft.com/office/2006/metadata/properties" targetNamespace="http://schemas.microsoft.com/office/2006/metadata/properties" ma:root="true" ma:fieldsID="c64490b4aec6201516c3a874156f37b2">
     <xsd:element name="properties">
@@ -9263,13 +9113,15 @@
 </ct:contentTypeSchema>
 </file>
 
-<file path=customXml/item4.xml><?xml version="1.0" encoding="utf-8"?>
-<p:properties xmlns:p="http://schemas.microsoft.com/office/2006/metadata/properties" xmlns:xsi="http://www.w3.org/2001/XMLSchema-instance">
-  <documentManagement/>
-</p:properties>
+<file path=customXml/itemProps1.xml><?xml version="1.0" encoding="utf-8"?>
+<ds:datastoreItem xmlns:ds="http://schemas.openxmlformats.org/officeDocument/2006/customXml" ds:itemID="{6034B84F-8F8E-48B7-9EFF-C7DE1A66BD73}">
+  <ds:schemaRefs>
+    <ds:schemaRef ds:uri="http://schemas.microsoft.com/sharepoint/v3/contenttype/forms"/>
+  </ds:schemaRefs>
+</ds:datastoreItem>
 </file>
 
-<file path=customXml/itemProps1.xml><?xml version="1.0" encoding="utf-8"?>
+<file path=customXml/itemProps2.xml><?xml version="1.0" encoding="utf-8"?>
 <ds:datastoreItem xmlns:ds="http://schemas.openxmlformats.org/officeDocument/2006/customXml" ds:itemID="{8865FC99-B6BD-4E98-8312-F4F432C217EA}">
   <ds:schemaRefs>
     <ds:schemaRef ds:uri="http://schemas.microsoft.com/office/2009/outspace/metadata"/>
@@ -9277,15 +9129,22 @@
 </ds:datastoreItem>
 </file>
 
-<file path=customXml/itemProps2.xml><?xml version="1.0" encoding="utf-8"?>
-<ds:datastoreItem xmlns:ds="http://schemas.openxmlformats.org/officeDocument/2006/customXml" ds:itemID="{6034B84F-8F8E-48B7-9EFF-C7DE1A66BD73}">
+<file path=customXml/itemProps3.xml><?xml version="1.0" encoding="utf-8"?>
+<ds:datastoreItem xmlns:ds="http://schemas.openxmlformats.org/officeDocument/2006/customXml" ds:itemID="{A5547237-B119-45CA-BEFC-A2DA2BDB03E7}">
   <ds:schemaRefs>
-    <ds:schemaRef ds:uri="http://schemas.microsoft.com/sharepoint/v3/contenttype/forms"/>
+    <ds:schemaRef ds:uri="http://schemas.openxmlformats.org/package/2006/metadata/core-properties"/>
+    <ds:schemaRef ds:uri="http://purl.org/dc/elements/1.1/"/>
+    <ds:schemaRef ds:uri="http://schemas.microsoft.com/office/infopath/2007/PartnerControls"/>
+    <ds:schemaRef ds:uri="http://schemas.microsoft.com/office/2006/documentManagement/types"/>
+    <ds:schemaRef ds:uri="http://purl.org/dc/dcmitype/"/>
+    <ds:schemaRef ds:uri="http://purl.org/dc/terms/"/>
+    <ds:schemaRef ds:uri="http://schemas.microsoft.com/office/2006/metadata/properties"/>
+    <ds:schemaRef ds:uri="http://www.w3.org/XML/1998/namespace"/>
   </ds:schemaRefs>
 </ds:datastoreItem>
 </file>
 
-<file path=customXml/itemProps3.xml><?xml version="1.0" encoding="utf-8"?>
+<file path=customXml/itemProps4.xml><?xml version="1.0" encoding="utf-8"?>
 <ds:datastoreItem xmlns:ds="http://schemas.openxmlformats.org/officeDocument/2006/customXml" ds:itemID="{E31B5E98-6A59-4EC7-A18B-B1626004080B}">
   <ds:schemaRefs>
     <ds:schemaRef ds:uri="http://schemas.microsoft.com/office/2006/metadata/contentType"/>
@@ -9299,19 +9158,4 @@
     <ds:schemaRef ds:uri="http://schemas.microsoft.com/office/infopath/2007/PartnerControls"/>
   </ds:schemaRefs>
 </ds:datastoreItem>
-</file>
-
-<file path=customXml/itemProps4.xml><?xml version="1.0" encoding="utf-8"?>
-<ds:datastoreItem xmlns:ds="http://schemas.openxmlformats.org/officeDocument/2006/customXml" ds:itemID="{A5547237-B119-45CA-BEFC-A2DA2BDB03E7}">
-  <ds:schemaRefs>
-    <ds:schemaRef ds:uri="http://schemas.openxmlformats.org/package/2006/metadata/core-properties"/>
-    <ds:schemaRef ds:uri="http://purl.org/dc/elements/1.1/"/>
-    <ds:schemaRef ds:uri="http://schemas.microsoft.com/office/infopath/2007/PartnerControls"/>
-    <ds:schemaRef ds:uri="http://schemas.microsoft.com/office/2006/documentManagement/types"/>
-    <ds:schemaRef ds:uri="http://purl.org/dc/dcmitype/"/>
-    <ds:schemaRef ds:uri="http://purl.org/dc/terms/"/>
-    <ds:schemaRef ds:uri="http://schemas.microsoft.com/office/2006/metadata/properties"/>
-    <ds:schemaRef ds:uri="http://www.w3.org/XML/1998/namespace"/>
-  </ds:schemaRefs>
-</ds:datastoreItem>
 </file>